--- a/SCCS-2023-Rmarkdown-workshop.pptx
+++ b/SCCS-2023-Rmarkdown-workshop.pptx
@@ -10,6 +10,8 @@
     <p:sldId id="259" r:id="rId4"/>
     <p:sldId id="260" r:id="rId5"/>
     <p:sldId id="258" r:id="rId6"/>
+    <p:sldId id="261" r:id="rId7"/>
+    <p:sldId id="262" r:id="rId8"/>
   </p:sldIdLst>
   <p:sldSz cx="12192000" cy="6858000"/>
   <p:notesSz cx="6858000" cy="9144000"/>
@@ -108,6 +110,11 @@
       </a:defRPr>
     </a:lvl9pPr>
   </p:defaultTextStyle>
+  <p:extLst>
+    <p:ext uri="{EFAFB233-063F-42B5-8137-9DF3F51BA10A}">
+      <p15:sldGuideLst xmlns:p15="http://schemas.microsoft.com/office/powerpoint/2012/main"/>
+    </p:ext>
+  </p:extLst>
 </p:presentation>
 </file>
 
@@ -1013,7 +1020,7 @@
         <a:p>
           <a:r>
             <a:rPr lang="en-IN" dirty="0"/>
-            <a:t>30-40 min</a:t>
+            <a:t>20-25 min</a:t>
           </a:r>
         </a:p>
       </dgm:t>
@@ -1337,7 +1344,7 @@
         <a:p>
           <a:r>
             <a:rPr lang="en-IN" dirty="0"/>
-            <a:t>15-20 min</a:t>
+            <a:t>20-30 min</a:t>
           </a:r>
         </a:p>
       </dgm:t>
@@ -1361,6 +1368,42 @@
         <a:lstStyle/>
         <a:p>
           <a:endParaRPr lang="en-IN"/>
+        </a:p>
+      </dgm:t>
+    </dgm:pt>
+    <dgm:pt modelId="{772CAFB6-A51F-46D7-B024-376E3EBD538C}">
+      <dgm:prSet phldrT="[Text]"/>
+      <dgm:spPr/>
+      <dgm:t>
+        <a:bodyPr/>
+        <a:lstStyle/>
+        <a:p>
+          <a:r>
+            <a:rPr lang="en-IN" dirty="0"/>
+            <a:t>More examples</a:t>
+          </a:r>
+        </a:p>
+      </dgm:t>
+    </dgm:pt>
+    <dgm:pt modelId="{7043B64F-EA48-4224-A730-E05D74DE35D8}" type="parTrans" cxnId="{3D10D3C7-33AA-4920-A932-DD1741E71171}">
+      <dgm:prSet/>
+      <dgm:spPr/>
+      <dgm:t>
+        <a:bodyPr/>
+        <a:lstStyle/>
+        <a:p>
+          <a:endParaRPr lang="en-US"/>
+        </a:p>
+      </dgm:t>
+    </dgm:pt>
+    <dgm:pt modelId="{C93AC6C1-D1B1-45B7-8A6B-1941FF3349E5}" type="sibTrans" cxnId="{3D10D3C7-33AA-4920-A932-DD1741E71171}">
+      <dgm:prSet/>
+      <dgm:spPr/>
+      <dgm:t>
+        <a:bodyPr/>
+        <a:lstStyle/>
+        <a:p>
+          <a:endParaRPr lang="en-US"/>
         </a:p>
       </dgm:t>
     </dgm:pt>
@@ -1435,13 +1478,14 @@
     <dgm:cxn modelId="{76B1701E-6B33-4BFE-8BBE-D3FF5AB8D6F5}" type="presOf" srcId="{01628709-F835-40D7-AD92-E11CCE67E18F}" destId="{91252F69-E27F-4ED3-9968-CA6DEFD0364E}" srcOrd="0" destOrd="0" presId="urn:microsoft.com/office/officeart/2005/8/layout/hProcess9"/>
     <dgm:cxn modelId="{7F62811E-CBB3-4B23-9B78-61AFF75E62E4}" srcId="{72E641A8-005D-4AB0-9156-69B17CF9480D}" destId="{F0224299-7278-4F8D-94DC-3BABFA5569FD}" srcOrd="0" destOrd="0" parTransId="{4CA0334D-7E6E-4077-A701-CD6DE28A7D24}" sibTransId="{3959DC05-848B-4483-BBDC-65BB80B33F31}"/>
     <dgm:cxn modelId="{C9789020-78D9-4D25-827B-EE155E34089B}" srcId="{84A5CAF8-775F-4D90-8BDB-E7C55C0E8623}" destId="{6F5F43EB-5B46-44D3-ABF5-5D54550BFB9B}" srcOrd="1" destOrd="0" parTransId="{515BE42F-188C-4281-A256-A0C538B5D16E}" sibTransId="{AE197FE3-DCA5-4778-B9DB-E2AD20CDDA52}"/>
-    <dgm:cxn modelId="{53934738-F134-4F27-BF51-8F9490719271}" type="presOf" srcId="{706A9C99-DE00-4B34-A838-9DC81DAA92CA}" destId="{783AE55C-37A7-480B-AC63-C0C54118931C}" srcOrd="0" destOrd="3" presId="urn:microsoft.com/office/officeart/2005/8/layout/hProcess9"/>
+    <dgm:cxn modelId="{53934738-F134-4F27-BF51-8F9490719271}" type="presOf" srcId="{706A9C99-DE00-4B34-A838-9DC81DAA92CA}" destId="{783AE55C-37A7-480B-AC63-C0C54118931C}" srcOrd="0" destOrd="4" presId="urn:microsoft.com/office/officeart/2005/8/layout/hProcess9"/>
     <dgm:cxn modelId="{722CFC39-DC3B-422A-9A02-EE4B5F7EF290}" type="presOf" srcId="{EC32450B-07AD-489B-8856-06A5187792A9}" destId="{0EBF0275-A6A5-438D-BC90-E28F865591D2}" srcOrd="0" destOrd="1" presId="urn:microsoft.com/office/officeart/2005/8/layout/hProcess9"/>
-    <dgm:cxn modelId="{8C1B2C3E-3286-41BA-B9D4-F1BEC252962C}" srcId="{72E641A8-005D-4AB0-9156-69B17CF9480D}" destId="{706A9C99-DE00-4B34-A838-9DC81DAA92CA}" srcOrd="2" destOrd="0" parTransId="{E31FC000-2B2A-43CC-A2BB-00BC660AF0BB}" sibTransId="{465E7073-CCF1-464F-9651-FDC606EC1744}"/>
+    <dgm:cxn modelId="{8C1B2C3E-3286-41BA-B9D4-F1BEC252962C}" srcId="{72E641A8-005D-4AB0-9156-69B17CF9480D}" destId="{706A9C99-DE00-4B34-A838-9DC81DAA92CA}" srcOrd="3" destOrd="0" parTransId="{E31FC000-2B2A-43CC-A2BB-00BC660AF0BB}" sibTransId="{465E7073-CCF1-464F-9651-FDC606EC1744}"/>
     <dgm:cxn modelId="{7719093F-CEDD-4AAB-B92B-9E57359E382F}" type="presOf" srcId="{B39043A7-F7BC-4FE6-9033-97273791FFF2}" destId="{91252F69-E27F-4ED3-9968-CA6DEFD0364E}" srcOrd="0" destOrd="2" presId="urn:microsoft.com/office/officeart/2005/8/layout/hProcess9"/>
     <dgm:cxn modelId="{A44C2E5F-DDBC-4772-B70F-C8DD77B17C67}" type="presOf" srcId="{037255D9-ABC5-4F4D-9233-78EE5BDABEB8}" destId="{D4E22C6E-D0F0-42DC-B2F6-E287792170FE}" srcOrd="0" destOrd="2" presId="urn:microsoft.com/office/officeart/2005/8/layout/hProcess9"/>
     <dgm:cxn modelId="{4A26EC64-427D-4A3C-8557-01DB04074784}" type="presOf" srcId="{84A5CAF8-775F-4D90-8BDB-E7C55C0E8623}" destId="{2C06993B-7A86-4CA6-A220-1CA555A8BEB0}" srcOrd="0" destOrd="0" presId="urn:microsoft.com/office/officeart/2005/8/layout/hProcess9"/>
     <dgm:cxn modelId="{66114550-80C8-4E43-A7DC-4DAC4E2664B0}" type="presOf" srcId="{FE402C5A-52BA-4FCA-905D-F38C27B3B460}" destId="{0EBF0275-A6A5-438D-BC90-E28F865591D2}" srcOrd="0" destOrd="0" presId="urn:microsoft.com/office/officeart/2005/8/layout/hProcess9"/>
+    <dgm:cxn modelId="{EBC42178-6CFB-44D8-BDE0-D299C2D1EBC0}" type="presOf" srcId="{772CAFB6-A51F-46D7-B024-376E3EBD538C}" destId="{783AE55C-37A7-480B-AC63-C0C54118931C}" srcOrd="0" destOrd="3" presId="urn:microsoft.com/office/officeart/2005/8/layout/hProcess9"/>
     <dgm:cxn modelId="{0364A779-4065-4F69-ACB8-7EF7E7340168}" srcId="{FE402C5A-52BA-4FCA-905D-F38C27B3B460}" destId="{EC32450B-07AD-489B-8856-06A5187792A9}" srcOrd="0" destOrd="0" parTransId="{4F92848D-01E8-4385-99CA-4226EE97A8C2}" sibTransId="{A846B0D1-49AE-43CD-8128-E8B438F84B0B}"/>
     <dgm:cxn modelId="{A88ABC7C-05C7-43FD-B909-5A1ECDAB59FD}" type="presOf" srcId="{F0224299-7278-4F8D-94DC-3BABFA5569FD}" destId="{783AE55C-37A7-480B-AC63-C0C54118931C}" srcOrd="0" destOrd="1" presId="urn:microsoft.com/office/officeart/2005/8/layout/hProcess9"/>
     <dgm:cxn modelId="{C4EF8184-9998-4A67-914E-7EA8E4834ACC}" srcId="{84A5CAF8-775F-4D90-8BDB-E7C55C0E8623}" destId="{FE402C5A-52BA-4FCA-905D-F38C27B3B460}" srcOrd="3" destOrd="0" parTransId="{CEAC55FE-FAB2-464E-8301-927F27BF7713}" sibTransId="{4D125874-7D95-4205-B96E-CCC0A3F93349}"/>
@@ -1449,6 +1493,7 @@
     <dgm:cxn modelId="{C359D695-E8F4-44F9-99F9-DD13FF421C3E}" srcId="{01628709-F835-40D7-AD92-E11CCE67E18F}" destId="{B90D1C04-DA42-40A4-8C31-02E2F811EDC9}" srcOrd="0" destOrd="0" parTransId="{54BE1426-CDFB-47F5-A11F-75CF73DA0066}" sibTransId="{A02747DE-0B89-4066-BA7B-F3379FC312EC}"/>
     <dgm:cxn modelId="{C6E9649C-A24C-42C2-B5E7-23E57856F574}" srcId="{01628709-F835-40D7-AD92-E11CCE67E18F}" destId="{B39043A7-F7BC-4FE6-9033-97273791FFF2}" srcOrd="1" destOrd="0" parTransId="{8FD9748A-C1A5-42F8-9305-11B6AC6C49D8}" sibTransId="{FF208264-34B5-4A2F-B0A6-FC082FBE4E2E}"/>
     <dgm:cxn modelId="{7594F3BC-A85B-414B-A008-EB7B3C9D173D}" type="presOf" srcId="{E13410F9-A413-4F23-A749-779B8A8A087F}" destId="{D4E22C6E-D0F0-42DC-B2F6-E287792170FE}" srcOrd="0" destOrd="1" presId="urn:microsoft.com/office/officeart/2005/8/layout/hProcess9"/>
+    <dgm:cxn modelId="{3D10D3C7-33AA-4920-A932-DD1741E71171}" srcId="{72E641A8-005D-4AB0-9156-69B17CF9480D}" destId="{772CAFB6-A51F-46D7-B024-376E3EBD538C}" srcOrd="2" destOrd="0" parTransId="{7043B64F-EA48-4224-A730-E05D74DE35D8}" sibTransId="{C93AC6C1-D1B1-45B7-8A6B-1941FF3349E5}"/>
     <dgm:cxn modelId="{1754AAC8-2A15-4101-921E-4F335E361DBC}" srcId="{84A5CAF8-775F-4D90-8BDB-E7C55C0E8623}" destId="{72E641A8-005D-4AB0-9156-69B17CF9480D}" srcOrd="2" destOrd="0" parTransId="{A46B76C1-FBD2-4B97-B857-9AFA0F2EB4C4}" sibTransId="{BF8DCFEA-E079-4B89-ACC0-B5724C39C666}"/>
     <dgm:cxn modelId="{3ED56FDB-669A-48ED-932D-4D61DA924046}" srcId="{84A5CAF8-775F-4D90-8BDB-E7C55C0E8623}" destId="{01628709-F835-40D7-AD92-E11CCE67E18F}" srcOrd="0" destOrd="0" parTransId="{A4DCD9E3-8504-47C1-94E3-B3924513A355}" sibTransId="{495CF53D-976F-4F16-89AE-8D7131E4CDF9}"/>
     <dgm:cxn modelId="{E2A427FD-9996-4068-9159-F0E8BDDA6C7A}" srcId="{6F5F43EB-5B46-44D3-ABF5-5D54550BFB9B}" destId="{E13410F9-A413-4F23-A749-779B8A8A087F}" srcOrd="0" destOrd="0" parTransId="{A993401F-2E88-4C75-9634-69C6A7F1436D}" sibTransId="{BDE48983-3772-4401-A6C6-A94C41926E37}"/>
@@ -1644,12 +1689,12 @@
         </a:fontRef>
       </dsp:style>
       <dsp:txBody>
-        <a:bodyPr spcFirstLastPara="0" vert="horz" wrap="square" lIns="68580" tIns="68580" rIns="68580" bIns="68580" numCol="1" spcCol="1270" anchor="t" anchorCtr="0">
+        <a:bodyPr spcFirstLastPara="0" vert="horz" wrap="square" lIns="60960" tIns="60960" rIns="60960" bIns="60960" numCol="1" spcCol="1270" anchor="t" anchorCtr="0">
           <a:noAutofit/>
         </a:bodyPr>
         <a:lstStyle/>
         <a:p>
-          <a:pPr marL="0" lvl="0" indent="0" algn="l" defTabSz="800100">
+          <a:pPr marL="0" lvl="0" indent="0" algn="l" defTabSz="711200">
             <a:lnSpc>
               <a:spcPct val="90000"/>
             </a:lnSpc>
@@ -1662,12 +1707,12 @@
             <a:buNone/>
           </a:pPr>
           <a:r>
-            <a:rPr lang="en-IN" sz="1800" kern="1200" dirty="0"/>
+            <a:rPr lang="en-IN" sz="1600" kern="1200" dirty="0"/>
             <a:t>Presentation</a:t>
           </a:r>
         </a:p>
         <a:p>
-          <a:pPr marL="114300" lvl="1" indent="-114300" algn="l" defTabSz="622300">
+          <a:pPr marL="114300" lvl="1" indent="-114300" algn="l" defTabSz="533400">
             <a:lnSpc>
               <a:spcPct val="90000"/>
             </a:lnSpc>
@@ -1680,12 +1725,12 @@
             <a:buChar char="•"/>
           </a:pPr>
           <a:r>
-            <a:rPr lang="en-IN" sz="1400" kern="1200" dirty="0"/>
+            <a:rPr lang="en-IN" sz="1200" kern="1200" dirty="0"/>
             <a:t>What is Markdown and R markdown</a:t>
           </a:r>
         </a:p>
         <a:p>
-          <a:pPr marL="114300" lvl="1" indent="-114300" algn="l" defTabSz="622300">
+          <a:pPr marL="114300" lvl="1" indent="-114300" algn="l" defTabSz="533400">
             <a:lnSpc>
               <a:spcPct val="90000"/>
             </a:lnSpc>
@@ -1698,8 +1743,8 @@
             <a:buChar char="•"/>
           </a:pPr>
           <a:r>
-            <a:rPr lang="en-IN" sz="1400" kern="1200" dirty="0"/>
-            <a:t>30-40 min</a:t>
+            <a:rPr lang="en-IN" sz="1200" kern="1200" dirty="0"/>
+            <a:t>20-25 min</a:t>
           </a:r>
         </a:p>
       </dsp:txBody>
@@ -1788,12 +1833,12 @@
         </a:fontRef>
       </dsp:style>
       <dsp:txBody>
-        <a:bodyPr spcFirstLastPara="0" vert="horz" wrap="square" lIns="68580" tIns="68580" rIns="68580" bIns="68580" numCol="1" spcCol="1270" anchor="t" anchorCtr="0">
+        <a:bodyPr spcFirstLastPara="0" vert="horz" wrap="square" lIns="60960" tIns="60960" rIns="60960" bIns="60960" numCol="1" spcCol="1270" anchor="t" anchorCtr="0">
           <a:noAutofit/>
         </a:bodyPr>
         <a:lstStyle/>
         <a:p>
-          <a:pPr marL="0" lvl="0" indent="0" algn="l" defTabSz="800100">
+          <a:pPr marL="0" lvl="0" indent="0" algn="l" defTabSz="711200">
             <a:lnSpc>
               <a:spcPct val="90000"/>
             </a:lnSpc>
@@ -1806,12 +1851,12 @@
             <a:buNone/>
           </a:pPr>
           <a:r>
-            <a:rPr lang="en-IN" sz="1800" kern="1200" dirty="0"/>
+            <a:rPr lang="en-IN" sz="1600" kern="1200" dirty="0"/>
             <a:t>Break to setup</a:t>
           </a:r>
         </a:p>
         <a:p>
-          <a:pPr marL="114300" lvl="1" indent="-114300" algn="l" defTabSz="622300">
+          <a:pPr marL="114300" lvl="1" indent="-114300" algn="l" defTabSz="533400">
             <a:lnSpc>
               <a:spcPct val="90000"/>
             </a:lnSpc>
@@ -1824,12 +1869,12 @@
             <a:buChar char="•"/>
           </a:pPr>
           <a:r>
-            <a:rPr lang="en-IN" sz="1400" kern="1200" dirty="0"/>
+            <a:rPr lang="en-IN" sz="1200" kern="1200" dirty="0"/>
             <a:t>Setting up your laptops for Workshop</a:t>
           </a:r>
         </a:p>
         <a:p>
-          <a:pPr marL="114300" lvl="1" indent="-114300" algn="l" defTabSz="622300">
+          <a:pPr marL="114300" lvl="1" indent="-114300" algn="l" defTabSz="533400">
             <a:lnSpc>
               <a:spcPct val="90000"/>
             </a:lnSpc>
@@ -1842,8 +1887,8 @@
             <a:buChar char="•"/>
           </a:pPr>
           <a:r>
-            <a:rPr lang="en-IN" sz="1400" kern="1200" dirty="0"/>
-            <a:t>15-20 min</a:t>
+            <a:rPr lang="en-IN" sz="1200" kern="1200" dirty="0"/>
+            <a:t>20-30 min</a:t>
           </a:r>
         </a:p>
       </dsp:txBody>
@@ -1932,12 +1977,12 @@
         </a:fontRef>
       </dsp:style>
       <dsp:txBody>
-        <a:bodyPr spcFirstLastPara="0" vert="horz" wrap="square" lIns="68580" tIns="68580" rIns="68580" bIns="68580" numCol="1" spcCol="1270" anchor="t" anchorCtr="0">
+        <a:bodyPr spcFirstLastPara="0" vert="horz" wrap="square" lIns="60960" tIns="60960" rIns="60960" bIns="60960" numCol="1" spcCol="1270" anchor="t" anchorCtr="0">
           <a:noAutofit/>
         </a:bodyPr>
         <a:lstStyle/>
         <a:p>
-          <a:pPr marL="0" lvl="0" indent="0" algn="l" defTabSz="800100">
+          <a:pPr marL="0" lvl="0" indent="0" algn="l" defTabSz="711200">
             <a:lnSpc>
               <a:spcPct val="90000"/>
             </a:lnSpc>
@@ -1950,12 +1995,12 @@
             <a:buNone/>
           </a:pPr>
           <a:r>
-            <a:rPr lang="en-IN" sz="1800" kern="1200" dirty="0"/>
+            <a:rPr lang="en-IN" sz="1600" kern="1200" dirty="0"/>
             <a:t>Hands-on Workshop</a:t>
           </a:r>
         </a:p>
         <a:p>
-          <a:pPr marL="114300" lvl="1" indent="-114300" algn="l" defTabSz="622300">
+          <a:pPr marL="114300" lvl="1" indent="-114300" algn="l" defTabSz="533400">
             <a:lnSpc>
               <a:spcPct val="90000"/>
             </a:lnSpc>
@@ -1968,12 +2013,12 @@
             <a:buChar char="•"/>
           </a:pPr>
           <a:r>
-            <a:rPr lang="en-IN" sz="1400" kern="1200" dirty="0"/>
+            <a:rPr lang="en-IN" sz="1200" kern="1200" dirty="0"/>
             <a:t>Creating first document using R markdown</a:t>
           </a:r>
         </a:p>
         <a:p>
-          <a:pPr marL="114300" lvl="1" indent="-114300" algn="l" defTabSz="622300">
+          <a:pPr marL="114300" lvl="1" indent="-114300" algn="l" defTabSz="533400">
             <a:lnSpc>
               <a:spcPct val="90000"/>
             </a:lnSpc>
@@ -1986,12 +2031,12 @@
             <a:buChar char="•"/>
           </a:pPr>
           <a:r>
-            <a:rPr lang="en-IN" sz="1400" kern="1200" dirty="0"/>
+            <a:rPr lang="en-IN" sz="1200" kern="1200" dirty="0"/>
             <a:t>Advantage in creating periodic report</a:t>
           </a:r>
         </a:p>
         <a:p>
-          <a:pPr marL="114300" lvl="1" indent="-114300" algn="l" defTabSz="622300">
+          <a:pPr marL="114300" lvl="1" indent="-114300" algn="l" defTabSz="533400">
             <a:lnSpc>
               <a:spcPct val="90000"/>
             </a:lnSpc>
@@ -2004,7 +2049,25 @@
             <a:buChar char="•"/>
           </a:pPr>
           <a:r>
-            <a:rPr lang="en-IN" sz="1400" kern="1200" dirty="0"/>
+            <a:rPr lang="en-IN" sz="1200" kern="1200" dirty="0"/>
+            <a:t>More examples</a:t>
+          </a:r>
+        </a:p>
+        <a:p>
+          <a:pPr marL="114300" lvl="1" indent="-114300" algn="l" defTabSz="533400">
+            <a:lnSpc>
+              <a:spcPct val="90000"/>
+            </a:lnSpc>
+            <a:spcBef>
+              <a:spcPct val="0"/>
+            </a:spcBef>
+            <a:spcAft>
+              <a:spcPct val="15000"/>
+            </a:spcAft>
+            <a:buChar char="•"/>
+          </a:pPr>
+          <a:r>
+            <a:rPr lang="en-IN" sz="1200" kern="1200" dirty="0"/>
             <a:t>60-90 mins</a:t>
           </a:r>
         </a:p>
@@ -2094,12 +2157,12 @@
         </a:fontRef>
       </dsp:style>
       <dsp:txBody>
-        <a:bodyPr spcFirstLastPara="0" vert="horz" wrap="square" lIns="68580" tIns="68580" rIns="68580" bIns="68580" numCol="1" spcCol="1270" anchor="t" anchorCtr="0">
+        <a:bodyPr spcFirstLastPara="0" vert="horz" wrap="square" lIns="60960" tIns="60960" rIns="60960" bIns="60960" numCol="1" spcCol="1270" anchor="t" anchorCtr="0">
           <a:noAutofit/>
         </a:bodyPr>
         <a:lstStyle/>
         <a:p>
-          <a:pPr marL="0" lvl="0" indent="0" algn="l" defTabSz="800100">
+          <a:pPr marL="0" lvl="0" indent="0" algn="l" defTabSz="711200">
             <a:lnSpc>
               <a:spcPct val="90000"/>
             </a:lnSpc>
@@ -2112,12 +2175,12 @@
             <a:buNone/>
           </a:pPr>
           <a:r>
-            <a:rPr lang="en-IN" sz="1800" kern="1200" dirty="0"/>
+            <a:rPr lang="en-IN" sz="1600" kern="1200" dirty="0"/>
             <a:t>What is not in scope of this workshop</a:t>
           </a:r>
         </a:p>
         <a:p>
-          <a:pPr marL="114300" lvl="1" indent="-114300" algn="l" defTabSz="622300">
+          <a:pPr marL="114300" lvl="1" indent="-114300" algn="l" defTabSz="533400">
             <a:lnSpc>
               <a:spcPct val="90000"/>
             </a:lnSpc>
@@ -2130,7 +2193,7 @@
             <a:buChar char="•"/>
           </a:pPr>
           <a:r>
-            <a:rPr lang="en-IN" sz="1400" kern="1200" dirty="0"/>
+            <a:rPr lang="en-IN" sz="1200" kern="1200" dirty="0"/>
             <a:t>Question</a:t>
           </a:r>
         </a:p>
@@ -7329,7 +7392,7 @@
             <p:ph idx="1"/>
             <p:extLst>
               <p:ext uri="{D42A27DB-BD31-4B8C-83A1-F6EECF244321}">
-                <p14:modId xmlns:p14="http://schemas.microsoft.com/office/powerpoint/2010/main" val="1274935188"/>
+                <p14:modId xmlns:p14="http://schemas.microsoft.com/office/powerpoint/2010/main" val="4098625614"/>
               </p:ext>
             </p:extLst>
           </p:nvPr>
@@ -7836,13 +7899,103 @@
         </p:nvSpPr>
         <p:spPr/>
         <p:txBody>
-          <a:bodyPr/>
+          <a:bodyPr>
+            <a:normAutofit fontScale="92500"/>
+          </a:bodyPr>
           <a:lstStyle/>
           <a:p>
             <a:r>
               <a:rPr lang="en-IN" dirty="0"/>
-              <a:t>It is light weight Markup language</a:t>
-            </a:r>
+              <a:t>It is a lightweight Markup language</a:t>
+            </a:r>
+          </a:p>
+          <a:p>
+            <a:r>
+              <a:rPr lang="en-IN" dirty="0"/>
+              <a:t>Developed </a:t>
+            </a:r>
+          </a:p>
+          <a:p>
+            <a:pPr lvl="1"/>
+            <a:r>
+              <a:rPr lang="en-IN" dirty="0"/>
+              <a:t>Jhon Gruber </a:t>
+            </a:r>
+            <a:r>
+              <a:rPr lang="en-US" dirty="0"/>
+              <a:t>(</a:t>
+            </a:r>
+            <a:r>
+              <a:rPr lang="en-US" dirty="0">
+                <a:hlinkClick r:id="rId2"/>
+              </a:rPr>
+              <a:t>John Gruber – Wikipedia</a:t>
+            </a:r>
+            <a:r>
+              <a:rPr lang="en-US" dirty="0"/>
+              <a:t>)</a:t>
+            </a:r>
+          </a:p>
+          <a:p>
+            <a:pPr lvl="1"/>
+            <a:r>
+              <a:rPr lang="en-US" dirty="0"/>
+              <a:t>2004</a:t>
+            </a:r>
+          </a:p>
+          <a:p>
+            <a:r>
+              <a:rPr lang="en-US" dirty="0"/>
+              <a:t>Allow to write code and text in the same document.</a:t>
+            </a:r>
+          </a:p>
+          <a:p>
+            <a:r>
+              <a:rPr lang="en-US" dirty="0"/>
+              <a:t>Open-source and can be used in a plain text editor (e.g., notepad). </a:t>
+            </a:r>
+          </a:p>
+          <a:p>
+            <a:r>
+              <a:rPr lang="en-US" dirty="0"/>
+              <a:t>Site that uses Markdown</a:t>
+            </a:r>
+          </a:p>
+          <a:p>
+            <a:pPr lvl="1"/>
+            <a:r>
+              <a:rPr lang="en-IN" dirty="0"/>
+              <a:t>Reddit</a:t>
+            </a:r>
+          </a:p>
+          <a:p>
+            <a:pPr lvl="1"/>
+            <a:r>
+              <a:rPr lang="en-IN" dirty="0" err="1"/>
+              <a:t>Github</a:t>
+            </a:r>
+            <a:r>
+              <a:rPr lang="en-IN" dirty="0"/>
+              <a:t> (code repository)</a:t>
+            </a:r>
+          </a:p>
+          <a:p>
+            <a:pPr lvl="1"/>
+            <a:r>
+              <a:rPr lang="en-IN" dirty="0"/>
+              <a:t>Stack exchange (Q AND A for codes)</a:t>
+            </a:r>
+          </a:p>
+          <a:p>
+            <a:pPr lvl="1"/>
+            <a:endParaRPr lang="en-IN" dirty="0"/>
+          </a:p>
+          <a:p>
+            <a:pPr lvl="1"/>
+            <a:endParaRPr lang="en-IN" dirty="0"/>
+          </a:p>
+          <a:p>
+            <a:endParaRPr lang="en-IN" dirty="0"/>
           </a:p>
           <a:p>
             <a:endParaRPr lang="en-IN" dirty="0"/>
@@ -7858,18 +8011,23 @@
               </a:ext>
             </a:extLst>
           </p:cNvPr>
-          <p:cNvCxnSpPr/>
+          <p:cNvCxnSpPr>
+            <a:cxnSpLocks/>
+          </p:cNvCxnSpPr>
           <p:nvPr/>
         </p:nvCxnSpPr>
         <p:spPr>
           <a:xfrm>
-            <a:off x="5794310" y="2570583"/>
-            <a:ext cx="2696547" cy="1716833"/>
+            <a:off x="6609030" y="1983601"/>
+            <a:ext cx="1336467" cy="71235"/>
           </a:xfrm>
           <a:prstGeom prst="straightConnector1">
             <a:avLst/>
           </a:prstGeom>
-          <a:ln>
+          <a:ln w="28575">
+            <a:solidFill>
+              <a:schemeClr val="tx1"/>
+            </a:solidFill>
             <a:tailEnd type="triangle"/>
           </a:ln>
         </p:spPr>
@@ -7888,10 +8046,379 @@
           </a:fontRef>
         </p:style>
       </p:cxnSp>
+      <p:sp>
+        <p:nvSpPr>
+          <p:cNvPr id="4" name="Oval 3">
+            <a:extLst>
+              <a:ext uri="{FF2B5EF4-FFF2-40B4-BE49-F238E27FC236}">
+                <a16:creationId xmlns:a16="http://schemas.microsoft.com/office/drawing/2014/main" id="{83CD3C85-AE92-B76D-02C1-85C8A1153860}"/>
+              </a:ext>
+            </a:extLst>
+          </p:cNvPr>
+          <p:cNvSpPr/>
+          <p:nvPr/>
+        </p:nvSpPr>
+        <p:spPr>
+          <a:xfrm>
+            <a:off x="3576118" y="1539089"/>
+            <a:ext cx="2806575" cy="1031494"/>
+          </a:xfrm>
+          <a:prstGeom prst="ellipse">
+            <a:avLst/>
+          </a:prstGeom>
+          <a:noFill/>
+          <a:ln w="38100">
+            <a:solidFill>
+              <a:schemeClr val="tx1"/>
+            </a:solidFill>
+            <a:prstDash val="dash"/>
+          </a:ln>
+        </p:spPr>
+        <p:style>
+          <a:lnRef idx="2">
+            <a:schemeClr val="accent1">
+              <a:shade val="15000"/>
+            </a:schemeClr>
+          </a:lnRef>
+          <a:fillRef idx="1">
+            <a:schemeClr val="accent1"/>
+          </a:fillRef>
+          <a:effectRef idx="0">
+            <a:schemeClr val="accent1"/>
+          </a:effectRef>
+          <a:fontRef idx="minor">
+            <a:schemeClr val="lt1"/>
+          </a:fontRef>
+        </p:style>
+        <p:txBody>
+          <a:bodyPr rtlCol="0" anchor="ctr"/>
+          <a:lstStyle/>
+          <a:p>
+            <a:pPr algn="ctr"/>
+            <a:endParaRPr lang="en-US"/>
+          </a:p>
+        </p:txBody>
+      </p:sp>
+      <p:sp>
+        <p:nvSpPr>
+          <p:cNvPr id="7" name="TextBox 6">
+            <a:extLst>
+              <a:ext uri="{FF2B5EF4-FFF2-40B4-BE49-F238E27FC236}">
+                <a16:creationId xmlns:a16="http://schemas.microsoft.com/office/drawing/2014/main" id="{BFEDDB1D-D76E-41FC-C288-B9067124696C}"/>
+              </a:ext>
+            </a:extLst>
+          </p:cNvPr>
+          <p:cNvSpPr txBox="1"/>
+          <p:nvPr/>
+        </p:nvSpPr>
+        <p:spPr>
+          <a:xfrm>
+            <a:off x="7902987" y="1690688"/>
+            <a:ext cx="2999455" cy="1477328"/>
+          </a:xfrm>
+          <a:prstGeom prst="rect">
+            <a:avLst/>
+          </a:prstGeom>
+          <a:noFill/>
+          <a:ln w="19050">
+            <a:solidFill>
+              <a:schemeClr val="tx1"/>
+            </a:solidFill>
+          </a:ln>
+        </p:spPr>
+        <p:txBody>
+          <a:bodyPr wrap="square" rtlCol="0">
+            <a:spAutoFit/>
+          </a:bodyPr>
+          <a:lstStyle/>
+          <a:p>
+            <a:pPr marL="285750" indent="-285750">
+              <a:buFont typeface="Arial" panose="020B0604020202020204" pitchFamily="34" charset="0"/>
+              <a:buChar char="•"/>
+            </a:pPr>
+            <a:r>
+              <a:rPr lang="en-US" dirty="0"/>
+              <a:t>Test encoding system</a:t>
+            </a:r>
+          </a:p>
+          <a:p>
+            <a:pPr marL="285750" indent="-285750">
+              <a:buFont typeface="Arial" panose="020B0604020202020204" pitchFamily="34" charset="0"/>
+              <a:buChar char="•"/>
+            </a:pPr>
+            <a:r>
+              <a:rPr lang="en-US" dirty="0"/>
+              <a:t>With Syntax and symbols.</a:t>
+            </a:r>
+          </a:p>
+          <a:p>
+            <a:pPr marL="285750" indent="-285750">
+              <a:buFont typeface="Arial" panose="020B0604020202020204" pitchFamily="34" charset="0"/>
+              <a:buChar char="•"/>
+            </a:pPr>
+            <a:r>
+              <a:rPr lang="en-US" dirty="0"/>
+              <a:t>E.g., HTML, LATEX, XML, etc. </a:t>
+            </a:r>
+          </a:p>
+        </p:txBody>
+      </p:sp>
     </p:spTree>
     <p:extLst>
       <p:ext uri="{BB962C8B-B14F-4D97-AF65-F5344CB8AC3E}">
         <p14:creationId xmlns:p14="http://schemas.microsoft.com/office/powerpoint/2010/main" val="776056421"/>
+      </p:ext>
+    </p:extLst>
+  </p:cSld>
+  <p:clrMapOvr>
+    <a:masterClrMapping/>
+  </p:clrMapOvr>
+</p:sld>
+</file>
+
+<file path=ppt/slides/slide6.xml><?xml version="1.0" encoding="utf-8"?>
+<p:sld xmlns:a="http://schemas.openxmlformats.org/drawingml/2006/main" xmlns:r="http://schemas.openxmlformats.org/officeDocument/2006/relationships" xmlns:p="http://schemas.openxmlformats.org/presentationml/2006/main">
+  <p:cSld>
+    <p:spTree>
+      <p:nvGrpSpPr>
+        <p:cNvPr id="1" name=""/>
+        <p:cNvGrpSpPr/>
+        <p:nvPr/>
+      </p:nvGrpSpPr>
+      <p:grpSpPr>
+        <a:xfrm>
+          <a:off x="0" y="0"/>
+          <a:ext cx="0" cy="0"/>
+          <a:chOff x="0" y="0"/>
+          <a:chExt cx="0" cy="0"/>
+        </a:xfrm>
+      </p:grpSpPr>
+      <p:sp>
+        <p:nvSpPr>
+          <p:cNvPr id="2" name="Title 1">
+            <a:extLst>
+              <a:ext uri="{FF2B5EF4-FFF2-40B4-BE49-F238E27FC236}">
+                <a16:creationId xmlns:a16="http://schemas.microsoft.com/office/drawing/2014/main" id="{180F8385-0B4B-C5A0-B2DC-699D2CE7F619}"/>
+              </a:ext>
+            </a:extLst>
+          </p:cNvPr>
+          <p:cNvSpPr>
+            <a:spLocks noGrp="1"/>
+          </p:cNvSpPr>
+          <p:nvPr>
+            <p:ph type="title"/>
+          </p:nvPr>
+        </p:nvSpPr>
+        <p:spPr/>
+        <p:txBody>
+          <a:bodyPr/>
+          <a:lstStyle/>
+          <a:p>
+            <a:r>
+              <a:rPr lang="en-US" dirty="0" err="1"/>
+              <a:t>Rmarkdown</a:t>
+            </a:r>
+            <a:endParaRPr lang="en-US" dirty="0"/>
+          </a:p>
+        </p:txBody>
+      </p:sp>
+      <p:sp>
+        <p:nvSpPr>
+          <p:cNvPr id="3" name="Content Placeholder 2">
+            <a:extLst>
+              <a:ext uri="{FF2B5EF4-FFF2-40B4-BE49-F238E27FC236}">
+                <a16:creationId xmlns:a16="http://schemas.microsoft.com/office/drawing/2014/main" id="{110F0DB4-FC7D-692A-C90E-9C6878EA295A}"/>
+              </a:ext>
+            </a:extLst>
+          </p:cNvPr>
+          <p:cNvSpPr>
+            <a:spLocks noGrp="1"/>
+          </p:cNvSpPr>
+          <p:nvPr>
+            <p:ph idx="1"/>
+          </p:nvPr>
+        </p:nvSpPr>
+        <p:spPr/>
+        <p:txBody>
+          <a:bodyPr/>
+          <a:lstStyle/>
+          <a:p>
+            <a:pPr>
+              <a:lnSpc>
+                <a:spcPct val="100000"/>
+              </a:lnSpc>
+            </a:pPr>
+            <a:r>
+              <a:rPr lang="en-US" dirty="0"/>
+              <a:t>Developed and maintained by R Studio</a:t>
+            </a:r>
+          </a:p>
+          <a:p>
+            <a:pPr>
+              <a:lnSpc>
+                <a:spcPct val="100000"/>
+              </a:lnSpc>
+            </a:pPr>
+            <a:r>
+              <a:rPr lang="en-US" dirty="0"/>
+              <a:t>Can be used to integrate R, Python, SQL script</a:t>
+            </a:r>
+          </a:p>
+          <a:p>
+            <a:pPr>
+              <a:lnSpc>
+                <a:spcPct val="100000"/>
+              </a:lnSpc>
+            </a:pPr>
+            <a:r>
+              <a:rPr lang="en-US" dirty="0"/>
+              <a:t>Render documents into </a:t>
+            </a:r>
+          </a:p>
+          <a:p>
+            <a:pPr lvl="1">
+              <a:lnSpc>
+                <a:spcPct val="100000"/>
+              </a:lnSpc>
+            </a:pPr>
+            <a:r>
+              <a:rPr lang="en-US" dirty="0"/>
+              <a:t>PDF</a:t>
+            </a:r>
+          </a:p>
+          <a:p>
+            <a:pPr lvl="1">
+              <a:lnSpc>
+                <a:spcPct val="100000"/>
+              </a:lnSpc>
+            </a:pPr>
+            <a:r>
+              <a:rPr lang="en-US" dirty="0"/>
+              <a:t>Word</a:t>
+            </a:r>
+          </a:p>
+          <a:p>
+            <a:pPr lvl="1">
+              <a:lnSpc>
+                <a:spcPct val="100000"/>
+              </a:lnSpc>
+            </a:pPr>
+            <a:r>
+              <a:rPr lang="en-US" dirty="0"/>
+              <a:t>Slides</a:t>
+            </a:r>
+          </a:p>
+          <a:p>
+            <a:pPr lvl="1">
+              <a:lnSpc>
+                <a:spcPct val="100000"/>
+              </a:lnSpc>
+            </a:pPr>
+            <a:r>
+              <a:rPr lang="en-US" dirty="0"/>
+              <a:t>HTML (for blogging)</a:t>
+            </a:r>
+          </a:p>
+          <a:p>
+            <a:pPr>
+              <a:lnSpc>
+                <a:spcPct val="100000"/>
+              </a:lnSpc>
+            </a:pPr>
+            <a:r>
+              <a:rPr lang="en-US" dirty="0"/>
+              <a:t>Notebook format for keeping the notes. </a:t>
+            </a:r>
+          </a:p>
+        </p:txBody>
+      </p:sp>
+    </p:spTree>
+    <p:extLst>
+      <p:ext uri="{BB962C8B-B14F-4D97-AF65-F5344CB8AC3E}">
+        <p14:creationId xmlns:p14="http://schemas.microsoft.com/office/powerpoint/2010/main" val="1914981543"/>
+      </p:ext>
+    </p:extLst>
+  </p:cSld>
+  <p:clrMapOvr>
+    <a:masterClrMapping/>
+  </p:clrMapOvr>
+</p:sld>
+</file>
+
+<file path=ppt/slides/slide7.xml><?xml version="1.0" encoding="utf-8"?>
+<p:sld xmlns:a="http://schemas.openxmlformats.org/drawingml/2006/main" xmlns:r="http://schemas.openxmlformats.org/officeDocument/2006/relationships" xmlns:p="http://schemas.openxmlformats.org/presentationml/2006/main">
+  <p:cSld>
+    <p:spTree>
+      <p:nvGrpSpPr>
+        <p:cNvPr id="1" name=""/>
+        <p:cNvGrpSpPr/>
+        <p:nvPr/>
+      </p:nvGrpSpPr>
+      <p:grpSpPr>
+        <a:xfrm>
+          <a:off x="0" y="0"/>
+          <a:ext cx="0" cy="0"/>
+          <a:chOff x="0" y="0"/>
+          <a:chExt cx="0" cy="0"/>
+        </a:xfrm>
+      </p:grpSpPr>
+      <p:sp>
+        <p:nvSpPr>
+          <p:cNvPr id="2" name="Title 1">
+            <a:extLst>
+              <a:ext uri="{FF2B5EF4-FFF2-40B4-BE49-F238E27FC236}">
+                <a16:creationId xmlns:a16="http://schemas.microsoft.com/office/drawing/2014/main" id="{0F2F0B63-CCD6-D095-8705-8C3EF61F3CC6}"/>
+              </a:ext>
+            </a:extLst>
+          </p:cNvPr>
+          <p:cNvSpPr>
+            <a:spLocks noGrp="1"/>
+          </p:cNvSpPr>
+          <p:nvPr>
+            <p:ph type="title"/>
+          </p:nvPr>
+        </p:nvSpPr>
+        <p:spPr/>
+        <p:txBody>
+          <a:bodyPr/>
+          <a:lstStyle/>
+          <a:p>
+            <a:r>
+              <a:rPr lang="en-US" dirty="0"/>
+              <a:t>Advantages</a:t>
+            </a:r>
+          </a:p>
+        </p:txBody>
+      </p:sp>
+      <p:sp>
+        <p:nvSpPr>
+          <p:cNvPr id="3" name="Content Placeholder 2">
+            <a:extLst>
+              <a:ext uri="{FF2B5EF4-FFF2-40B4-BE49-F238E27FC236}">
+                <a16:creationId xmlns:a16="http://schemas.microsoft.com/office/drawing/2014/main" id="{113043F8-0D03-05B0-6F1F-60A0BAFC13B1}"/>
+              </a:ext>
+            </a:extLst>
+          </p:cNvPr>
+          <p:cNvSpPr>
+            <a:spLocks noGrp="1"/>
+          </p:cNvSpPr>
+          <p:nvPr>
+            <p:ph idx="1"/>
+          </p:nvPr>
+        </p:nvSpPr>
+        <p:spPr/>
+        <p:txBody>
+          <a:bodyPr/>
+          <a:lstStyle/>
+          <a:p>
+            <a:endParaRPr lang="en-US" dirty="0"/>
+          </a:p>
+        </p:txBody>
+      </p:sp>
+    </p:spTree>
+    <p:extLst>
+      <p:ext uri="{BB962C8B-B14F-4D97-AF65-F5344CB8AC3E}">
+        <p14:creationId xmlns:p14="http://schemas.microsoft.com/office/powerpoint/2010/main" val="3330881534"/>
       </p:ext>
     </p:extLst>
   </p:cSld>

--- a/SCCS-2023-Rmarkdown-workshop.pptx
+++ b/SCCS-2023-Rmarkdown-workshop.pptx
@@ -4,6 +4,9 @@
   <p:sldMasterIdLst>
     <p:sldMasterId id="2147483648" r:id="rId1"/>
   </p:sldMasterIdLst>
+  <p:notesMasterIdLst>
+    <p:notesMasterId r:id="rId16"/>
+  </p:notesMasterIdLst>
   <p:sldIdLst>
     <p:sldId id="256" r:id="rId2"/>
     <p:sldId id="257" r:id="rId3"/>
@@ -12,6 +15,13 @@
     <p:sldId id="258" r:id="rId6"/>
     <p:sldId id="261" r:id="rId7"/>
     <p:sldId id="262" r:id="rId8"/>
+    <p:sldId id="263" r:id="rId9"/>
+    <p:sldId id="264" r:id="rId10"/>
+    <p:sldId id="265" r:id="rId11"/>
+    <p:sldId id="266" r:id="rId12"/>
+    <p:sldId id="267" r:id="rId13"/>
+    <p:sldId id="268" r:id="rId14"/>
+    <p:sldId id="269" r:id="rId15"/>
   </p:sldIdLst>
   <p:sldSz cx="12192000" cy="6858000"/>
   <p:notesSz cx="6858000" cy="9144000"/>
@@ -3623,6 +3633,442 @@
 </dgm:styleDef>
 </file>
 
+<file path=ppt/notesMasters/notesMaster1.xml><?xml version="1.0" encoding="utf-8"?>
+<p:notesMaster xmlns:a="http://schemas.openxmlformats.org/drawingml/2006/main" xmlns:r="http://schemas.openxmlformats.org/officeDocument/2006/relationships" xmlns:p="http://schemas.openxmlformats.org/presentationml/2006/main">
+  <p:cSld>
+    <p:bg>
+      <p:bgRef idx="1001">
+        <a:schemeClr val="bg1"/>
+      </p:bgRef>
+    </p:bg>
+    <p:spTree>
+      <p:nvGrpSpPr>
+        <p:cNvPr id="1" name=""/>
+        <p:cNvGrpSpPr/>
+        <p:nvPr/>
+      </p:nvGrpSpPr>
+      <p:grpSpPr>
+        <a:xfrm>
+          <a:off x="0" y="0"/>
+          <a:ext cx="0" cy="0"/>
+          <a:chOff x="0" y="0"/>
+          <a:chExt cx="0" cy="0"/>
+        </a:xfrm>
+      </p:grpSpPr>
+      <p:sp>
+        <p:nvSpPr>
+          <p:cNvPr id="2" name="Header Placeholder 1"/>
+          <p:cNvSpPr>
+            <a:spLocks noGrp="1"/>
+          </p:cNvSpPr>
+          <p:nvPr>
+            <p:ph type="hdr" sz="quarter"/>
+          </p:nvPr>
+        </p:nvSpPr>
+        <p:spPr>
+          <a:xfrm>
+            <a:off x="0" y="0"/>
+            <a:ext cx="2971800" cy="458788"/>
+          </a:xfrm>
+          <a:prstGeom prst="rect">
+            <a:avLst/>
+          </a:prstGeom>
+        </p:spPr>
+        <p:txBody>
+          <a:bodyPr vert="horz" lIns="91440" tIns="45720" rIns="91440" bIns="45720" rtlCol="0"/>
+          <a:lstStyle>
+            <a:lvl1pPr algn="l">
+              <a:defRPr sz="1200"/>
+            </a:lvl1pPr>
+          </a:lstStyle>
+          <a:p>
+            <a:endParaRPr lang="en-US"/>
+          </a:p>
+        </p:txBody>
+      </p:sp>
+      <p:sp>
+        <p:nvSpPr>
+          <p:cNvPr id="3" name="Date Placeholder 2"/>
+          <p:cNvSpPr>
+            <a:spLocks noGrp="1"/>
+          </p:cNvSpPr>
+          <p:nvPr>
+            <p:ph type="dt" idx="1"/>
+          </p:nvPr>
+        </p:nvSpPr>
+        <p:spPr>
+          <a:xfrm>
+            <a:off x="3884613" y="0"/>
+            <a:ext cx="2971800" cy="458788"/>
+          </a:xfrm>
+          <a:prstGeom prst="rect">
+            <a:avLst/>
+          </a:prstGeom>
+        </p:spPr>
+        <p:txBody>
+          <a:bodyPr vert="horz" lIns="91440" tIns="45720" rIns="91440" bIns="45720" rtlCol="0"/>
+          <a:lstStyle>
+            <a:lvl1pPr algn="r">
+              <a:defRPr sz="1200"/>
+            </a:lvl1pPr>
+          </a:lstStyle>
+          <a:p>
+            <a:fld id="{427F92CC-0316-4214-B943-0FF7779937B3}" type="datetimeFigureOut">
+              <a:rPr lang="en-US" smtClean="0"/>
+              <a:t>9/21/2023</a:t>
+            </a:fld>
+            <a:endParaRPr lang="en-US"/>
+          </a:p>
+        </p:txBody>
+      </p:sp>
+      <p:sp>
+        <p:nvSpPr>
+          <p:cNvPr id="4" name="Slide Image Placeholder 3"/>
+          <p:cNvSpPr>
+            <a:spLocks noGrp="1" noRot="1" noChangeAspect="1"/>
+          </p:cNvSpPr>
+          <p:nvPr>
+            <p:ph type="sldImg" idx="2"/>
+          </p:nvPr>
+        </p:nvSpPr>
+        <p:spPr>
+          <a:xfrm>
+            <a:off x="685800" y="1143000"/>
+            <a:ext cx="5486400" cy="3086100"/>
+          </a:xfrm>
+          <a:prstGeom prst="rect">
+            <a:avLst/>
+          </a:prstGeom>
+          <a:noFill/>
+          <a:ln w="12700">
+            <a:solidFill>
+              <a:prstClr val="black"/>
+            </a:solidFill>
+          </a:ln>
+        </p:spPr>
+        <p:txBody>
+          <a:bodyPr vert="horz" lIns="91440" tIns="45720" rIns="91440" bIns="45720" rtlCol="0" anchor="ctr"/>
+          <a:lstStyle/>
+          <a:p>
+            <a:endParaRPr lang="en-US"/>
+          </a:p>
+        </p:txBody>
+      </p:sp>
+      <p:sp>
+        <p:nvSpPr>
+          <p:cNvPr id="5" name="Notes Placeholder 4"/>
+          <p:cNvSpPr>
+            <a:spLocks noGrp="1"/>
+          </p:cNvSpPr>
+          <p:nvPr>
+            <p:ph type="body" sz="quarter" idx="3"/>
+          </p:nvPr>
+        </p:nvSpPr>
+        <p:spPr>
+          <a:xfrm>
+            <a:off x="685800" y="4400550"/>
+            <a:ext cx="5486400" cy="3600450"/>
+          </a:xfrm>
+          <a:prstGeom prst="rect">
+            <a:avLst/>
+          </a:prstGeom>
+        </p:spPr>
+        <p:txBody>
+          <a:bodyPr vert="horz" lIns="91440" tIns="45720" rIns="91440" bIns="45720" rtlCol="0"/>
+          <a:lstStyle/>
+          <a:p>
+            <a:pPr lvl="0"/>
+            <a:r>
+              <a:rPr lang="en-US"/>
+              <a:t>Click to edit Master text styles</a:t>
+            </a:r>
+          </a:p>
+          <a:p>
+            <a:pPr lvl="1"/>
+            <a:r>
+              <a:rPr lang="en-US"/>
+              <a:t>Second level</a:t>
+            </a:r>
+          </a:p>
+          <a:p>
+            <a:pPr lvl="2"/>
+            <a:r>
+              <a:rPr lang="en-US"/>
+              <a:t>Third level</a:t>
+            </a:r>
+          </a:p>
+          <a:p>
+            <a:pPr lvl="3"/>
+            <a:r>
+              <a:rPr lang="en-US"/>
+              <a:t>Fourth level</a:t>
+            </a:r>
+          </a:p>
+          <a:p>
+            <a:pPr lvl="4"/>
+            <a:r>
+              <a:rPr lang="en-US"/>
+              <a:t>Fifth level</a:t>
+            </a:r>
+          </a:p>
+        </p:txBody>
+      </p:sp>
+      <p:sp>
+        <p:nvSpPr>
+          <p:cNvPr id="6" name="Footer Placeholder 5"/>
+          <p:cNvSpPr>
+            <a:spLocks noGrp="1"/>
+          </p:cNvSpPr>
+          <p:nvPr>
+            <p:ph type="ftr" sz="quarter" idx="4"/>
+          </p:nvPr>
+        </p:nvSpPr>
+        <p:spPr>
+          <a:xfrm>
+            <a:off x="0" y="8685213"/>
+            <a:ext cx="2971800" cy="458787"/>
+          </a:xfrm>
+          <a:prstGeom prst="rect">
+            <a:avLst/>
+          </a:prstGeom>
+        </p:spPr>
+        <p:txBody>
+          <a:bodyPr vert="horz" lIns="91440" tIns="45720" rIns="91440" bIns="45720" rtlCol="0" anchor="b"/>
+          <a:lstStyle>
+            <a:lvl1pPr algn="l">
+              <a:defRPr sz="1200"/>
+            </a:lvl1pPr>
+          </a:lstStyle>
+          <a:p>
+            <a:endParaRPr lang="en-US"/>
+          </a:p>
+        </p:txBody>
+      </p:sp>
+      <p:sp>
+        <p:nvSpPr>
+          <p:cNvPr id="7" name="Slide Number Placeholder 6"/>
+          <p:cNvSpPr>
+            <a:spLocks noGrp="1"/>
+          </p:cNvSpPr>
+          <p:nvPr>
+            <p:ph type="sldNum" sz="quarter" idx="5"/>
+          </p:nvPr>
+        </p:nvSpPr>
+        <p:spPr>
+          <a:xfrm>
+            <a:off x="3884613" y="8685213"/>
+            <a:ext cx="2971800" cy="458787"/>
+          </a:xfrm>
+          <a:prstGeom prst="rect">
+            <a:avLst/>
+          </a:prstGeom>
+        </p:spPr>
+        <p:txBody>
+          <a:bodyPr vert="horz" lIns="91440" tIns="45720" rIns="91440" bIns="45720" rtlCol="0" anchor="b"/>
+          <a:lstStyle>
+            <a:lvl1pPr algn="r">
+              <a:defRPr sz="1200"/>
+            </a:lvl1pPr>
+          </a:lstStyle>
+          <a:p>
+            <a:fld id="{C1E475EE-1E45-4B2F-813D-AF88B52DD006}" type="slidenum">
+              <a:rPr lang="en-US" smtClean="0"/>
+              <a:t>‹#›</a:t>
+            </a:fld>
+            <a:endParaRPr lang="en-US"/>
+          </a:p>
+        </p:txBody>
+      </p:sp>
+    </p:spTree>
+    <p:extLst>
+      <p:ext uri="{BB962C8B-B14F-4D97-AF65-F5344CB8AC3E}">
+        <p14:creationId xmlns:p14="http://schemas.microsoft.com/office/powerpoint/2010/main" val="439347491"/>
+      </p:ext>
+    </p:extLst>
+  </p:cSld>
+  <p:clrMap bg1="lt1" tx1="dk1" bg2="lt2" tx2="dk2" accent1="accent1" accent2="accent2" accent3="accent3" accent4="accent4" accent5="accent5" accent6="accent6" hlink="hlink" folHlink="folHlink"/>
+  <p:notesStyle>
+    <a:lvl1pPr marL="0" algn="l" defTabSz="914400" rtl="0" eaLnBrk="1" latinLnBrk="0" hangingPunct="1">
+      <a:defRPr sz="1200" kern="1200">
+        <a:solidFill>
+          <a:schemeClr val="tx1"/>
+        </a:solidFill>
+        <a:latin typeface="+mn-lt"/>
+        <a:ea typeface="+mn-ea"/>
+        <a:cs typeface="+mn-cs"/>
+      </a:defRPr>
+    </a:lvl1pPr>
+    <a:lvl2pPr marL="457200" algn="l" defTabSz="914400" rtl="0" eaLnBrk="1" latinLnBrk="0" hangingPunct="1">
+      <a:defRPr sz="1200" kern="1200">
+        <a:solidFill>
+          <a:schemeClr val="tx1"/>
+        </a:solidFill>
+        <a:latin typeface="+mn-lt"/>
+        <a:ea typeface="+mn-ea"/>
+        <a:cs typeface="+mn-cs"/>
+      </a:defRPr>
+    </a:lvl2pPr>
+    <a:lvl3pPr marL="914400" algn="l" defTabSz="914400" rtl="0" eaLnBrk="1" latinLnBrk="0" hangingPunct="1">
+      <a:defRPr sz="1200" kern="1200">
+        <a:solidFill>
+          <a:schemeClr val="tx1"/>
+        </a:solidFill>
+        <a:latin typeface="+mn-lt"/>
+        <a:ea typeface="+mn-ea"/>
+        <a:cs typeface="+mn-cs"/>
+      </a:defRPr>
+    </a:lvl3pPr>
+    <a:lvl4pPr marL="1371600" algn="l" defTabSz="914400" rtl="0" eaLnBrk="1" latinLnBrk="0" hangingPunct="1">
+      <a:defRPr sz="1200" kern="1200">
+        <a:solidFill>
+          <a:schemeClr val="tx1"/>
+        </a:solidFill>
+        <a:latin typeface="+mn-lt"/>
+        <a:ea typeface="+mn-ea"/>
+        <a:cs typeface="+mn-cs"/>
+      </a:defRPr>
+    </a:lvl4pPr>
+    <a:lvl5pPr marL="1828800" algn="l" defTabSz="914400" rtl="0" eaLnBrk="1" latinLnBrk="0" hangingPunct="1">
+      <a:defRPr sz="1200" kern="1200">
+        <a:solidFill>
+          <a:schemeClr val="tx1"/>
+        </a:solidFill>
+        <a:latin typeface="+mn-lt"/>
+        <a:ea typeface="+mn-ea"/>
+        <a:cs typeface="+mn-cs"/>
+      </a:defRPr>
+    </a:lvl5pPr>
+    <a:lvl6pPr marL="2286000" algn="l" defTabSz="914400" rtl="0" eaLnBrk="1" latinLnBrk="0" hangingPunct="1">
+      <a:defRPr sz="1200" kern="1200">
+        <a:solidFill>
+          <a:schemeClr val="tx1"/>
+        </a:solidFill>
+        <a:latin typeface="+mn-lt"/>
+        <a:ea typeface="+mn-ea"/>
+        <a:cs typeface="+mn-cs"/>
+      </a:defRPr>
+    </a:lvl6pPr>
+    <a:lvl7pPr marL="2743200" algn="l" defTabSz="914400" rtl="0" eaLnBrk="1" latinLnBrk="0" hangingPunct="1">
+      <a:defRPr sz="1200" kern="1200">
+        <a:solidFill>
+          <a:schemeClr val="tx1"/>
+        </a:solidFill>
+        <a:latin typeface="+mn-lt"/>
+        <a:ea typeface="+mn-ea"/>
+        <a:cs typeface="+mn-cs"/>
+      </a:defRPr>
+    </a:lvl7pPr>
+    <a:lvl8pPr marL="3200400" algn="l" defTabSz="914400" rtl="0" eaLnBrk="1" latinLnBrk="0" hangingPunct="1">
+      <a:defRPr sz="1200" kern="1200">
+        <a:solidFill>
+          <a:schemeClr val="tx1"/>
+        </a:solidFill>
+        <a:latin typeface="+mn-lt"/>
+        <a:ea typeface="+mn-ea"/>
+        <a:cs typeface="+mn-cs"/>
+      </a:defRPr>
+    </a:lvl8pPr>
+    <a:lvl9pPr marL="3657600" algn="l" defTabSz="914400" rtl="0" eaLnBrk="1" latinLnBrk="0" hangingPunct="1">
+      <a:defRPr sz="1200" kern="1200">
+        <a:solidFill>
+          <a:schemeClr val="tx1"/>
+        </a:solidFill>
+        <a:latin typeface="+mn-lt"/>
+        <a:ea typeface="+mn-ea"/>
+        <a:cs typeface="+mn-cs"/>
+      </a:defRPr>
+    </a:lvl9pPr>
+  </p:notesStyle>
+</p:notesMaster>
+</file>
+
+<file path=ppt/notesSlides/notesSlide1.xml><?xml version="1.0" encoding="utf-8"?>
+<p:notes xmlns:a="http://schemas.openxmlformats.org/drawingml/2006/main" xmlns:r="http://schemas.openxmlformats.org/officeDocument/2006/relationships" xmlns:p="http://schemas.openxmlformats.org/presentationml/2006/main">
+  <p:cSld>
+    <p:spTree>
+      <p:nvGrpSpPr>
+        <p:cNvPr id="1" name=""/>
+        <p:cNvGrpSpPr/>
+        <p:nvPr/>
+      </p:nvGrpSpPr>
+      <p:grpSpPr>
+        <a:xfrm>
+          <a:off x="0" y="0"/>
+          <a:ext cx="0" cy="0"/>
+          <a:chOff x="0" y="0"/>
+          <a:chExt cx="0" cy="0"/>
+        </a:xfrm>
+      </p:grpSpPr>
+      <p:sp>
+        <p:nvSpPr>
+          <p:cNvPr id="2" name="Slide Image Placeholder 1"/>
+          <p:cNvSpPr>
+            <a:spLocks noGrp="1" noRot="1" noChangeAspect="1"/>
+          </p:cNvSpPr>
+          <p:nvPr>
+            <p:ph type="sldImg"/>
+          </p:nvPr>
+        </p:nvSpPr>
+        <p:spPr/>
+      </p:sp>
+      <p:sp>
+        <p:nvSpPr>
+          <p:cNvPr id="3" name="Notes Placeholder 2"/>
+          <p:cNvSpPr>
+            <a:spLocks noGrp="1"/>
+          </p:cNvSpPr>
+          <p:nvPr>
+            <p:ph type="body" idx="1"/>
+          </p:nvPr>
+        </p:nvSpPr>
+        <p:spPr/>
+        <p:txBody>
+          <a:bodyPr/>
+          <a:lstStyle/>
+          <a:p>
+            <a:r>
+              <a:rPr lang="en-US" dirty="0"/>
+              <a:t>Talk about human error here</a:t>
+            </a:r>
+          </a:p>
+        </p:txBody>
+      </p:sp>
+      <p:sp>
+        <p:nvSpPr>
+          <p:cNvPr id="4" name="Slide Number Placeholder 3"/>
+          <p:cNvSpPr>
+            <a:spLocks noGrp="1"/>
+          </p:cNvSpPr>
+          <p:nvPr>
+            <p:ph type="sldNum" sz="quarter" idx="5"/>
+          </p:nvPr>
+        </p:nvSpPr>
+        <p:spPr/>
+        <p:txBody>
+          <a:bodyPr/>
+          <a:lstStyle/>
+          <a:p>
+            <a:fld id="{C1E475EE-1E45-4B2F-813D-AF88B52DD006}" type="slidenum">
+              <a:rPr lang="en-US" smtClean="0"/>
+              <a:t>9</a:t>
+            </a:fld>
+            <a:endParaRPr lang="en-US"/>
+          </a:p>
+        </p:txBody>
+      </p:sp>
+    </p:spTree>
+    <p:extLst>
+      <p:ext uri="{BB962C8B-B14F-4D97-AF65-F5344CB8AC3E}">
+        <p14:creationId xmlns:p14="http://schemas.microsoft.com/office/powerpoint/2010/main" val="2811854069"/>
+      </p:ext>
+    </p:extLst>
+  </p:cSld>
+  <p:clrMapOvr>
+    <a:masterClrMapping/>
+  </p:clrMapOvr>
+</p:notes>
+</file>
+
 <file path=ppt/slideLayouts/slideLayout1.xml><?xml version="1.0" encoding="utf-8"?>
 <p:sldLayout xmlns:a="http://schemas.openxmlformats.org/drawingml/2006/main" xmlns:r="http://schemas.openxmlformats.org/officeDocument/2006/relationships" xmlns:p="http://schemas.openxmlformats.org/presentationml/2006/main" type="title" preserve="1">
   <p:cSld name="Title Slide">
@@ -7331,6 +7777,1024 @@
 </p:sld>
 </file>
 
+<file path=ppt/slides/slide10.xml><?xml version="1.0" encoding="utf-8"?>
+<p:sld xmlns:a="http://schemas.openxmlformats.org/drawingml/2006/main" xmlns:r="http://schemas.openxmlformats.org/officeDocument/2006/relationships" xmlns:p="http://schemas.openxmlformats.org/presentationml/2006/main">
+  <p:cSld>
+    <p:spTree>
+      <p:nvGrpSpPr>
+        <p:cNvPr id="1" name=""/>
+        <p:cNvGrpSpPr/>
+        <p:nvPr/>
+      </p:nvGrpSpPr>
+      <p:grpSpPr>
+        <a:xfrm>
+          <a:off x="0" y="0"/>
+          <a:ext cx="0" cy="0"/>
+          <a:chOff x="0" y="0"/>
+          <a:chExt cx="0" cy="0"/>
+        </a:xfrm>
+      </p:grpSpPr>
+      <p:sp>
+        <p:nvSpPr>
+          <p:cNvPr id="2" name="Title 1">
+            <a:extLst>
+              <a:ext uri="{FF2B5EF4-FFF2-40B4-BE49-F238E27FC236}">
+                <a16:creationId xmlns:a16="http://schemas.microsoft.com/office/drawing/2014/main" id="{1D7DBA38-F3F9-D6BA-E45A-6FCB448BC9E5}"/>
+              </a:ext>
+            </a:extLst>
+          </p:cNvPr>
+          <p:cNvSpPr>
+            <a:spLocks noGrp="1"/>
+          </p:cNvSpPr>
+          <p:nvPr>
+            <p:ph type="title"/>
+          </p:nvPr>
+        </p:nvSpPr>
+        <p:spPr/>
+        <p:txBody>
+          <a:bodyPr/>
+          <a:lstStyle/>
+          <a:p>
+            <a:r>
+              <a:rPr lang="en-US" dirty="0"/>
+              <a:t>Better way to use it. </a:t>
+            </a:r>
+          </a:p>
+        </p:txBody>
+      </p:sp>
+      <p:sp>
+        <p:nvSpPr>
+          <p:cNvPr id="4" name="TextBox 3">
+            <a:extLst>
+              <a:ext uri="{FF2B5EF4-FFF2-40B4-BE49-F238E27FC236}">
+                <a16:creationId xmlns:a16="http://schemas.microsoft.com/office/drawing/2014/main" id="{E9E0D1BC-4008-04CB-B65B-D112ECA223BA}"/>
+              </a:ext>
+            </a:extLst>
+          </p:cNvPr>
+          <p:cNvSpPr txBox="1"/>
+          <p:nvPr/>
+        </p:nvSpPr>
+        <p:spPr>
+          <a:xfrm>
+            <a:off x="1394234" y="2661719"/>
+            <a:ext cx="742384" cy="369332"/>
+          </a:xfrm>
+          <a:prstGeom prst="rect">
+            <a:avLst/>
+          </a:prstGeom>
+          <a:noFill/>
+          <a:ln w="12700">
+            <a:solidFill>
+              <a:schemeClr val="tx1"/>
+            </a:solidFill>
+          </a:ln>
+        </p:spPr>
+        <p:txBody>
+          <a:bodyPr wrap="square" rtlCol="0">
+            <a:spAutoFit/>
+          </a:bodyPr>
+          <a:lstStyle/>
+          <a:p>
+            <a:pPr algn="ctr"/>
+            <a:r>
+              <a:rPr lang="en-US" dirty="0"/>
+              <a:t>Data</a:t>
+            </a:r>
+          </a:p>
+        </p:txBody>
+      </p:sp>
+      <p:cxnSp>
+        <p:nvCxnSpPr>
+          <p:cNvPr id="5" name="Straight Arrow Connector 4">
+            <a:extLst>
+              <a:ext uri="{FF2B5EF4-FFF2-40B4-BE49-F238E27FC236}">
+                <a16:creationId xmlns:a16="http://schemas.microsoft.com/office/drawing/2014/main" id="{C907123A-2526-7988-3922-C26012348270}"/>
+              </a:ext>
+            </a:extLst>
+          </p:cNvPr>
+          <p:cNvCxnSpPr/>
+          <p:nvPr/>
+        </p:nvCxnSpPr>
+        <p:spPr>
+          <a:xfrm>
+            <a:off x="2185676" y="2838199"/>
+            <a:ext cx="1303699" cy="5457"/>
+          </a:xfrm>
+          <a:prstGeom prst="straightConnector1">
+            <a:avLst/>
+          </a:prstGeom>
+          <a:ln>
+            <a:tailEnd type="triangle"/>
+          </a:ln>
+        </p:spPr>
+        <p:style>
+          <a:lnRef idx="1">
+            <a:schemeClr val="accent1"/>
+          </a:lnRef>
+          <a:fillRef idx="0">
+            <a:schemeClr val="accent1"/>
+          </a:fillRef>
+          <a:effectRef idx="0">
+            <a:schemeClr val="accent1"/>
+          </a:effectRef>
+          <a:fontRef idx="minor">
+            <a:schemeClr val="tx1"/>
+          </a:fontRef>
+        </p:style>
+      </p:cxnSp>
+      <p:pic>
+        <p:nvPicPr>
+          <p:cNvPr id="6" name="Picture 2">
+            <a:extLst>
+              <a:ext uri="{FF2B5EF4-FFF2-40B4-BE49-F238E27FC236}">
+                <a16:creationId xmlns:a16="http://schemas.microsoft.com/office/drawing/2014/main" id="{75CD3FDC-5FCB-20E3-B1B5-D5BF5306D5B6}"/>
+              </a:ext>
+            </a:extLst>
+          </p:cNvPr>
+          <p:cNvPicPr>
+            <a:picLocks noChangeAspect="1" noChangeArrowheads="1"/>
+          </p:cNvPicPr>
+          <p:nvPr/>
+        </p:nvPicPr>
+        <p:blipFill>
+          <a:blip r:embed="rId2">
+            <a:extLst>
+              <a:ext uri="{28A0092B-C50C-407E-A947-70E740481C1C}">
+                <a14:useLocalDpi xmlns:a14="http://schemas.microsoft.com/office/drawing/2010/main" val="0"/>
+              </a:ext>
+            </a:extLst>
+          </a:blip>
+          <a:srcRect/>
+          <a:stretch>
+            <a:fillRect/>
+          </a:stretch>
+        </p:blipFill>
+        <p:spPr bwMode="auto">
+          <a:xfrm>
+            <a:off x="3528607" y="2254314"/>
+            <a:ext cx="1832741" cy="1420121"/>
+          </a:xfrm>
+          <a:prstGeom prst="rect">
+            <a:avLst/>
+          </a:prstGeom>
+          <a:noFill/>
+          <a:extLst>
+            <a:ext uri="{909E8E84-426E-40DD-AFC4-6F175D3DCCD1}">
+              <a14:hiddenFill xmlns:a14="http://schemas.microsoft.com/office/drawing/2010/main">
+                <a:solidFill>
+                  <a:srgbClr val="FFFFFF"/>
+                </a:solidFill>
+              </a14:hiddenFill>
+            </a:ext>
+          </a:extLst>
+        </p:spPr>
+      </p:pic>
+      <p:sp>
+        <p:nvSpPr>
+          <p:cNvPr id="7" name="TextBox 6">
+            <a:extLst>
+              <a:ext uri="{FF2B5EF4-FFF2-40B4-BE49-F238E27FC236}">
+                <a16:creationId xmlns:a16="http://schemas.microsoft.com/office/drawing/2014/main" id="{688FCB8A-D9FE-A187-7764-2D1D03C71046}"/>
+              </a:ext>
+            </a:extLst>
+          </p:cNvPr>
+          <p:cNvSpPr txBox="1"/>
+          <p:nvPr/>
+        </p:nvSpPr>
+        <p:spPr>
+          <a:xfrm>
+            <a:off x="6743511" y="2697933"/>
+            <a:ext cx="1367074" cy="369332"/>
+          </a:xfrm>
+          <a:prstGeom prst="rect">
+            <a:avLst/>
+          </a:prstGeom>
+          <a:noFill/>
+          <a:ln>
+            <a:solidFill>
+              <a:schemeClr val="tx1"/>
+            </a:solidFill>
+          </a:ln>
+        </p:spPr>
+        <p:txBody>
+          <a:bodyPr wrap="square" rtlCol="0">
+            <a:spAutoFit/>
+          </a:bodyPr>
+          <a:lstStyle/>
+          <a:p>
+            <a:pPr algn="ctr"/>
+            <a:r>
+              <a:rPr lang="en-US" dirty="0"/>
+              <a:t>Documents</a:t>
+            </a:r>
+          </a:p>
+        </p:txBody>
+      </p:sp>
+      <p:cxnSp>
+        <p:nvCxnSpPr>
+          <p:cNvPr id="8" name="Straight Arrow Connector 7">
+            <a:extLst>
+              <a:ext uri="{FF2B5EF4-FFF2-40B4-BE49-F238E27FC236}">
+                <a16:creationId xmlns:a16="http://schemas.microsoft.com/office/drawing/2014/main" id="{86E84C0E-7DAB-72AD-BC0F-91FEBF553BF2}"/>
+              </a:ext>
+            </a:extLst>
+          </p:cNvPr>
+          <p:cNvCxnSpPr>
+            <a:cxnSpLocks/>
+            <a:stCxn id="7" idx="2"/>
+          </p:cNvCxnSpPr>
+          <p:nvPr/>
+        </p:nvCxnSpPr>
+        <p:spPr>
+          <a:xfrm>
+            <a:off x="7427048" y="3067265"/>
+            <a:ext cx="0" cy="1656086"/>
+          </a:xfrm>
+          <a:prstGeom prst="straightConnector1">
+            <a:avLst/>
+          </a:prstGeom>
+          <a:ln>
+            <a:tailEnd type="triangle"/>
+          </a:ln>
+        </p:spPr>
+        <p:style>
+          <a:lnRef idx="1">
+            <a:schemeClr val="accent1"/>
+          </a:lnRef>
+          <a:fillRef idx="0">
+            <a:schemeClr val="accent1"/>
+          </a:fillRef>
+          <a:effectRef idx="0">
+            <a:schemeClr val="accent1"/>
+          </a:effectRef>
+          <a:fontRef idx="minor">
+            <a:schemeClr val="tx1"/>
+          </a:fontRef>
+        </p:style>
+      </p:cxnSp>
+      <p:sp>
+        <p:nvSpPr>
+          <p:cNvPr id="9" name="TextBox 8">
+            <a:extLst>
+              <a:ext uri="{FF2B5EF4-FFF2-40B4-BE49-F238E27FC236}">
+                <a16:creationId xmlns:a16="http://schemas.microsoft.com/office/drawing/2014/main" id="{A03A128E-ED8A-803C-4B2C-1A853F923CCD}"/>
+              </a:ext>
+            </a:extLst>
+          </p:cNvPr>
+          <p:cNvSpPr txBox="1"/>
+          <p:nvPr/>
+        </p:nvSpPr>
+        <p:spPr>
+          <a:xfrm>
+            <a:off x="6698244" y="4723351"/>
+            <a:ext cx="1412341" cy="369332"/>
+          </a:xfrm>
+          <a:prstGeom prst="rect">
+            <a:avLst/>
+          </a:prstGeom>
+          <a:noFill/>
+          <a:ln>
+            <a:solidFill>
+              <a:schemeClr val="tx1"/>
+            </a:solidFill>
+          </a:ln>
+        </p:spPr>
+        <p:txBody>
+          <a:bodyPr wrap="square" rtlCol="0">
+            <a:spAutoFit/>
+          </a:bodyPr>
+          <a:lstStyle/>
+          <a:p>
+            <a:r>
+              <a:rPr lang="en-US" dirty="0"/>
+              <a:t>Publication</a:t>
+            </a:r>
+          </a:p>
+        </p:txBody>
+      </p:sp>
+      <p:cxnSp>
+        <p:nvCxnSpPr>
+          <p:cNvPr id="10" name="Straight Arrow Connector 9">
+            <a:extLst>
+              <a:ext uri="{FF2B5EF4-FFF2-40B4-BE49-F238E27FC236}">
+                <a16:creationId xmlns:a16="http://schemas.microsoft.com/office/drawing/2014/main" id="{EBADFDF2-4FDD-F22A-7ADB-E128B2924D39}"/>
+              </a:ext>
+            </a:extLst>
+          </p:cNvPr>
+          <p:cNvCxnSpPr/>
+          <p:nvPr/>
+        </p:nvCxnSpPr>
+        <p:spPr>
+          <a:xfrm>
+            <a:off x="5400580" y="2843656"/>
+            <a:ext cx="1303699" cy="5457"/>
+          </a:xfrm>
+          <a:prstGeom prst="straightConnector1">
+            <a:avLst/>
+          </a:prstGeom>
+          <a:ln>
+            <a:tailEnd type="triangle"/>
+          </a:ln>
+        </p:spPr>
+        <p:style>
+          <a:lnRef idx="1">
+            <a:schemeClr val="accent1"/>
+          </a:lnRef>
+          <a:fillRef idx="0">
+            <a:schemeClr val="accent1"/>
+          </a:fillRef>
+          <a:effectRef idx="0">
+            <a:schemeClr val="accent1"/>
+          </a:effectRef>
+          <a:fontRef idx="minor">
+            <a:schemeClr val="tx1"/>
+          </a:fontRef>
+        </p:style>
+      </p:cxnSp>
+      <p:sp>
+        <p:nvSpPr>
+          <p:cNvPr id="13" name="TextBox 12">
+            <a:extLst>
+              <a:ext uri="{FF2B5EF4-FFF2-40B4-BE49-F238E27FC236}">
+                <a16:creationId xmlns:a16="http://schemas.microsoft.com/office/drawing/2014/main" id="{8BEECBDD-5E88-FECD-81BB-3F8413B6C61E}"/>
+              </a:ext>
+            </a:extLst>
+          </p:cNvPr>
+          <p:cNvSpPr txBox="1"/>
+          <p:nvPr/>
+        </p:nvSpPr>
+        <p:spPr>
+          <a:xfrm>
+            <a:off x="917155" y="4383796"/>
+            <a:ext cx="2267208" cy="1200329"/>
+          </a:xfrm>
+          <a:prstGeom prst="rect">
+            <a:avLst/>
+          </a:prstGeom>
+          <a:noFill/>
+          <a:ln>
+            <a:solidFill>
+              <a:schemeClr val="tx1"/>
+            </a:solidFill>
+          </a:ln>
+        </p:spPr>
+        <p:txBody>
+          <a:bodyPr wrap="square" rtlCol="0">
+            <a:spAutoFit/>
+          </a:bodyPr>
+          <a:lstStyle/>
+          <a:p>
+            <a:pPr marL="285750" indent="-285750">
+              <a:buFont typeface="Arial" panose="020B0604020202020204" pitchFamily="34" charset="0"/>
+              <a:buChar char="•"/>
+            </a:pPr>
+            <a:r>
+              <a:rPr lang="en-US" dirty="0"/>
+              <a:t>Equation</a:t>
+            </a:r>
+          </a:p>
+          <a:p>
+            <a:pPr marL="285750" indent="-285750">
+              <a:buFont typeface="Arial" panose="020B0604020202020204" pitchFamily="34" charset="0"/>
+              <a:buChar char="•"/>
+            </a:pPr>
+            <a:r>
+              <a:rPr lang="en-US" dirty="0"/>
+              <a:t>Additional pictures</a:t>
+            </a:r>
+          </a:p>
+          <a:p>
+            <a:pPr marL="285750" indent="-285750">
+              <a:buFont typeface="Arial" panose="020B0604020202020204" pitchFamily="34" charset="0"/>
+              <a:buChar char="•"/>
+            </a:pPr>
+            <a:r>
+              <a:rPr lang="en-US" dirty="0"/>
+              <a:t>Special symbols</a:t>
+            </a:r>
+          </a:p>
+        </p:txBody>
+      </p:sp>
+      <p:cxnSp>
+        <p:nvCxnSpPr>
+          <p:cNvPr id="14" name="Straight Arrow Connector 13">
+            <a:extLst>
+              <a:ext uri="{FF2B5EF4-FFF2-40B4-BE49-F238E27FC236}">
+                <a16:creationId xmlns:a16="http://schemas.microsoft.com/office/drawing/2014/main" id="{2270F559-CD93-4F93-D43D-478F7A2BFA5F}"/>
+              </a:ext>
+            </a:extLst>
+          </p:cNvPr>
+          <p:cNvCxnSpPr>
+            <a:cxnSpLocks/>
+            <a:stCxn id="13" idx="3"/>
+          </p:cNvCxnSpPr>
+          <p:nvPr/>
+        </p:nvCxnSpPr>
+        <p:spPr>
+          <a:xfrm flipV="1">
+            <a:off x="3184363" y="3674435"/>
+            <a:ext cx="1111412" cy="1309526"/>
+          </a:xfrm>
+          <a:prstGeom prst="straightConnector1">
+            <a:avLst/>
+          </a:prstGeom>
+          <a:ln>
+            <a:tailEnd type="triangle"/>
+          </a:ln>
+        </p:spPr>
+        <p:style>
+          <a:lnRef idx="1">
+            <a:schemeClr val="accent1"/>
+          </a:lnRef>
+          <a:fillRef idx="0">
+            <a:schemeClr val="accent1"/>
+          </a:fillRef>
+          <a:effectRef idx="0">
+            <a:schemeClr val="accent1"/>
+          </a:effectRef>
+          <a:fontRef idx="minor">
+            <a:schemeClr val="tx1"/>
+          </a:fontRef>
+        </p:style>
+      </p:cxnSp>
+      <p:sp>
+        <p:nvSpPr>
+          <p:cNvPr id="17" name="TextBox 16">
+            <a:extLst>
+              <a:ext uri="{FF2B5EF4-FFF2-40B4-BE49-F238E27FC236}">
+                <a16:creationId xmlns:a16="http://schemas.microsoft.com/office/drawing/2014/main" id="{BD9F5B9F-91E2-561B-8AAF-97A24C421964}"/>
+              </a:ext>
+            </a:extLst>
+          </p:cNvPr>
+          <p:cNvSpPr txBox="1"/>
+          <p:nvPr/>
+        </p:nvSpPr>
+        <p:spPr>
+          <a:xfrm>
+            <a:off x="1150029" y="3985545"/>
+            <a:ext cx="1669932" cy="369332"/>
+          </a:xfrm>
+          <a:prstGeom prst="rect">
+            <a:avLst/>
+          </a:prstGeom>
+          <a:noFill/>
+        </p:spPr>
+        <p:txBody>
+          <a:bodyPr wrap="square" rtlCol="0">
+            <a:spAutoFit/>
+          </a:bodyPr>
+          <a:lstStyle/>
+          <a:p>
+            <a:r>
+              <a:rPr lang="en-US" dirty="0" err="1"/>
+              <a:t>LaTex</a:t>
+            </a:r>
+            <a:r>
+              <a:rPr lang="en-US" dirty="0"/>
+              <a:t> codes</a:t>
+            </a:r>
+          </a:p>
+        </p:txBody>
+      </p:sp>
+    </p:spTree>
+    <p:extLst>
+      <p:ext uri="{BB962C8B-B14F-4D97-AF65-F5344CB8AC3E}">
+        <p14:creationId xmlns:p14="http://schemas.microsoft.com/office/powerpoint/2010/main" val="3627295409"/>
+      </p:ext>
+    </p:extLst>
+  </p:cSld>
+  <p:clrMapOvr>
+    <a:masterClrMapping/>
+  </p:clrMapOvr>
+</p:sld>
+</file>
+
+<file path=ppt/slides/slide11.xml><?xml version="1.0" encoding="utf-8"?>
+<p:sld xmlns:a="http://schemas.openxmlformats.org/drawingml/2006/main" xmlns:r="http://schemas.openxmlformats.org/officeDocument/2006/relationships" xmlns:p="http://schemas.openxmlformats.org/presentationml/2006/main">
+  <p:cSld>
+    <p:spTree>
+      <p:nvGrpSpPr>
+        <p:cNvPr id="1" name=""/>
+        <p:cNvGrpSpPr/>
+        <p:nvPr/>
+      </p:nvGrpSpPr>
+      <p:grpSpPr>
+        <a:xfrm>
+          <a:off x="0" y="0"/>
+          <a:ext cx="0" cy="0"/>
+          <a:chOff x="0" y="0"/>
+          <a:chExt cx="0" cy="0"/>
+        </a:xfrm>
+      </p:grpSpPr>
+      <p:sp>
+        <p:nvSpPr>
+          <p:cNvPr id="2" name="Title 1">
+            <a:extLst>
+              <a:ext uri="{FF2B5EF4-FFF2-40B4-BE49-F238E27FC236}">
+                <a16:creationId xmlns:a16="http://schemas.microsoft.com/office/drawing/2014/main" id="{DE19185E-E521-2FF8-7E1B-D2B7489D1679}"/>
+              </a:ext>
+            </a:extLst>
+          </p:cNvPr>
+          <p:cNvSpPr>
+            <a:spLocks noGrp="1"/>
+          </p:cNvSpPr>
+          <p:nvPr>
+            <p:ph type="title"/>
+          </p:nvPr>
+        </p:nvSpPr>
+        <p:spPr/>
+        <p:txBody>
+          <a:bodyPr/>
+          <a:lstStyle/>
+          <a:p>
+            <a:r>
+              <a:rPr lang="en-US" dirty="0"/>
+              <a:t>Setting up RStudio for markdown</a:t>
+            </a:r>
+          </a:p>
+        </p:txBody>
+      </p:sp>
+      <p:sp>
+        <p:nvSpPr>
+          <p:cNvPr id="3" name="Content Placeholder 2">
+            <a:extLst>
+              <a:ext uri="{FF2B5EF4-FFF2-40B4-BE49-F238E27FC236}">
+                <a16:creationId xmlns:a16="http://schemas.microsoft.com/office/drawing/2014/main" id="{577FDE69-F4A2-4A27-4FA9-758214D7E225}"/>
+              </a:ext>
+            </a:extLst>
+          </p:cNvPr>
+          <p:cNvSpPr>
+            <a:spLocks noGrp="1"/>
+          </p:cNvSpPr>
+          <p:nvPr>
+            <p:ph idx="1"/>
+          </p:nvPr>
+        </p:nvSpPr>
+        <p:spPr/>
+        <p:txBody>
+          <a:bodyPr>
+            <a:normAutofit fontScale="92500" lnSpcReduction="10000"/>
+          </a:bodyPr>
+          <a:lstStyle/>
+          <a:p>
+            <a:r>
+              <a:rPr lang="en-US" dirty="0"/>
+              <a:t>Step1: Install R and </a:t>
+            </a:r>
+            <a:r>
+              <a:rPr lang="en-US" dirty="0" err="1"/>
+              <a:t>Rstudio</a:t>
+            </a:r>
+            <a:endParaRPr lang="en-US" dirty="0"/>
+          </a:p>
+          <a:p>
+            <a:r>
+              <a:rPr lang="en-US" dirty="0"/>
+              <a:t>Step2: Install packages</a:t>
+            </a:r>
+          </a:p>
+          <a:p>
+            <a:pPr lvl="1"/>
+            <a:r>
+              <a:rPr lang="en-US" dirty="0"/>
+              <a:t>“</a:t>
+            </a:r>
+            <a:r>
+              <a:rPr lang="en-US" dirty="0" err="1"/>
+              <a:t>rmarkdown</a:t>
+            </a:r>
+            <a:r>
+              <a:rPr lang="en-US" dirty="0"/>
+              <a:t>”</a:t>
+            </a:r>
+          </a:p>
+          <a:p>
+            <a:pPr lvl="1"/>
+            <a:r>
+              <a:rPr lang="en-US" dirty="0"/>
+              <a:t>“</a:t>
+            </a:r>
+            <a:r>
+              <a:rPr lang="en-US" dirty="0" err="1"/>
+              <a:t>knitr</a:t>
+            </a:r>
+            <a:r>
+              <a:rPr lang="en-US" dirty="0"/>
+              <a:t>”</a:t>
+            </a:r>
+          </a:p>
+          <a:p>
+            <a:pPr lvl="1"/>
+            <a:r>
+              <a:rPr lang="en-US" dirty="0"/>
+              <a:t>“</a:t>
+            </a:r>
+            <a:r>
+              <a:rPr lang="en-US" dirty="0" err="1"/>
+              <a:t>TinyTex</a:t>
+            </a:r>
+            <a:r>
+              <a:rPr lang="en-US" dirty="0"/>
+              <a:t> for pdf”</a:t>
+            </a:r>
+          </a:p>
+          <a:p>
+            <a:r>
+              <a:rPr lang="en-US" dirty="0"/>
+              <a:t>In your </a:t>
+            </a:r>
+            <a:r>
+              <a:rPr lang="en-US" dirty="0" err="1"/>
+              <a:t>Rstudio</a:t>
+            </a:r>
+            <a:r>
+              <a:rPr lang="en-US" dirty="0"/>
+              <a:t>, on the menu bar, </a:t>
+            </a:r>
+          </a:p>
+          <a:p>
+            <a:pPr lvl="1"/>
+            <a:r>
+              <a:rPr lang="en-US" dirty="0"/>
+              <a:t>click on the </a:t>
+            </a:r>
+            <a:r>
+              <a:rPr lang="en-US" dirty="0" err="1"/>
+              <a:t>file</a:t>
+            </a:r>
+            <a:r>
+              <a:rPr lang="en-US" dirty="0" err="1">
+                <a:sym typeface="Wingdings" panose="05000000000000000000" pitchFamily="2" charset="2"/>
+              </a:rPr>
+              <a:t>new</a:t>
+            </a:r>
+            <a:r>
+              <a:rPr lang="en-US" dirty="0">
+                <a:sym typeface="Wingdings" panose="05000000000000000000" pitchFamily="2" charset="2"/>
+              </a:rPr>
+              <a:t> file R markdown, to open a pop-up window</a:t>
+            </a:r>
+          </a:p>
+          <a:p>
+            <a:endParaRPr lang="en-US" dirty="0"/>
+          </a:p>
+          <a:p>
+            <a:r>
+              <a:rPr lang="en-US" dirty="0"/>
+              <a:t>Select the option for different document types ( multiple document types can be rendered)</a:t>
+            </a:r>
+          </a:p>
+          <a:p>
+            <a:r>
+              <a:rPr lang="en-US" dirty="0"/>
+              <a:t>Click OK to start the file with .RMD ext. </a:t>
+            </a:r>
+          </a:p>
+          <a:p>
+            <a:endParaRPr lang="en-US" dirty="0"/>
+          </a:p>
+        </p:txBody>
+      </p:sp>
+    </p:spTree>
+    <p:extLst>
+      <p:ext uri="{BB962C8B-B14F-4D97-AF65-F5344CB8AC3E}">
+        <p14:creationId xmlns:p14="http://schemas.microsoft.com/office/powerpoint/2010/main" val="2288258770"/>
+      </p:ext>
+    </p:extLst>
+  </p:cSld>
+  <p:clrMapOvr>
+    <a:masterClrMapping/>
+  </p:clrMapOvr>
+</p:sld>
+</file>
+
+<file path=ppt/slides/slide12.xml><?xml version="1.0" encoding="utf-8"?>
+<p:sld xmlns:a="http://schemas.openxmlformats.org/drawingml/2006/main" xmlns:r="http://schemas.openxmlformats.org/officeDocument/2006/relationships" xmlns:p="http://schemas.openxmlformats.org/presentationml/2006/main">
+  <p:cSld>
+    <p:spTree>
+      <p:nvGrpSpPr>
+        <p:cNvPr id="1" name=""/>
+        <p:cNvGrpSpPr/>
+        <p:nvPr/>
+      </p:nvGrpSpPr>
+      <p:grpSpPr>
+        <a:xfrm>
+          <a:off x="0" y="0"/>
+          <a:ext cx="0" cy="0"/>
+          <a:chOff x="0" y="0"/>
+          <a:chExt cx="0" cy="0"/>
+        </a:xfrm>
+      </p:grpSpPr>
+      <p:sp>
+        <p:nvSpPr>
+          <p:cNvPr id="2" name="Title 1">
+            <a:extLst>
+              <a:ext uri="{FF2B5EF4-FFF2-40B4-BE49-F238E27FC236}">
+                <a16:creationId xmlns:a16="http://schemas.microsoft.com/office/drawing/2014/main" id="{D5E2A888-4371-2C77-8D70-67C5D2A3E50F}"/>
+              </a:ext>
+            </a:extLst>
+          </p:cNvPr>
+          <p:cNvSpPr>
+            <a:spLocks noGrp="1"/>
+          </p:cNvSpPr>
+          <p:nvPr>
+            <p:ph type="title"/>
+          </p:nvPr>
+        </p:nvSpPr>
+        <p:spPr/>
+        <p:txBody>
+          <a:bodyPr/>
+          <a:lstStyle/>
+          <a:p>
+            <a:r>
+              <a:rPr lang="en-US" dirty="0"/>
+              <a:t>Additional documents for help</a:t>
+            </a:r>
+          </a:p>
+        </p:txBody>
+      </p:sp>
+      <p:sp>
+        <p:nvSpPr>
+          <p:cNvPr id="3" name="Content Placeholder 2">
+            <a:extLst>
+              <a:ext uri="{FF2B5EF4-FFF2-40B4-BE49-F238E27FC236}">
+                <a16:creationId xmlns:a16="http://schemas.microsoft.com/office/drawing/2014/main" id="{662CC8F7-1286-E21F-DD90-0B000D5F51C8}"/>
+              </a:ext>
+            </a:extLst>
+          </p:cNvPr>
+          <p:cNvSpPr>
+            <a:spLocks noGrp="1"/>
+          </p:cNvSpPr>
+          <p:nvPr>
+            <p:ph idx="1"/>
+          </p:nvPr>
+        </p:nvSpPr>
+        <p:spPr>
+          <a:xfrm>
+            <a:off x="838200" y="1825625"/>
+            <a:ext cx="10064242" cy="2974975"/>
+          </a:xfrm>
+        </p:spPr>
+        <p:txBody>
+          <a:bodyPr/>
+          <a:lstStyle/>
+          <a:p>
+            <a:r>
+              <a:rPr lang="en-US" dirty="0"/>
+              <a:t>R Markdown cheat sheet</a:t>
+            </a:r>
+          </a:p>
+          <a:p>
+            <a:r>
+              <a:rPr lang="en-US" dirty="0"/>
+              <a:t>R Markdown reference manual</a:t>
+            </a:r>
+          </a:p>
+          <a:p>
+            <a:r>
+              <a:rPr lang="en-US" dirty="0">
+                <a:hlinkClick r:id="rId2"/>
+              </a:rPr>
+              <a:t>Composing reproducible manuscripts using R Markdown | Labs | </a:t>
+            </a:r>
+            <a:r>
+              <a:rPr lang="en-US" dirty="0" err="1">
+                <a:hlinkClick r:id="rId2"/>
+              </a:rPr>
+              <a:t>eLife</a:t>
+            </a:r>
+            <a:r>
+              <a:rPr lang="en-US" dirty="0">
+                <a:hlinkClick r:id="rId2"/>
+              </a:rPr>
+              <a:t> (elifesciences.org)</a:t>
+            </a:r>
+            <a:endParaRPr lang="en-US" dirty="0"/>
+          </a:p>
+          <a:p>
+            <a:r>
+              <a:rPr lang="en-IN" dirty="0">
+                <a:hlinkClick r:id="rId3"/>
+              </a:rPr>
+              <a:t>R Markdown: The Definitive Guide (bookdown.org)</a:t>
+            </a:r>
+            <a:endParaRPr lang="en-IN" dirty="0"/>
+          </a:p>
+          <a:p>
+            <a:r>
+              <a:rPr lang="en-IN" dirty="0"/>
+              <a:t>Many more (keeping looking)</a:t>
+            </a:r>
+            <a:endParaRPr lang="en-US" dirty="0"/>
+          </a:p>
+        </p:txBody>
+      </p:sp>
+    </p:spTree>
+    <p:extLst>
+      <p:ext uri="{BB962C8B-B14F-4D97-AF65-F5344CB8AC3E}">
+        <p14:creationId xmlns:p14="http://schemas.microsoft.com/office/powerpoint/2010/main" val="3414157185"/>
+      </p:ext>
+    </p:extLst>
+  </p:cSld>
+  <p:clrMapOvr>
+    <a:masterClrMapping/>
+  </p:clrMapOvr>
+</p:sld>
+</file>
+
+<file path=ppt/slides/slide13.xml><?xml version="1.0" encoding="utf-8"?>
+<p:sld xmlns:a="http://schemas.openxmlformats.org/drawingml/2006/main" xmlns:r="http://schemas.openxmlformats.org/officeDocument/2006/relationships" xmlns:p="http://schemas.openxmlformats.org/presentationml/2006/main">
+  <p:cSld>
+    <p:spTree>
+      <p:nvGrpSpPr>
+        <p:cNvPr id="1" name=""/>
+        <p:cNvGrpSpPr/>
+        <p:nvPr/>
+      </p:nvGrpSpPr>
+      <p:grpSpPr>
+        <a:xfrm>
+          <a:off x="0" y="0"/>
+          <a:ext cx="0" cy="0"/>
+          <a:chOff x="0" y="0"/>
+          <a:chExt cx="0" cy="0"/>
+        </a:xfrm>
+      </p:grpSpPr>
+      <p:sp>
+        <p:nvSpPr>
+          <p:cNvPr id="2" name="Title 1">
+            <a:extLst>
+              <a:ext uri="{FF2B5EF4-FFF2-40B4-BE49-F238E27FC236}">
+                <a16:creationId xmlns:a16="http://schemas.microsoft.com/office/drawing/2014/main" id="{3DF97B78-35B8-58B0-863F-FF450A62486E}"/>
+              </a:ext>
+            </a:extLst>
+          </p:cNvPr>
+          <p:cNvSpPr>
+            <a:spLocks noGrp="1"/>
+          </p:cNvSpPr>
+          <p:nvPr>
+            <p:ph type="title"/>
+          </p:nvPr>
+        </p:nvSpPr>
+        <p:spPr/>
+        <p:txBody>
+          <a:bodyPr/>
+          <a:lstStyle/>
+          <a:p>
+            <a:r>
+              <a:rPr lang="en-US" dirty="0"/>
+              <a:t>Not in the scope of this workshop</a:t>
+            </a:r>
+          </a:p>
+        </p:txBody>
+      </p:sp>
+      <p:sp>
+        <p:nvSpPr>
+          <p:cNvPr id="3" name="Content Placeholder 2">
+            <a:extLst>
+              <a:ext uri="{FF2B5EF4-FFF2-40B4-BE49-F238E27FC236}">
+                <a16:creationId xmlns:a16="http://schemas.microsoft.com/office/drawing/2014/main" id="{D6EBAA35-9ADB-AF90-7B25-EAB1DA3F624C}"/>
+              </a:ext>
+            </a:extLst>
+          </p:cNvPr>
+          <p:cNvSpPr>
+            <a:spLocks noGrp="1"/>
+          </p:cNvSpPr>
+          <p:nvPr>
+            <p:ph idx="1"/>
+          </p:nvPr>
+        </p:nvSpPr>
+        <p:spPr/>
+        <p:txBody>
+          <a:bodyPr/>
+          <a:lstStyle/>
+          <a:p>
+            <a:pPr>
+              <a:lnSpc>
+                <a:spcPct val="150000"/>
+              </a:lnSpc>
+            </a:pPr>
+            <a:r>
+              <a:rPr lang="en-US" dirty="0"/>
+              <a:t>Advance documents rendering</a:t>
+            </a:r>
+          </a:p>
+          <a:p>
+            <a:pPr>
+              <a:lnSpc>
+                <a:spcPct val="150000"/>
+              </a:lnSpc>
+            </a:pPr>
+            <a:r>
+              <a:rPr lang="en-US" dirty="0"/>
+              <a:t>Latex codes (some examples will be provided)</a:t>
+            </a:r>
+          </a:p>
+          <a:p>
+            <a:pPr>
+              <a:lnSpc>
+                <a:spcPct val="150000"/>
+              </a:lnSpc>
+            </a:pPr>
+            <a:r>
+              <a:rPr lang="en-US" dirty="0"/>
+              <a:t>Online publishing using markdown</a:t>
+            </a:r>
+          </a:p>
+          <a:p>
+            <a:pPr>
+              <a:lnSpc>
+                <a:spcPct val="150000"/>
+              </a:lnSpc>
+            </a:pPr>
+            <a:r>
+              <a:rPr lang="en-US" dirty="0"/>
+              <a:t>Creating interactive documents using R markdown and shiny</a:t>
+            </a:r>
+          </a:p>
+          <a:p>
+            <a:pPr marL="0" indent="0">
+              <a:buNone/>
+            </a:pPr>
+            <a:endParaRPr lang="en-US" dirty="0"/>
+          </a:p>
+        </p:txBody>
+      </p:sp>
+    </p:spTree>
+    <p:extLst>
+      <p:ext uri="{BB962C8B-B14F-4D97-AF65-F5344CB8AC3E}">
+        <p14:creationId xmlns:p14="http://schemas.microsoft.com/office/powerpoint/2010/main" val="3816386921"/>
+      </p:ext>
+    </p:extLst>
+  </p:cSld>
+  <p:clrMapOvr>
+    <a:masterClrMapping/>
+  </p:clrMapOvr>
+</p:sld>
+</file>
+
+<file path=ppt/slides/slide14.xml><?xml version="1.0" encoding="utf-8"?>
+<p:sld xmlns:a="http://schemas.openxmlformats.org/drawingml/2006/main" xmlns:r="http://schemas.openxmlformats.org/officeDocument/2006/relationships" xmlns:p="http://schemas.openxmlformats.org/presentationml/2006/main">
+  <p:cSld>
+    <p:spTree>
+      <p:nvGrpSpPr>
+        <p:cNvPr id="1" name=""/>
+        <p:cNvGrpSpPr/>
+        <p:nvPr/>
+      </p:nvGrpSpPr>
+      <p:grpSpPr>
+        <a:xfrm>
+          <a:off x="0" y="0"/>
+          <a:ext cx="0" cy="0"/>
+          <a:chOff x="0" y="0"/>
+          <a:chExt cx="0" cy="0"/>
+        </a:xfrm>
+      </p:grpSpPr>
+      <p:sp>
+        <p:nvSpPr>
+          <p:cNvPr id="2" name="Title 1">
+            <a:extLst>
+              <a:ext uri="{FF2B5EF4-FFF2-40B4-BE49-F238E27FC236}">
+                <a16:creationId xmlns:a16="http://schemas.microsoft.com/office/drawing/2014/main" id="{321A90D9-14CF-9E11-18CA-04B556619BA9}"/>
+              </a:ext>
+            </a:extLst>
+          </p:cNvPr>
+          <p:cNvSpPr>
+            <a:spLocks noGrp="1"/>
+          </p:cNvSpPr>
+          <p:nvPr>
+            <p:ph type="title"/>
+          </p:nvPr>
+        </p:nvSpPr>
+        <p:spPr>
+          <a:xfrm>
+            <a:off x="666750" y="2498725"/>
+            <a:ext cx="10064242" cy="1325563"/>
+          </a:xfrm>
+        </p:spPr>
+        <p:txBody>
+          <a:bodyPr/>
+          <a:lstStyle/>
+          <a:p>
+            <a:r>
+              <a:rPr lang="en-US" dirty="0"/>
+              <a:t>Setup of the system for the first markdown </a:t>
+            </a:r>
+          </a:p>
+        </p:txBody>
+      </p:sp>
+    </p:spTree>
+    <p:extLst>
+      <p:ext uri="{BB962C8B-B14F-4D97-AF65-F5344CB8AC3E}">
+        <p14:creationId xmlns:p14="http://schemas.microsoft.com/office/powerpoint/2010/main" val="1454302970"/>
+      </p:ext>
+    </p:extLst>
+  </p:cSld>
+  <p:clrMapOvr>
+    <a:masterClrMapping/>
+  </p:clrMapOvr>
+</p:sld>
+</file>
+
 <file path=ppt/slides/slide2.xml><?xml version="1.0" encoding="utf-8"?>
 <p:sld xmlns:a="http://schemas.openxmlformats.org/drawingml/2006/main" xmlns:r="http://schemas.openxmlformats.org/officeDocument/2006/relationships" xmlns:p="http://schemas.openxmlformats.org/presentationml/2006/main">
   <p:cSld>
@@ -7741,19 +9205,11 @@
             </a:r>
             <a:r>
               <a:rPr lang="en-IN" dirty="0" err="1"/>
-              <a:t>reinstall_tinytex</a:t>
+              <a:t>install_tinytex</a:t>
             </a:r>
             <a:r>
               <a:rPr lang="en-IN" dirty="0"/>
-              <a:t>(repository = "</a:t>
-            </a:r>
-            <a:r>
-              <a:rPr lang="en-IN" dirty="0" err="1"/>
-              <a:t>illinois</a:t>
-            </a:r>
-            <a:r>
-              <a:rPr lang="en-IN" dirty="0"/>
-              <a:t>")</a:t>
+              <a:t>(repository = “Illinois")</a:t>
             </a:r>
           </a:p>
           <a:p>
@@ -7797,8 +9253,8 @@
         </p:nvSpPr>
         <p:spPr>
           <a:xfrm>
-            <a:off x="474307" y="5988734"/>
-            <a:ext cx="3472543" cy="646331"/>
+            <a:off x="474307" y="6388784"/>
+            <a:ext cx="5621693" cy="369332"/>
           </a:xfrm>
           <a:prstGeom prst="rect">
             <a:avLst/>
@@ -7813,7 +9269,7 @@
           <a:p>
             <a:r>
               <a:rPr lang="en-IN" dirty="0"/>
-              <a:t>One can used any package in </a:t>
+              <a:t>#One can use any package in </a:t>
             </a:r>
             <a:r>
               <a:rPr lang="en-IN" dirty="0" err="1"/>
@@ -8411,6 +9867,78 @@
           <a:bodyPr/>
           <a:lstStyle/>
           <a:p>
+            <a:pPr>
+              <a:lnSpc>
+                <a:spcPct val="150000"/>
+              </a:lnSpc>
+            </a:pPr>
+            <a:r>
+              <a:rPr lang="en-US" dirty="0"/>
+              <a:t>Avoid human errors; (</a:t>
+            </a:r>
+            <a:r>
+              <a:rPr lang="en-US" i="1" dirty="0"/>
+              <a:t>Sorry I sent the wrong table)</a:t>
+            </a:r>
+          </a:p>
+          <a:p>
+            <a:pPr>
+              <a:lnSpc>
+                <a:spcPct val="150000"/>
+              </a:lnSpc>
+            </a:pPr>
+            <a:r>
+              <a:rPr lang="en-US" dirty="0"/>
+              <a:t>Create documents in multiple formats</a:t>
+            </a:r>
+          </a:p>
+          <a:p>
+            <a:pPr>
+              <a:lnSpc>
+                <a:spcPct val="150000"/>
+              </a:lnSpc>
+            </a:pPr>
+            <a:r>
+              <a:rPr lang="en-US" dirty="0"/>
+              <a:t>Reproducible reports</a:t>
+            </a:r>
+          </a:p>
+          <a:p>
+            <a:pPr>
+              <a:lnSpc>
+                <a:spcPct val="150000"/>
+              </a:lnSpc>
+            </a:pPr>
+            <a:r>
+              <a:rPr lang="en-US" dirty="0"/>
+              <a:t>Transparency in work</a:t>
+            </a:r>
+          </a:p>
+          <a:p>
+            <a:pPr>
+              <a:lnSpc>
+                <a:spcPct val="150000"/>
+              </a:lnSpc>
+            </a:pPr>
+            <a:r>
+              <a:rPr lang="en-US" dirty="0"/>
+              <a:t>No mouse work </a:t>
+            </a:r>
+            <a:r>
+              <a:rPr lang="en-US" dirty="0">
+                <a:sym typeface="Wingdings" panose="05000000000000000000" pitchFamily="2" charset="2"/>
+              </a:rPr>
+              <a:t> </a:t>
+            </a:r>
+            <a:endParaRPr lang="en-US" dirty="0"/>
+          </a:p>
+          <a:p>
+            <a:pPr marL="0" indent="0">
+              <a:buNone/>
+            </a:pPr>
+            <a:endParaRPr lang="en-US" dirty="0"/>
+          </a:p>
+          <a:p>
             <a:endParaRPr lang="en-US" dirty="0"/>
           </a:p>
         </p:txBody>
@@ -8419,6 +9947,881 @@
     <p:extLst>
       <p:ext uri="{BB962C8B-B14F-4D97-AF65-F5344CB8AC3E}">
         <p14:creationId xmlns:p14="http://schemas.microsoft.com/office/powerpoint/2010/main" val="3330881534"/>
+      </p:ext>
+    </p:extLst>
+  </p:cSld>
+  <p:clrMapOvr>
+    <a:masterClrMapping/>
+  </p:clrMapOvr>
+</p:sld>
+</file>
+
+<file path=ppt/slides/slide8.xml><?xml version="1.0" encoding="utf-8"?>
+<p:sld xmlns:a="http://schemas.openxmlformats.org/drawingml/2006/main" xmlns:r="http://schemas.openxmlformats.org/officeDocument/2006/relationships" xmlns:p="http://schemas.openxmlformats.org/presentationml/2006/main">
+  <p:cSld>
+    <p:spTree>
+      <p:nvGrpSpPr>
+        <p:cNvPr id="1" name=""/>
+        <p:cNvGrpSpPr/>
+        <p:nvPr/>
+      </p:nvGrpSpPr>
+      <p:grpSpPr>
+        <a:xfrm>
+          <a:off x="0" y="0"/>
+          <a:ext cx="0" cy="0"/>
+          <a:chOff x="0" y="0"/>
+          <a:chExt cx="0" cy="0"/>
+        </a:xfrm>
+      </p:grpSpPr>
+      <p:sp>
+        <p:nvSpPr>
+          <p:cNvPr id="2" name="Title 1">
+            <a:extLst>
+              <a:ext uri="{FF2B5EF4-FFF2-40B4-BE49-F238E27FC236}">
+                <a16:creationId xmlns:a16="http://schemas.microsoft.com/office/drawing/2014/main" id="{B76A7F2B-8E6E-2BDE-8E44-B6EF013D4D97}"/>
+              </a:ext>
+            </a:extLst>
+          </p:cNvPr>
+          <p:cNvSpPr>
+            <a:spLocks noGrp="1"/>
+          </p:cNvSpPr>
+          <p:nvPr>
+            <p:ph type="title"/>
+          </p:nvPr>
+        </p:nvSpPr>
+        <p:spPr/>
+        <p:txBody>
+          <a:bodyPr/>
+          <a:lstStyle/>
+          <a:p>
+            <a:r>
+              <a:rPr lang="en-US" dirty="0"/>
+              <a:t>Disadvantage 	</a:t>
+            </a:r>
+          </a:p>
+        </p:txBody>
+      </p:sp>
+      <p:sp>
+        <p:nvSpPr>
+          <p:cNvPr id="3" name="Content Placeholder 2">
+            <a:extLst>
+              <a:ext uri="{FF2B5EF4-FFF2-40B4-BE49-F238E27FC236}">
+                <a16:creationId xmlns:a16="http://schemas.microsoft.com/office/drawing/2014/main" id="{3E020971-1D2C-82B3-360E-9F9265E873BA}"/>
+              </a:ext>
+            </a:extLst>
+          </p:cNvPr>
+          <p:cNvSpPr>
+            <a:spLocks noGrp="1"/>
+          </p:cNvSpPr>
+          <p:nvPr>
+            <p:ph idx="1"/>
+          </p:nvPr>
+        </p:nvSpPr>
+        <p:spPr/>
+        <p:txBody>
+          <a:bodyPr/>
+          <a:lstStyle/>
+          <a:p>
+            <a:r>
+              <a:rPr lang="en-US" dirty="0"/>
+              <a:t>Syntax and symbols</a:t>
+            </a:r>
+          </a:p>
+          <a:p>
+            <a:r>
+              <a:rPr lang="en-US" dirty="0"/>
+              <a:t>Coding algorithms cannot be detected</a:t>
+            </a:r>
+          </a:p>
+        </p:txBody>
+      </p:sp>
+    </p:spTree>
+    <p:extLst>
+      <p:ext uri="{BB962C8B-B14F-4D97-AF65-F5344CB8AC3E}">
+        <p14:creationId xmlns:p14="http://schemas.microsoft.com/office/powerpoint/2010/main" val="2565452104"/>
+      </p:ext>
+    </p:extLst>
+  </p:cSld>
+  <p:clrMapOvr>
+    <a:masterClrMapping/>
+  </p:clrMapOvr>
+</p:sld>
+</file>
+
+<file path=ppt/slides/slide9.xml><?xml version="1.0" encoding="utf-8"?>
+<p:sld xmlns:a="http://schemas.openxmlformats.org/drawingml/2006/main" xmlns:r="http://schemas.openxmlformats.org/officeDocument/2006/relationships" xmlns:p="http://schemas.openxmlformats.org/presentationml/2006/main">
+  <p:cSld>
+    <p:spTree>
+      <p:nvGrpSpPr>
+        <p:cNvPr id="1" name=""/>
+        <p:cNvGrpSpPr/>
+        <p:nvPr/>
+      </p:nvGrpSpPr>
+      <p:grpSpPr>
+        <a:xfrm>
+          <a:off x="0" y="0"/>
+          <a:ext cx="0" cy="0"/>
+          <a:chOff x="0" y="0"/>
+          <a:chExt cx="0" cy="0"/>
+        </a:xfrm>
+      </p:grpSpPr>
+      <p:sp>
+        <p:nvSpPr>
+          <p:cNvPr id="2" name="Title 1">
+            <a:extLst>
+              <a:ext uri="{FF2B5EF4-FFF2-40B4-BE49-F238E27FC236}">
+                <a16:creationId xmlns:a16="http://schemas.microsoft.com/office/drawing/2014/main" id="{0C659B32-C8E9-0556-8A97-63F540444000}"/>
+              </a:ext>
+            </a:extLst>
+          </p:cNvPr>
+          <p:cNvSpPr>
+            <a:spLocks noGrp="1"/>
+          </p:cNvSpPr>
+          <p:nvPr>
+            <p:ph type="title"/>
+          </p:nvPr>
+        </p:nvSpPr>
+        <p:spPr/>
+        <p:txBody>
+          <a:bodyPr/>
+          <a:lstStyle/>
+          <a:p>
+            <a:r>
+              <a:rPr lang="en-US" dirty="0"/>
+              <a:t>Traditional uses of R in research</a:t>
+            </a:r>
+          </a:p>
+        </p:txBody>
+      </p:sp>
+      <p:sp>
+        <p:nvSpPr>
+          <p:cNvPr id="4" name="TextBox 3">
+            <a:extLst>
+              <a:ext uri="{FF2B5EF4-FFF2-40B4-BE49-F238E27FC236}">
+                <a16:creationId xmlns:a16="http://schemas.microsoft.com/office/drawing/2014/main" id="{07BBE7AC-A0F2-FF05-6395-09DE1DACC7DB}"/>
+              </a:ext>
+            </a:extLst>
+          </p:cNvPr>
+          <p:cNvSpPr txBox="1"/>
+          <p:nvPr/>
+        </p:nvSpPr>
+        <p:spPr>
+          <a:xfrm>
+            <a:off x="1394234" y="2661719"/>
+            <a:ext cx="742384" cy="369332"/>
+          </a:xfrm>
+          <a:prstGeom prst="rect">
+            <a:avLst/>
+          </a:prstGeom>
+          <a:noFill/>
+          <a:ln w="12700">
+            <a:solidFill>
+              <a:schemeClr val="tx1"/>
+            </a:solidFill>
+          </a:ln>
+        </p:spPr>
+        <p:txBody>
+          <a:bodyPr wrap="square" rtlCol="0">
+            <a:spAutoFit/>
+          </a:bodyPr>
+          <a:lstStyle/>
+          <a:p>
+            <a:pPr algn="ctr"/>
+            <a:r>
+              <a:rPr lang="en-US" dirty="0"/>
+              <a:t>Data</a:t>
+            </a:r>
+          </a:p>
+        </p:txBody>
+      </p:sp>
+      <p:cxnSp>
+        <p:nvCxnSpPr>
+          <p:cNvPr id="6" name="Straight Arrow Connector 5">
+            <a:extLst>
+              <a:ext uri="{FF2B5EF4-FFF2-40B4-BE49-F238E27FC236}">
+                <a16:creationId xmlns:a16="http://schemas.microsoft.com/office/drawing/2014/main" id="{D0B56B02-884A-5C9E-47D9-D8E77AF812B1}"/>
+              </a:ext>
+            </a:extLst>
+          </p:cNvPr>
+          <p:cNvCxnSpPr/>
+          <p:nvPr/>
+        </p:nvCxnSpPr>
+        <p:spPr>
+          <a:xfrm>
+            <a:off x="2136618" y="2882599"/>
+            <a:ext cx="1303699" cy="5457"/>
+          </a:xfrm>
+          <a:prstGeom prst="straightConnector1">
+            <a:avLst/>
+          </a:prstGeom>
+          <a:ln>
+            <a:tailEnd type="triangle"/>
+          </a:ln>
+        </p:spPr>
+        <p:style>
+          <a:lnRef idx="1">
+            <a:schemeClr val="accent1"/>
+          </a:lnRef>
+          <a:fillRef idx="0">
+            <a:schemeClr val="accent1"/>
+          </a:fillRef>
+          <a:effectRef idx="0">
+            <a:schemeClr val="accent1"/>
+          </a:effectRef>
+          <a:fontRef idx="minor">
+            <a:schemeClr val="tx1"/>
+          </a:fontRef>
+        </p:style>
+      </p:cxnSp>
+      <p:pic>
+        <p:nvPicPr>
+          <p:cNvPr id="1026" name="Picture 2">
+            <a:extLst>
+              <a:ext uri="{FF2B5EF4-FFF2-40B4-BE49-F238E27FC236}">
+                <a16:creationId xmlns:a16="http://schemas.microsoft.com/office/drawing/2014/main" id="{5DB98579-D3CA-2B96-FA5A-BBDD756EDE7A}"/>
+              </a:ext>
+            </a:extLst>
+          </p:cNvPr>
+          <p:cNvPicPr>
+            <a:picLocks noChangeAspect="1" noChangeArrowheads="1"/>
+          </p:cNvPicPr>
+          <p:nvPr/>
+        </p:nvPicPr>
+        <p:blipFill>
+          <a:blip r:embed="rId3">
+            <a:extLst>
+              <a:ext uri="{28A0092B-C50C-407E-A947-70E740481C1C}">
+                <a14:useLocalDpi xmlns:a14="http://schemas.microsoft.com/office/drawing/2010/main" val="0"/>
+              </a:ext>
+            </a:extLst>
+          </a:blip>
+          <a:srcRect/>
+          <a:stretch>
+            <a:fillRect/>
+          </a:stretch>
+        </p:blipFill>
+        <p:spPr bwMode="auto">
+          <a:xfrm>
+            <a:off x="3528607" y="2254314"/>
+            <a:ext cx="1832741" cy="1420121"/>
+          </a:xfrm>
+          <a:prstGeom prst="rect">
+            <a:avLst/>
+          </a:prstGeom>
+          <a:noFill/>
+          <a:extLst>
+            <a:ext uri="{909E8E84-426E-40DD-AFC4-6F175D3DCCD1}">
+              <a14:hiddenFill xmlns:a14="http://schemas.microsoft.com/office/drawing/2010/main">
+                <a:solidFill>
+                  <a:srgbClr val="FFFFFF"/>
+                </a:solidFill>
+              </a14:hiddenFill>
+            </a:ext>
+          </a:extLst>
+        </p:spPr>
+      </p:pic>
+      <p:cxnSp>
+        <p:nvCxnSpPr>
+          <p:cNvPr id="9" name="Straight Arrow Connector 8">
+            <a:extLst>
+              <a:ext uri="{FF2B5EF4-FFF2-40B4-BE49-F238E27FC236}">
+                <a16:creationId xmlns:a16="http://schemas.microsoft.com/office/drawing/2014/main" id="{8909947B-1B35-F5C3-7FCD-3E09143DC66C}"/>
+              </a:ext>
+            </a:extLst>
+          </p:cNvPr>
+          <p:cNvCxnSpPr/>
+          <p:nvPr/>
+        </p:nvCxnSpPr>
+        <p:spPr>
+          <a:xfrm>
+            <a:off x="5361348" y="2880739"/>
+            <a:ext cx="1303699" cy="5457"/>
+          </a:xfrm>
+          <a:prstGeom prst="straightConnector1">
+            <a:avLst/>
+          </a:prstGeom>
+          <a:ln>
+            <a:tailEnd type="triangle"/>
+          </a:ln>
+        </p:spPr>
+        <p:style>
+          <a:lnRef idx="1">
+            <a:schemeClr val="accent1"/>
+          </a:lnRef>
+          <a:fillRef idx="0">
+            <a:schemeClr val="accent1"/>
+          </a:fillRef>
+          <a:effectRef idx="0">
+            <a:schemeClr val="accent1"/>
+          </a:effectRef>
+          <a:fontRef idx="minor">
+            <a:schemeClr val="tx1"/>
+          </a:fontRef>
+        </p:style>
+      </p:cxnSp>
+      <p:cxnSp>
+        <p:nvCxnSpPr>
+          <p:cNvPr id="10" name="Straight Arrow Connector 9">
+            <a:extLst>
+              <a:ext uri="{FF2B5EF4-FFF2-40B4-BE49-F238E27FC236}">
+                <a16:creationId xmlns:a16="http://schemas.microsoft.com/office/drawing/2014/main" id="{406BE01E-E688-1692-AC97-76B0A459FC78}"/>
+              </a:ext>
+            </a:extLst>
+          </p:cNvPr>
+          <p:cNvCxnSpPr>
+            <a:cxnSpLocks/>
+          </p:cNvCxnSpPr>
+          <p:nvPr/>
+        </p:nvCxnSpPr>
+        <p:spPr>
+          <a:xfrm flipH="1">
+            <a:off x="3141552" y="3332720"/>
+            <a:ext cx="624690" cy="1543595"/>
+          </a:xfrm>
+          <a:prstGeom prst="straightConnector1">
+            <a:avLst/>
+          </a:prstGeom>
+          <a:ln>
+            <a:tailEnd type="triangle"/>
+          </a:ln>
+        </p:spPr>
+        <p:style>
+          <a:lnRef idx="1">
+            <a:schemeClr val="accent1"/>
+          </a:lnRef>
+          <a:fillRef idx="0">
+            <a:schemeClr val="accent1"/>
+          </a:fillRef>
+          <a:effectRef idx="0">
+            <a:schemeClr val="accent1"/>
+          </a:effectRef>
+          <a:fontRef idx="minor">
+            <a:schemeClr val="tx1"/>
+          </a:fontRef>
+        </p:style>
+      </p:cxnSp>
+      <p:sp>
+        <p:nvSpPr>
+          <p:cNvPr id="12" name="TextBox 11">
+            <a:extLst>
+              <a:ext uri="{FF2B5EF4-FFF2-40B4-BE49-F238E27FC236}">
+                <a16:creationId xmlns:a16="http://schemas.microsoft.com/office/drawing/2014/main" id="{5012BEFE-8D88-3823-D0DE-C163FE476675}"/>
+              </a:ext>
+            </a:extLst>
+          </p:cNvPr>
+          <p:cNvSpPr txBox="1"/>
+          <p:nvPr/>
+        </p:nvSpPr>
+        <p:spPr>
+          <a:xfrm>
+            <a:off x="6817259" y="2661719"/>
+            <a:ext cx="1303699" cy="646331"/>
+          </a:xfrm>
+          <a:prstGeom prst="rect">
+            <a:avLst/>
+          </a:prstGeom>
+          <a:noFill/>
+          <a:ln>
+            <a:solidFill>
+              <a:schemeClr val="tx1"/>
+            </a:solidFill>
+          </a:ln>
+        </p:spPr>
+        <p:txBody>
+          <a:bodyPr wrap="square" rtlCol="0">
+            <a:spAutoFit/>
+          </a:bodyPr>
+          <a:lstStyle/>
+          <a:p>
+            <a:r>
+              <a:rPr lang="en-US" dirty="0"/>
+              <a:t>Graphical results</a:t>
+            </a:r>
+          </a:p>
+        </p:txBody>
+      </p:sp>
+      <p:sp>
+        <p:nvSpPr>
+          <p:cNvPr id="13" name="TextBox 12">
+            <a:extLst>
+              <a:ext uri="{FF2B5EF4-FFF2-40B4-BE49-F238E27FC236}">
+                <a16:creationId xmlns:a16="http://schemas.microsoft.com/office/drawing/2014/main" id="{2E136214-6254-57AE-102C-1E3FCE2A7AA0}"/>
+              </a:ext>
+            </a:extLst>
+          </p:cNvPr>
+          <p:cNvSpPr txBox="1"/>
+          <p:nvPr/>
+        </p:nvSpPr>
+        <p:spPr>
+          <a:xfrm>
+            <a:off x="2046082" y="4876315"/>
+            <a:ext cx="1955548" cy="369332"/>
+          </a:xfrm>
+          <a:prstGeom prst="rect">
+            <a:avLst/>
+          </a:prstGeom>
+          <a:noFill/>
+          <a:ln>
+            <a:solidFill>
+              <a:schemeClr val="tx1"/>
+            </a:solidFill>
+          </a:ln>
+        </p:spPr>
+        <p:txBody>
+          <a:bodyPr wrap="square" rtlCol="0">
+            <a:spAutoFit/>
+          </a:bodyPr>
+          <a:lstStyle/>
+          <a:p>
+            <a:r>
+              <a:rPr lang="en-US" dirty="0"/>
+              <a:t>Tabular results</a:t>
+            </a:r>
+          </a:p>
+        </p:txBody>
+      </p:sp>
+      <p:cxnSp>
+        <p:nvCxnSpPr>
+          <p:cNvPr id="16" name="Straight Arrow Connector 15">
+            <a:extLst>
+              <a:ext uri="{FF2B5EF4-FFF2-40B4-BE49-F238E27FC236}">
+                <a16:creationId xmlns:a16="http://schemas.microsoft.com/office/drawing/2014/main" id="{60FCE2F2-4894-4334-4234-998B7933CAE0}"/>
+              </a:ext>
+            </a:extLst>
+          </p:cNvPr>
+          <p:cNvCxnSpPr>
+            <a:cxnSpLocks/>
+          </p:cNvCxnSpPr>
+          <p:nvPr/>
+        </p:nvCxnSpPr>
+        <p:spPr>
+          <a:xfrm>
+            <a:off x="5174057" y="3332720"/>
+            <a:ext cx="1036622" cy="968140"/>
+          </a:xfrm>
+          <a:prstGeom prst="straightConnector1">
+            <a:avLst/>
+          </a:prstGeom>
+          <a:ln>
+            <a:tailEnd type="triangle"/>
+          </a:ln>
+        </p:spPr>
+        <p:style>
+          <a:lnRef idx="1">
+            <a:schemeClr val="accent1"/>
+          </a:lnRef>
+          <a:fillRef idx="0">
+            <a:schemeClr val="accent1"/>
+          </a:fillRef>
+          <a:effectRef idx="0">
+            <a:schemeClr val="accent1"/>
+          </a:effectRef>
+          <a:fontRef idx="minor">
+            <a:schemeClr val="tx1"/>
+          </a:fontRef>
+        </p:style>
+      </p:cxnSp>
+      <p:sp>
+        <p:nvSpPr>
+          <p:cNvPr id="18" name="TextBox 17">
+            <a:extLst>
+              <a:ext uri="{FF2B5EF4-FFF2-40B4-BE49-F238E27FC236}">
+                <a16:creationId xmlns:a16="http://schemas.microsoft.com/office/drawing/2014/main" id="{0377998E-52AA-A264-DDFF-ED9AE5E26ED5}"/>
+              </a:ext>
+            </a:extLst>
+          </p:cNvPr>
+          <p:cNvSpPr txBox="1"/>
+          <p:nvPr/>
+        </p:nvSpPr>
+        <p:spPr>
+          <a:xfrm>
+            <a:off x="6210679" y="4322315"/>
+            <a:ext cx="1430448" cy="646331"/>
+          </a:xfrm>
+          <a:prstGeom prst="rect">
+            <a:avLst/>
+          </a:prstGeom>
+          <a:noFill/>
+          <a:ln>
+            <a:solidFill>
+              <a:schemeClr val="tx1"/>
+            </a:solidFill>
+          </a:ln>
+        </p:spPr>
+        <p:txBody>
+          <a:bodyPr wrap="square" rtlCol="0">
+            <a:spAutoFit/>
+          </a:bodyPr>
+          <a:lstStyle/>
+          <a:p>
+            <a:r>
+              <a:rPr lang="en-US" dirty="0"/>
+              <a:t>Word results</a:t>
+            </a:r>
+          </a:p>
+        </p:txBody>
+      </p:sp>
+      <p:cxnSp>
+        <p:nvCxnSpPr>
+          <p:cNvPr id="22" name="Connector: Curved 21">
+            <a:extLst>
+              <a:ext uri="{FF2B5EF4-FFF2-40B4-BE49-F238E27FC236}">
+                <a16:creationId xmlns:a16="http://schemas.microsoft.com/office/drawing/2014/main" id="{EBEBCDD9-567D-D11B-31AF-4FECEEA86FA8}"/>
+              </a:ext>
+            </a:extLst>
+          </p:cNvPr>
+          <p:cNvCxnSpPr>
+            <a:cxnSpLocks/>
+            <a:stCxn id="12" idx="2"/>
+            <a:endCxn id="27" idx="0"/>
+          </p:cNvCxnSpPr>
+          <p:nvPr/>
+        </p:nvCxnSpPr>
+        <p:spPr>
+          <a:xfrm rot="16200000" flipH="1">
+            <a:off x="7623855" y="3153304"/>
+            <a:ext cx="2076096" cy="2385588"/>
+          </a:xfrm>
+          <a:prstGeom prst="curvedConnector3">
+            <a:avLst/>
+          </a:prstGeom>
+          <a:ln>
+            <a:tailEnd type="triangle"/>
+          </a:ln>
+        </p:spPr>
+        <p:style>
+          <a:lnRef idx="1">
+            <a:schemeClr val="accent1"/>
+          </a:lnRef>
+          <a:fillRef idx="0">
+            <a:schemeClr val="accent1"/>
+          </a:fillRef>
+          <a:effectRef idx="0">
+            <a:schemeClr val="accent1"/>
+          </a:effectRef>
+          <a:fontRef idx="minor">
+            <a:schemeClr val="tx1"/>
+          </a:fontRef>
+        </p:style>
+      </p:cxnSp>
+      <p:cxnSp>
+        <p:nvCxnSpPr>
+          <p:cNvPr id="24" name="Connector: Curved 23">
+            <a:extLst>
+              <a:ext uri="{FF2B5EF4-FFF2-40B4-BE49-F238E27FC236}">
+                <a16:creationId xmlns:a16="http://schemas.microsoft.com/office/drawing/2014/main" id="{C08FB9AA-02B3-D326-9B2F-DFCF545B72E3}"/>
+              </a:ext>
+            </a:extLst>
+          </p:cNvPr>
+          <p:cNvCxnSpPr>
+            <a:cxnSpLocks/>
+            <a:stCxn id="18" idx="3"/>
+          </p:cNvCxnSpPr>
+          <p:nvPr/>
+        </p:nvCxnSpPr>
+        <p:spPr>
+          <a:xfrm>
+            <a:off x="7641127" y="4645481"/>
+            <a:ext cx="1530033" cy="738665"/>
+          </a:xfrm>
+          <a:prstGeom prst="curvedConnector3">
+            <a:avLst/>
+          </a:prstGeom>
+          <a:ln>
+            <a:tailEnd type="triangle"/>
+          </a:ln>
+        </p:spPr>
+        <p:style>
+          <a:lnRef idx="1">
+            <a:schemeClr val="accent1"/>
+          </a:lnRef>
+          <a:fillRef idx="0">
+            <a:schemeClr val="accent1"/>
+          </a:fillRef>
+          <a:effectRef idx="0">
+            <a:schemeClr val="accent1"/>
+          </a:effectRef>
+          <a:fontRef idx="minor">
+            <a:schemeClr val="tx1"/>
+          </a:fontRef>
+        </p:style>
+      </p:cxnSp>
+      <p:cxnSp>
+        <p:nvCxnSpPr>
+          <p:cNvPr id="26" name="Connector: Curved 25">
+            <a:extLst>
+              <a:ext uri="{FF2B5EF4-FFF2-40B4-BE49-F238E27FC236}">
+                <a16:creationId xmlns:a16="http://schemas.microsoft.com/office/drawing/2014/main" id="{DEBA3F76-772E-A237-C8F8-8B70E38229D5}"/>
+              </a:ext>
+            </a:extLst>
+          </p:cNvPr>
+          <p:cNvCxnSpPr>
+            <a:cxnSpLocks/>
+            <a:stCxn id="13" idx="3"/>
+            <a:endCxn id="27" idx="1"/>
+          </p:cNvCxnSpPr>
+          <p:nvPr/>
+        </p:nvCxnSpPr>
+        <p:spPr>
+          <a:xfrm>
+            <a:off x="4001630" y="5060981"/>
+            <a:ext cx="5169530" cy="507831"/>
+          </a:xfrm>
+          <a:prstGeom prst="curvedConnector3">
+            <a:avLst/>
+          </a:prstGeom>
+          <a:ln>
+            <a:tailEnd type="triangle"/>
+          </a:ln>
+        </p:spPr>
+        <p:style>
+          <a:lnRef idx="1">
+            <a:schemeClr val="accent1"/>
+          </a:lnRef>
+          <a:fillRef idx="0">
+            <a:schemeClr val="accent1"/>
+          </a:fillRef>
+          <a:effectRef idx="0">
+            <a:schemeClr val="accent1"/>
+          </a:effectRef>
+          <a:fontRef idx="minor">
+            <a:schemeClr val="tx1"/>
+          </a:fontRef>
+        </p:style>
+      </p:cxnSp>
+      <p:sp>
+        <p:nvSpPr>
+          <p:cNvPr id="27" name="TextBox 26">
+            <a:extLst>
+              <a:ext uri="{FF2B5EF4-FFF2-40B4-BE49-F238E27FC236}">
+                <a16:creationId xmlns:a16="http://schemas.microsoft.com/office/drawing/2014/main" id="{0EC4A3E4-14B3-7E72-09A4-B44738475124}"/>
+              </a:ext>
+            </a:extLst>
+          </p:cNvPr>
+          <p:cNvSpPr txBox="1"/>
+          <p:nvPr/>
+        </p:nvSpPr>
+        <p:spPr>
+          <a:xfrm>
+            <a:off x="9171160" y="5384146"/>
+            <a:ext cx="1367074" cy="369332"/>
+          </a:xfrm>
+          <a:prstGeom prst="rect">
+            <a:avLst/>
+          </a:prstGeom>
+          <a:noFill/>
+          <a:ln>
+            <a:solidFill>
+              <a:schemeClr val="tx1"/>
+            </a:solidFill>
+          </a:ln>
+        </p:spPr>
+        <p:txBody>
+          <a:bodyPr wrap="square" rtlCol="0">
+            <a:spAutoFit/>
+          </a:bodyPr>
+          <a:lstStyle/>
+          <a:p>
+            <a:pPr algn="ctr"/>
+            <a:r>
+              <a:rPr lang="en-US" dirty="0"/>
+              <a:t>Documents </a:t>
+            </a:r>
+          </a:p>
+        </p:txBody>
+      </p:sp>
+      <p:cxnSp>
+        <p:nvCxnSpPr>
+          <p:cNvPr id="29" name="Straight Arrow Connector 28">
+            <a:extLst>
+              <a:ext uri="{FF2B5EF4-FFF2-40B4-BE49-F238E27FC236}">
+                <a16:creationId xmlns:a16="http://schemas.microsoft.com/office/drawing/2014/main" id="{1A21BF9E-4CAC-ACD1-EF59-C1B0F687632D}"/>
+              </a:ext>
+            </a:extLst>
+          </p:cNvPr>
+          <p:cNvCxnSpPr>
+            <a:cxnSpLocks/>
+            <a:endCxn id="30" idx="3"/>
+          </p:cNvCxnSpPr>
+          <p:nvPr/>
+        </p:nvCxnSpPr>
+        <p:spPr>
+          <a:xfrm flipH="1">
+            <a:off x="5097101" y="5687406"/>
+            <a:ext cx="4074059" cy="250738"/>
+          </a:xfrm>
+          <a:prstGeom prst="straightConnector1">
+            <a:avLst/>
+          </a:prstGeom>
+          <a:ln>
+            <a:tailEnd type="triangle"/>
+          </a:ln>
+        </p:spPr>
+        <p:style>
+          <a:lnRef idx="1">
+            <a:schemeClr val="accent1"/>
+          </a:lnRef>
+          <a:fillRef idx="0">
+            <a:schemeClr val="accent1"/>
+          </a:fillRef>
+          <a:effectRef idx="0">
+            <a:schemeClr val="accent1"/>
+          </a:effectRef>
+          <a:fontRef idx="minor">
+            <a:schemeClr val="tx1"/>
+          </a:fontRef>
+        </p:style>
+      </p:cxnSp>
+      <p:sp>
+        <p:nvSpPr>
+          <p:cNvPr id="30" name="TextBox 29">
+            <a:extLst>
+              <a:ext uri="{FF2B5EF4-FFF2-40B4-BE49-F238E27FC236}">
+                <a16:creationId xmlns:a16="http://schemas.microsoft.com/office/drawing/2014/main" id="{9FDC867A-1329-B098-CA21-34F929CF0E75}"/>
+              </a:ext>
+            </a:extLst>
+          </p:cNvPr>
+          <p:cNvSpPr txBox="1"/>
+          <p:nvPr/>
+        </p:nvSpPr>
+        <p:spPr>
+          <a:xfrm>
+            <a:off x="3684760" y="5753478"/>
+            <a:ext cx="1412341" cy="369332"/>
+          </a:xfrm>
+          <a:prstGeom prst="rect">
+            <a:avLst/>
+          </a:prstGeom>
+          <a:noFill/>
+          <a:ln>
+            <a:solidFill>
+              <a:schemeClr val="tx1"/>
+            </a:solidFill>
+          </a:ln>
+        </p:spPr>
+        <p:txBody>
+          <a:bodyPr wrap="square" rtlCol="0">
+            <a:spAutoFit/>
+          </a:bodyPr>
+          <a:lstStyle/>
+          <a:p>
+            <a:r>
+              <a:rPr lang="en-US" dirty="0"/>
+              <a:t>Publication</a:t>
+            </a:r>
+          </a:p>
+        </p:txBody>
+      </p:sp>
+      <p:sp>
+        <p:nvSpPr>
+          <p:cNvPr id="42" name="TextBox 41">
+            <a:extLst>
+              <a:ext uri="{FF2B5EF4-FFF2-40B4-BE49-F238E27FC236}">
+                <a16:creationId xmlns:a16="http://schemas.microsoft.com/office/drawing/2014/main" id="{6C802FF5-3A3B-EF3E-97B5-4A7A6037F429}"/>
+              </a:ext>
+            </a:extLst>
+          </p:cNvPr>
+          <p:cNvSpPr txBox="1"/>
+          <p:nvPr/>
+        </p:nvSpPr>
+        <p:spPr>
+          <a:xfrm>
+            <a:off x="8635234" y="1962150"/>
+            <a:ext cx="2267208" cy="1200329"/>
+          </a:xfrm>
+          <a:prstGeom prst="rect">
+            <a:avLst/>
+          </a:prstGeom>
+          <a:noFill/>
+          <a:ln>
+            <a:solidFill>
+              <a:schemeClr val="tx1"/>
+            </a:solidFill>
+          </a:ln>
+        </p:spPr>
+        <p:txBody>
+          <a:bodyPr wrap="square" rtlCol="0">
+            <a:spAutoFit/>
+          </a:bodyPr>
+          <a:lstStyle/>
+          <a:p>
+            <a:pPr marL="285750" indent="-285750">
+              <a:buFont typeface="Arial" panose="020B0604020202020204" pitchFamily="34" charset="0"/>
+              <a:buChar char="•"/>
+            </a:pPr>
+            <a:r>
+              <a:rPr lang="en-US" dirty="0"/>
+              <a:t>Equation</a:t>
+            </a:r>
+          </a:p>
+          <a:p>
+            <a:pPr marL="285750" indent="-285750">
+              <a:buFont typeface="Arial" panose="020B0604020202020204" pitchFamily="34" charset="0"/>
+              <a:buChar char="•"/>
+            </a:pPr>
+            <a:r>
+              <a:rPr lang="en-US" dirty="0"/>
+              <a:t>Additional pictures</a:t>
+            </a:r>
+          </a:p>
+          <a:p>
+            <a:pPr marL="285750" indent="-285750">
+              <a:buFont typeface="Arial" panose="020B0604020202020204" pitchFamily="34" charset="0"/>
+              <a:buChar char="•"/>
+            </a:pPr>
+            <a:r>
+              <a:rPr lang="en-US" dirty="0"/>
+              <a:t>Special symbols</a:t>
+            </a:r>
+          </a:p>
+        </p:txBody>
+      </p:sp>
+      <p:cxnSp>
+        <p:nvCxnSpPr>
+          <p:cNvPr id="44" name="Straight Arrow Connector 43">
+            <a:extLst>
+              <a:ext uri="{FF2B5EF4-FFF2-40B4-BE49-F238E27FC236}">
+                <a16:creationId xmlns:a16="http://schemas.microsoft.com/office/drawing/2014/main" id="{DD00CAE0-B50F-1003-4E68-FF8B8B41245B}"/>
+              </a:ext>
+            </a:extLst>
+          </p:cNvPr>
+          <p:cNvCxnSpPr>
+            <a:stCxn id="42" idx="2"/>
+            <a:endCxn id="27" idx="0"/>
+          </p:cNvCxnSpPr>
+          <p:nvPr/>
+        </p:nvCxnSpPr>
+        <p:spPr>
+          <a:xfrm>
+            <a:off x="9768838" y="3162479"/>
+            <a:ext cx="85859" cy="2221667"/>
+          </a:xfrm>
+          <a:prstGeom prst="straightConnector1">
+            <a:avLst/>
+          </a:prstGeom>
+          <a:ln>
+            <a:tailEnd type="triangle"/>
+          </a:ln>
+        </p:spPr>
+        <p:style>
+          <a:lnRef idx="1">
+            <a:schemeClr val="accent1"/>
+          </a:lnRef>
+          <a:fillRef idx="0">
+            <a:schemeClr val="accent1"/>
+          </a:fillRef>
+          <a:effectRef idx="0">
+            <a:schemeClr val="accent1"/>
+          </a:effectRef>
+          <a:fontRef idx="minor">
+            <a:schemeClr val="tx1"/>
+          </a:fontRef>
+        </p:style>
+      </p:cxnSp>
+    </p:spTree>
+    <p:extLst>
+      <p:ext uri="{BB962C8B-B14F-4D97-AF65-F5344CB8AC3E}">
+        <p14:creationId xmlns:p14="http://schemas.microsoft.com/office/powerpoint/2010/main" val="1148937972"/>
       </p:ext>
     </p:extLst>
   </p:cSld>
@@ -8687,4 +11090,299 @@
     </a:ext>
   </a:extLst>
 </a:theme>
+</file>
+
+<file path=ppt/theme/theme2.xml><?xml version="1.0" encoding="utf-8"?>
+<a:theme xmlns:a="http://schemas.openxmlformats.org/drawingml/2006/main" name="Office Theme">
+  <a:themeElements>
+    <a:clrScheme name="Office">
+      <a:dk1>
+        <a:sysClr val="windowText" lastClr="000000"/>
+      </a:dk1>
+      <a:lt1>
+        <a:sysClr val="window" lastClr="FFFFFF"/>
+      </a:lt1>
+      <a:dk2>
+        <a:srgbClr val="44546A"/>
+      </a:dk2>
+      <a:lt2>
+        <a:srgbClr val="E7E6E6"/>
+      </a:lt2>
+      <a:accent1>
+        <a:srgbClr val="4472C4"/>
+      </a:accent1>
+      <a:accent2>
+        <a:srgbClr val="ED7D31"/>
+      </a:accent2>
+      <a:accent3>
+        <a:srgbClr val="A5A5A5"/>
+      </a:accent3>
+      <a:accent4>
+        <a:srgbClr val="FFC000"/>
+      </a:accent4>
+      <a:accent5>
+        <a:srgbClr val="5B9BD5"/>
+      </a:accent5>
+      <a:accent6>
+        <a:srgbClr val="70AD47"/>
+      </a:accent6>
+      <a:hlink>
+        <a:srgbClr val="0563C1"/>
+      </a:hlink>
+      <a:folHlink>
+        <a:srgbClr val="954F72"/>
+      </a:folHlink>
+    </a:clrScheme>
+    <a:fontScheme name="Office">
+      <a:majorFont>
+        <a:latin typeface="Calibri Light" panose="020F0302020204030204"/>
+        <a:ea typeface=""/>
+        <a:cs typeface=""/>
+        <a:font script="Jpan" typeface="游ゴシック Light"/>
+        <a:font script="Hang" typeface="맑은 고딕"/>
+        <a:font script="Hans" typeface="等线 Light"/>
+        <a:font script="Hant" typeface="新細明體"/>
+        <a:font script="Arab" typeface="Times New Roman"/>
+        <a:font script="Hebr" typeface="Times New Roman"/>
+        <a:font script="Thai" typeface="Angsana New"/>
+        <a:font script="Ethi" typeface="Nyala"/>
+        <a:font script="Beng" typeface="Vrinda"/>
+        <a:font script="Gujr" typeface="Shruti"/>
+        <a:font script="Khmr" typeface="MoolBoran"/>
+        <a:font script="Knda" typeface="Tunga"/>
+        <a:font script="Guru" typeface="Raavi"/>
+        <a:font script="Cans" typeface="Euphemia"/>
+        <a:font script="Cher" typeface="Plantagenet Cherokee"/>
+        <a:font script="Yiii" typeface="Microsoft Yi Baiti"/>
+        <a:font script="Tibt" typeface="Microsoft Himalaya"/>
+        <a:font script="Thaa" typeface="MV Boli"/>
+        <a:font script="Deva" typeface="Mangal"/>
+        <a:font script="Telu" typeface="Gautami"/>
+        <a:font script="Taml" typeface="Latha"/>
+        <a:font script="Syrc" typeface="Estrangelo Edessa"/>
+        <a:font script="Orya" typeface="Kalinga"/>
+        <a:font script="Mlym" typeface="Kartika"/>
+        <a:font script="Laoo" typeface="DokChampa"/>
+        <a:font script="Sinh" typeface="Iskoola Pota"/>
+        <a:font script="Mong" typeface="Mongolian Baiti"/>
+        <a:font script="Viet" typeface="Times New Roman"/>
+        <a:font script="Uigh" typeface="Microsoft Uighur"/>
+        <a:font script="Geor" typeface="Sylfaen"/>
+        <a:font script="Armn" typeface="Arial"/>
+        <a:font script="Bugi" typeface="Leelawadee UI"/>
+        <a:font script="Bopo" typeface="Microsoft JhengHei"/>
+        <a:font script="Java" typeface="Javanese Text"/>
+        <a:font script="Lisu" typeface="Segoe UI"/>
+        <a:font script="Mymr" typeface="Myanmar Text"/>
+        <a:font script="Nkoo" typeface="Ebrima"/>
+        <a:font script="Olck" typeface="Nirmala UI"/>
+        <a:font script="Osma" typeface="Ebrima"/>
+        <a:font script="Phag" typeface="Phagspa"/>
+        <a:font script="Syrn" typeface="Estrangelo Edessa"/>
+        <a:font script="Syrj" typeface="Estrangelo Edessa"/>
+        <a:font script="Syre" typeface="Estrangelo Edessa"/>
+        <a:font script="Sora" typeface="Nirmala UI"/>
+        <a:font script="Tale" typeface="Microsoft Tai Le"/>
+        <a:font script="Talu" typeface="Microsoft New Tai Lue"/>
+        <a:font script="Tfng" typeface="Ebrima"/>
+      </a:majorFont>
+      <a:minorFont>
+        <a:latin typeface="Calibri" panose="020F0502020204030204"/>
+        <a:ea typeface=""/>
+        <a:cs typeface=""/>
+        <a:font script="Jpan" typeface="游ゴシック"/>
+        <a:font script="Hang" typeface="맑은 고딕"/>
+        <a:font script="Hans" typeface="等线"/>
+        <a:font script="Hant" typeface="新細明體"/>
+        <a:font script="Arab" typeface="Arial"/>
+        <a:font script="Hebr" typeface="Arial"/>
+        <a:font script="Thai" typeface="Cordia New"/>
+        <a:font script="Ethi" typeface="Nyala"/>
+        <a:font script="Beng" typeface="Vrinda"/>
+        <a:font script="Gujr" typeface="Shruti"/>
+        <a:font script="Khmr" typeface="DaunPenh"/>
+        <a:font script="Knda" typeface="Tunga"/>
+        <a:font script="Guru" typeface="Raavi"/>
+        <a:font script="Cans" typeface="Euphemia"/>
+        <a:font script="Cher" typeface="Plantagenet Cherokee"/>
+        <a:font script="Yiii" typeface="Microsoft Yi Baiti"/>
+        <a:font script="Tibt" typeface="Microsoft Himalaya"/>
+        <a:font script="Thaa" typeface="MV Boli"/>
+        <a:font script="Deva" typeface="Mangal"/>
+        <a:font script="Telu" typeface="Gautami"/>
+        <a:font script="Taml" typeface="Latha"/>
+        <a:font script="Syrc" typeface="Estrangelo Edessa"/>
+        <a:font script="Orya" typeface="Kalinga"/>
+        <a:font script="Mlym" typeface="Kartika"/>
+        <a:font script="Laoo" typeface="DokChampa"/>
+        <a:font script="Sinh" typeface="Iskoola Pota"/>
+        <a:font script="Mong" typeface="Mongolian Baiti"/>
+        <a:font script="Viet" typeface="Arial"/>
+        <a:font script="Uigh" typeface="Microsoft Uighur"/>
+        <a:font script="Geor" typeface="Sylfaen"/>
+        <a:font script="Armn" typeface="Arial"/>
+        <a:font script="Bugi" typeface="Leelawadee UI"/>
+        <a:font script="Bopo" typeface="Microsoft JhengHei"/>
+        <a:font script="Java" typeface="Javanese Text"/>
+        <a:font script="Lisu" typeface="Segoe UI"/>
+        <a:font script="Mymr" typeface="Myanmar Text"/>
+        <a:font script="Nkoo" typeface="Ebrima"/>
+        <a:font script="Olck" typeface="Nirmala UI"/>
+        <a:font script="Osma" typeface="Ebrima"/>
+        <a:font script="Phag" typeface="Phagspa"/>
+        <a:font script="Syrn" typeface="Estrangelo Edessa"/>
+        <a:font script="Syrj" typeface="Estrangelo Edessa"/>
+        <a:font script="Syre" typeface="Estrangelo Edessa"/>
+        <a:font script="Sora" typeface="Nirmala UI"/>
+        <a:font script="Tale" typeface="Microsoft Tai Le"/>
+        <a:font script="Talu" typeface="Microsoft New Tai Lue"/>
+        <a:font script="Tfng" typeface="Ebrima"/>
+      </a:minorFont>
+    </a:fontScheme>
+    <a:fmtScheme name="Office">
+      <a:fillStyleLst>
+        <a:solidFill>
+          <a:schemeClr val="phClr"/>
+        </a:solidFill>
+        <a:gradFill rotWithShape="1">
+          <a:gsLst>
+            <a:gs pos="0">
+              <a:schemeClr val="phClr">
+                <a:lumMod val="110000"/>
+                <a:satMod val="105000"/>
+                <a:tint val="67000"/>
+              </a:schemeClr>
+            </a:gs>
+            <a:gs pos="50000">
+              <a:schemeClr val="phClr">
+                <a:lumMod val="105000"/>
+                <a:satMod val="103000"/>
+                <a:tint val="73000"/>
+              </a:schemeClr>
+            </a:gs>
+            <a:gs pos="100000">
+              <a:schemeClr val="phClr">
+                <a:lumMod val="105000"/>
+                <a:satMod val="109000"/>
+                <a:tint val="81000"/>
+              </a:schemeClr>
+            </a:gs>
+          </a:gsLst>
+          <a:lin ang="5400000" scaled="0"/>
+        </a:gradFill>
+        <a:gradFill rotWithShape="1">
+          <a:gsLst>
+            <a:gs pos="0">
+              <a:schemeClr val="phClr">
+                <a:satMod val="103000"/>
+                <a:lumMod val="102000"/>
+                <a:tint val="94000"/>
+              </a:schemeClr>
+            </a:gs>
+            <a:gs pos="50000">
+              <a:schemeClr val="phClr">
+                <a:satMod val="110000"/>
+                <a:lumMod val="100000"/>
+                <a:shade val="100000"/>
+              </a:schemeClr>
+            </a:gs>
+            <a:gs pos="100000">
+              <a:schemeClr val="phClr">
+                <a:lumMod val="99000"/>
+                <a:satMod val="120000"/>
+                <a:shade val="78000"/>
+              </a:schemeClr>
+            </a:gs>
+          </a:gsLst>
+          <a:lin ang="5400000" scaled="0"/>
+        </a:gradFill>
+      </a:fillStyleLst>
+      <a:lnStyleLst>
+        <a:ln w="6350" cap="flat" cmpd="sng" algn="ctr">
+          <a:solidFill>
+            <a:schemeClr val="phClr"/>
+          </a:solidFill>
+          <a:prstDash val="solid"/>
+          <a:miter lim="800000"/>
+        </a:ln>
+        <a:ln w="12700" cap="flat" cmpd="sng" algn="ctr">
+          <a:solidFill>
+            <a:schemeClr val="phClr"/>
+          </a:solidFill>
+          <a:prstDash val="solid"/>
+          <a:miter lim="800000"/>
+        </a:ln>
+        <a:ln w="19050" cap="flat" cmpd="sng" algn="ctr">
+          <a:solidFill>
+            <a:schemeClr val="phClr"/>
+          </a:solidFill>
+          <a:prstDash val="solid"/>
+          <a:miter lim="800000"/>
+        </a:ln>
+      </a:lnStyleLst>
+      <a:effectStyleLst>
+        <a:effectStyle>
+          <a:effectLst/>
+        </a:effectStyle>
+        <a:effectStyle>
+          <a:effectLst/>
+        </a:effectStyle>
+        <a:effectStyle>
+          <a:effectLst>
+            <a:outerShdw blurRad="57150" dist="19050" dir="5400000" algn="ctr" rotWithShape="0">
+              <a:srgbClr val="000000">
+                <a:alpha val="63000"/>
+              </a:srgbClr>
+            </a:outerShdw>
+          </a:effectLst>
+        </a:effectStyle>
+      </a:effectStyleLst>
+      <a:bgFillStyleLst>
+        <a:solidFill>
+          <a:schemeClr val="phClr"/>
+        </a:solidFill>
+        <a:solidFill>
+          <a:schemeClr val="phClr">
+            <a:tint val="95000"/>
+            <a:satMod val="170000"/>
+          </a:schemeClr>
+        </a:solidFill>
+        <a:gradFill rotWithShape="1">
+          <a:gsLst>
+            <a:gs pos="0">
+              <a:schemeClr val="phClr">
+                <a:tint val="93000"/>
+                <a:satMod val="150000"/>
+                <a:shade val="98000"/>
+                <a:lumMod val="102000"/>
+              </a:schemeClr>
+            </a:gs>
+            <a:gs pos="50000">
+              <a:schemeClr val="phClr">
+                <a:tint val="98000"/>
+                <a:satMod val="130000"/>
+                <a:shade val="90000"/>
+                <a:lumMod val="103000"/>
+              </a:schemeClr>
+            </a:gs>
+            <a:gs pos="100000">
+              <a:schemeClr val="phClr">
+                <a:shade val="63000"/>
+                <a:satMod val="120000"/>
+              </a:schemeClr>
+            </a:gs>
+          </a:gsLst>
+          <a:lin ang="5400000" scaled="0"/>
+        </a:gradFill>
+      </a:bgFillStyleLst>
+    </a:fmtScheme>
+  </a:themeElements>
+  <a:objectDefaults/>
+  <a:extraClrSchemeLst/>
+  <a:extLst>
+    <a:ext uri="{05A4C25C-085E-4340-85A3-A5531E510DB2}">
+      <thm15:themeFamily xmlns:thm15="http://schemas.microsoft.com/office/thememl/2012/main" name="Office Theme" id="{62F939B6-93AF-4DB8-9C6B-D6C7DFDC589F}" vid="{4A3C46E8-61CC-4603-A589-7422A47A8E4A}"/>
+    </a:ext>
+  </a:extLst>
+</a:theme>
 </file>
--- a/SCCS-2023-Rmarkdown-workshop.pptx
+++ b/SCCS-2023-Rmarkdown-workshop.pptx
@@ -5,7 +5,7 @@
     <p:sldMasterId id="2147483648" r:id="rId1"/>
   </p:sldMasterIdLst>
   <p:notesMasterIdLst>
-    <p:notesMasterId r:id="rId16"/>
+    <p:notesMasterId r:id="rId18"/>
   </p:notesMasterIdLst>
   <p:sldIdLst>
     <p:sldId id="256" r:id="rId2"/>
@@ -22,6 +22,8 @@
     <p:sldId id="267" r:id="rId13"/>
     <p:sldId id="268" r:id="rId14"/>
     <p:sldId id="269" r:id="rId15"/>
+    <p:sldId id="270" r:id="rId16"/>
+    <p:sldId id="271" r:id="rId17"/>
   </p:sldIdLst>
   <p:sldSz cx="12192000" cy="6858000"/>
   <p:notesSz cx="6858000" cy="9144000"/>
@@ -8795,6 +8797,296 @@
 </p:sld>
 </file>
 
+<file path=ppt/slides/slide15.xml><?xml version="1.0" encoding="utf-8"?>
+<p:sld xmlns:a="http://schemas.openxmlformats.org/drawingml/2006/main" xmlns:r="http://schemas.openxmlformats.org/officeDocument/2006/relationships" xmlns:p="http://schemas.openxmlformats.org/presentationml/2006/main">
+  <p:cSld>
+    <p:spTree>
+      <p:nvGrpSpPr>
+        <p:cNvPr id="1" name=""/>
+        <p:cNvGrpSpPr/>
+        <p:nvPr/>
+      </p:nvGrpSpPr>
+      <p:grpSpPr>
+        <a:xfrm>
+          <a:off x="0" y="0"/>
+          <a:ext cx="0" cy="0"/>
+          <a:chOff x="0" y="0"/>
+          <a:chExt cx="0" cy="0"/>
+        </a:xfrm>
+      </p:grpSpPr>
+      <p:sp>
+        <p:nvSpPr>
+          <p:cNvPr id="2" name="Title 1">
+            <a:extLst>
+              <a:ext uri="{FF2B5EF4-FFF2-40B4-BE49-F238E27FC236}">
+                <a16:creationId xmlns:a16="http://schemas.microsoft.com/office/drawing/2014/main" id="{5E6E2D87-1C9B-32CA-0FBB-D60D376B3E46}"/>
+              </a:ext>
+            </a:extLst>
+          </p:cNvPr>
+          <p:cNvSpPr>
+            <a:spLocks noGrp="1"/>
+          </p:cNvSpPr>
+          <p:nvPr>
+            <p:ph type="title"/>
+          </p:nvPr>
+        </p:nvSpPr>
+        <p:spPr/>
+        <p:txBody>
+          <a:bodyPr/>
+          <a:lstStyle/>
+          <a:p>
+            <a:r>
+              <a:rPr lang="en-IN" dirty="0"/>
+              <a:t>Simple document with basic ops	</a:t>
+            </a:r>
+          </a:p>
+        </p:txBody>
+      </p:sp>
+      <p:sp>
+        <p:nvSpPr>
+          <p:cNvPr id="3" name="Content Placeholder 2">
+            <a:extLst>
+              <a:ext uri="{FF2B5EF4-FFF2-40B4-BE49-F238E27FC236}">
+                <a16:creationId xmlns:a16="http://schemas.microsoft.com/office/drawing/2014/main" id="{F707D2B1-65CE-8011-61BB-13575B88DBB4}"/>
+              </a:ext>
+            </a:extLst>
+          </p:cNvPr>
+          <p:cNvSpPr>
+            <a:spLocks noGrp="1"/>
+          </p:cNvSpPr>
+          <p:nvPr>
+            <p:ph idx="1"/>
+          </p:nvPr>
+        </p:nvSpPr>
+        <p:spPr/>
+        <p:txBody>
+          <a:bodyPr/>
+          <a:lstStyle/>
+          <a:p>
+            <a:r>
+              <a:rPr lang="en-IN" dirty="0"/>
+              <a:t>Heading</a:t>
+            </a:r>
+          </a:p>
+          <a:p>
+            <a:r>
+              <a:rPr lang="en-IN" dirty="0"/>
+              <a:t>Bold and italics</a:t>
+            </a:r>
+          </a:p>
+          <a:p>
+            <a:r>
+              <a:rPr lang="en-IN" dirty="0"/>
+              <a:t>Superscript and subscript</a:t>
+            </a:r>
+          </a:p>
+          <a:p>
+            <a:r>
+              <a:rPr lang="en-IN" dirty="0"/>
+              <a:t>Including or excluding the codes and warning</a:t>
+            </a:r>
+          </a:p>
+          <a:p>
+            <a:r>
+              <a:rPr lang="en-IN" dirty="0"/>
+              <a:t>Addition of images </a:t>
+            </a:r>
+          </a:p>
+          <a:p>
+            <a:r>
+              <a:rPr lang="en-IN" dirty="0"/>
+              <a:t>Hyperlinks</a:t>
+            </a:r>
+          </a:p>
+          <a:p>
+            <a:r>
+              <a:rPr lang="en-IN" dirty="0"/>
+              <a:t>Ordered and non-ordered bullet points</a:t>
+            </a:r>
+          </a:p>
+          <a:p>
+            <a:endParaRPr lang="en-IN" dirty="0"/>
+          </a:p>
+          <a:p>
+            <a:endParaRPr lang="en-IN" dirty="0"/>
+          </a:p>
+          <a:p>
+            <a:endParaRPr lang="en-IN" dirty="0"/>
+          </a:p>
+          <a:p>
+            <a:endParaRPr lang="en-IN" dirty="0"/>
+          </a:p>
+        </p:txBody>
+      </p:sp>
+    </p:spTree>
+    <p:extLst>
+      <p:ext uri="{BB962C8B-B14F-4D97-AF65-F5344CB8AC3E}">
+        <p14:creationId xmlns:p14="http://schemas.microsoft.com/office/powerpoint/2010/main" val="2984135740"/>
+      </p:ext>
+    </p:extLst>
+  </p:cSld>
+  <p:clrMapOvr>
+    <a:masterClrMapping/>
+  </p:clrMapOvr>
+</p:sld>
+</file>
+
+<file path=ppt/slides/slide16.xml><?xml version="1.0" encoding="utf-8"?>
+<p:sld xmlns:a="http://schemas.openxmlformats.org/drawingml/2006/main" xmlns:r="http://schemas.openxmlformats.org/officeDocument/2006/relationships" xmlns:p="http://schemas.openxmlformats.org/presentationml/2006/main">
+  <p:cSld>
+    <p:spTree>
+      <p:nvGrpSpPr>
+        <p:cNvPr id="1" name=""/>
+        <p:cNvGrpSpPr/>
+        <p:nvPr/>
+      </p:nvGrpSpPr>
+      <p:grpSpPr>
+        <a:xfrm>
+          <a:off x="0" y="0"/>
+          <a:ext cx="0" cy="0"/>
+          <a:chOff x="0" y="0"/>
+          <a:chExt cx="0" cy="0"/>
+        </a:xfrm>
+      </p:grpSpPr>
+      <p:sp>
+        <p:nvSpPr>
+          <p:cNvPr id="2" name="Title 1">
+            <a:extLst>
+              <a:ext uri="{FF2B5EF4-FFF2-40B4-BE49-F238E27FC236}">
+                <a16:creationId xmlns:a16="http://schemas.microsoft.com/office/drawing/2014/main" id="{3615D8A7-DDE3-93F9-54B5-67CD1ABAB1AD}"/>
+              </a:ext>
+            </a:extLst>
+          </p:cNvPr>
+          <p:cNvSpPr>
+            <a:spLocks noGrp="1"/>
+          </p:cNvSpPr>
+          <p:nvPr>
+            <p:ph type="title"/>
+          </p:nvPr>
+        </p:nvSpPr>
+        <p:spPr/>
+        <p:txBody>
+          <a:bodyPr/>
+          <a:lstStyle/>
+          <a:p>
+            <a:r>
+              <a:rPr lang="en-IN" dirty="0"/>
+              <a:t>Second documents with pdf output</a:t>
+            </a:r>
+          </a:p>
+        </p:txBody>
+      </p:sp>
+      <p:sp>
+        <p:nvSpPr>
+          <p:cNvPr id="3" name="Content Placeholder 2">
+            <a:extLst>
+              <a:ext uri="{FF2B5EF4-FFF2-40B4-BE49-F238E27FC236}">
+                <a16:creationId xmlns:a16="http://schemas.microsoft.com/office/drawing/2014/main" id="{C2D96D29-294E-12CD-E369-33E9C710D382}"/>
+              </a:ext>
+            </a:extLst>
+          </p:cNvPr>
+          <p:cNvSpPr>
+            <a:spLocks noGrp="1"/>
+          </p:cNvSpPr>
+          <p:nvPr>
+            <p:ph idx="1"/>
+          </p:nvPr>
+        </p:nvSpPr>
+        <p:spPr/>
+        <p:txBody>
+          <a:bodyPr>
+            <a:normAutofit lnSpcReduction="10000"/>
+          </a:bodyPr>
+          <a:lstStyle/>
+          <a:p>
+            <a:pPr>
+              <a:lnSpc>
+                <a:spcPct val="150000"/>
+              </a:lnSpc>
+            </a:pPr>
+            <a:r>
+              <a:rPr lang="en-IN" dirty="0"/>
+              <a:t>Inline text</a:t>
+            </a:r>
+          </a:p>
+          <a:p>
+            <a:pPr>
+              <a:lnSpc>
+                <a:spcPct val="150000"/>
+              </a:lnSpc>
+            </a:pPr>
+            <a:r>
+              <a:rPr lang="en-IN" dirty="0"/>
+              <a:t>Inline equation</a:t>
+            </a:r>
+          </a:p>
+          <a:p>
+            <a:pPr>
+              <a:lnSpc>
+                <a:spcPct val="150000"/>
+              </a:lnSpc>
+            </a:pPr>
+            <a:r>
+              <a:rPr lang="en-IN" dirty="0"/>
+              <a:t>Equations</a:t>
+            </a:r>
+          </a:p>
+          <a:p>
+            <a:pPr>
+              <a:lnSpc>
+                <a:spcPct val="150000"/>
+              </a:lnSpc>
+            </a:pPr>
+            <a:r>
+              <a:rPr lang="en-IN" dirty="0"/>
+              <a:t>Citation and citation style in R markdown</a:t>
+            </a:r>
+          </a:p>
+          <a:p>
+            <a:pPr>
+              <a:lnSpc>
+                <a:spcPct val="150000"/>
+              </a:lnSpc>
+            </a:pPr>
+            <a:r>
+              <a:rPr lang="en-IN" dirty="0"/>
+              <a:t>Tables and captions</a:t>
+            </a:r>
+          </a:p>
+          <a:p>
+            <a:pPr>
+              <a:lnSpc>
+                <a:spcPct val="150000"/>
+              </a:lnSpc>
+            </a:pPr>
+            <a:r>
+              <a:rPr lang="en-IN" dirty="0"/>
+              <a:t>Figure and captions. </a:t>
+            </a:r>
+          </a:p>
+          <a:p>
+            <a:pPr>
+              <a:lnSpc>
+                <a:spcPct val="150000"/>
+              </a:lnSpc>
+            </a:pPr>
+            <a:endParaRPr lang="en-IN" dirty="0"/>
+          </a:p>
+        </p:txBody>
+      </p:sp>
+    </p:spTree>
+    <p:extLst>
+      <p:ext uri="{BB962C8B-B14F-4D97-AF65-F5344CB8AC3E}">
+        <p14:creationId xmlns:p14="http://schemas.microsoft.com/office/powerpoint/2010/main" val="1815513555"/>
+      </p:ext>
+    </p:extLst>
+  </p:cSld>
+  <p:clrMapOvr>
+    <a:masterClrMapping/>
+  </p:clrMapOvr>
+</p:sld>
+</file>
+
 <file path=ppt/slides/slide2.xml><?xml version="1.0" encoding="utf-8"?>
 <p:sld xmlns:a="http://schemas.openxmlformats.org/drawingml/2006/main" xmlns:r="http://schemas.openxmlformats.org/officeDocument/2006/relationships" xmlns:p="http://schemas.openxmlformats.org/presentationml/2006/main">
   <p:cSld>
@@ -9864,7 +10156,9 @@
         </p:nvSpPr>
         <p:spPr/>
         <p:txBody>
-          <a:bodyPr/>
+          <a:bodyPr>
+            <a:normAutofit lnSpcReduction="10000"/>
+          </a:bodyPr>
           <a:lstStyle/>
           <a:p>
             <a:pPr>
@@ -9879,6 +10173,17 @@
             <a:r>
               <a:rPr lang="en-US" i="1" dirty="0"/>
               <a:t>Sorry I sent the wrong table)</a:t>
+            </a:r>
+          </a:p>
+          <a:p>
+            <a:pPr>
+              <a:lnSpc>
+                <a:spcPct val="150000"/>
+              </a:lnSpc>
+            </a:pPr>
+            <a:r>
+              <a:rPr lang="en-US" dirty="0"/>
+              <a:t>Integration of other software</a:t>
             </a:r>
           </a:p>
           <a:p>

--- a/SCCS-2023-Rmarkdown-workshop.pptx
+++ b/SCCS-2023-Rmarkdown-workshop.pptx
@@ -5,7 +5,7 @@
     <p:sldMasterId id="2147483648" r:id="rId1"/>
   </p:sldMasterIdLst>
   <p:notesMasterIdLst>
-    <p:notesMasterId r:id="rId18"/>
+    <p:notesMasterId r:id="rId19"/>
   </p:notesMasterIdLst>
   <p:sldIdLst>
     <p:sldId id="256" r:id="rId2"/>
@@ -18,12 +18,13 @@
     <p:sldId id="263" r:id="rId9"/>
     <p:sldId id="264" r:id="rId10"/>
     <p:sldId id="265" r:id="rId11"/>
-    <p:sldId id="266" r:id="rId12"/>
-    <p:sldId id="267" r:id="rId13"/>
-    <p:sldId id="268" r:id="rId14"/>
-    <p:sldId id="269" r:id="rId15"/>
-    <p:sldId id="270" r:id="rId16"/>
-    <p:sldId id="271" r:id="rId17"/>
+    <p:sldId id="272" r:id="rId12"/>
+    <p:sldId id="266" r:id="rId13"/>
+    <p:sldId id="267" r:id="rId14"/>
+    <p:sldId id="268" r:id="rId15"/>
+    <p:sldId id="269" r:id="rId16"/>
+    <p:sldId id="270" r:id="rId17"/>
+    <p:sldId id="271" r:id="rId18"/>
   </p:sldIdLst>
   <p:sldSz cx="12192000" cy="6858000"/>
   <p:notesSz cx="6858000" cy="9144000"/>
@@ -3717,7 +3718,7 @@
           <a:p>
             <a:fld id="{427F92CC-0316-4214-B943-0FF7779937B3}" type="datetimeFigureOut">
               <a:rPr lang="en-US" smtClean="0"/>
-              <a:t>9/21/2023</a:t>
+              <a:t>10/11/2023</a:t>
             </a:fld>
             <a:endParaRPr lang="en-US"/>
           </a:p>
@@ -4387,7 +4388,7 @@
           <a:p>
             <a:fld id="{28B03398-6DAF-499F-8BA9-F22F110BDA64}" type="datetimeFigureOut">
               <a:rPr lang="en-IN" smtClean="0"/>
-              <a:t>21-09-2023</a:t>
+              <a:t>11-10-2023</a:t>
             </a:fld>
             <a:endParaRPr lang="en-IN"/>
           </a:p>
@@ -4613,7 +4614,7 @@
           <a:p>
             <a:fld id="{28B03398-6DAF-499F-8BA9-F22F110BDA64}" type="datetimeFigureOut">
               <a:rPr lang="en-IN" smtClean="0"/>
-              <a:t>21-09-2023</a:t>
+              <a:t>11-10-2023</a:t>
             </a:fld>
             <a:endParaRPr lang="en-IN"/>
           </a:p>
@@ -4829,7 +4830,7 @@
           <a:p>
             <a:fld id="{28B03398-6DAF-499F-8BA9-F22F110BDA64}" type="datetimeFigureOut">
               <a:rPr lang="en-IN" smtClean="0"/>
-              <a:t>21-09-2023</a:t>
+              <a:t>11-10-2023</a:t>
             </a:fld>
             <a:endParaRPr lang="en-IN"/>
           </a:p>
@@ -5121,7 +5122,7 @@
           <a:p>
             <a:fld id="{28B03398-6DAF-499F-8BA9-F22F110BDA64}" type="datetimeFigureOut">
               <a:rPr lang="en-IN" smtClean="0"/>
-              <a:t>21-09-2023</a:t>
+              <a:t>11-10-2023</a:t>
             </a:fld>
             <a:endParaRPr lang="en-IN"/>
           </a:p>
@@ -5405,7 +5406,7 @@
           <a:p>
             <a:fld id="{28B03398-6DAF-499F-8BA9-F22F110BDA64}" type="datetimeFigureOut">
               <a:rPr lang="en-IN" smtClean="0"/>
-              <a:t>21-09-2023</a:t>
+              <a:t>11-10-2023</a:t>
             </a:fld>
             <a:endParaRPr lang="en-IN"/>
           </a:p>
@@ -5836,7 +5837,7 @@
           <a:p>
             <a:fld id="{28B03398-6DAF-499F-8BA9-F22F110BDA64}" type="datetimeFigureOut">
               <a:rPr lang="en-IN" smtClean="0"/>
-              <a:t>21-09-2023</a:t>
+              <a:t>11-10-2023</a:t>
             </a:fld>
             <a:endParaRPr lang="en-IN"/>
           </a:p>
@@ -5994,7 +5995,7 @@
           <a:p>
             <a:fld id="{28B03398-6DAF-499F-8BA9-F22F110BDA64}" type="datetimeFigureOut">
               <a:rPr lang="en-IN" smtClean="0"/>
-              <a:t>21-09-2023</a:t>
+              <a:t>11-10-2023</a:t>
             </a:fld>
             <a:endParaRPr lang="en-IN"/>
           </a:p>
@@ -6123,7 +6124,7 @@
           <a:p>
             <a:fld id="{28B03398-6DAF-499F-8BA9-F22F110BDA64}" type="datetimeFigureOut">
               <a:rPr lang="en-IN" smtClean="0"/>
-              <a:t>21-09-2023</a:t>
+              <a:t>11-10-2023</a:t>
             </a:fld>
             <a:endParaRPr lang="en-IN"/>
           </a:p>
@@ -6452,7 +6453,7 @@
           <a:p>
             <a:fld id="{28B03398-6DAF-499F-8BA9-F22F110BDA64}" type="datetimeFigureOut">
               <a:rPr lang="en-IN" smtClean="0"/>
-              <a:t>21-09-2023</a:t>
+              <a:t>11-10-2023</a:t>
             </a:fld>
             <a:endParaRPr lang="en-IN"/>
           </a:p>
@@ -6757,7 +6758,7 @@
           <a:p>
             <a:fld id="{28B03398-6DAF-499F-8BA9-F22F110BDA64}" type="datetimeFigureOut">
               <a:rPr lang="en-IN" smtClean="0"/>
-              <a:t>21-09-2023</a:t>
+              <a:t>11-10-2023</a:t>
             </a:fld>
             <a:endParaRPr lang="en-IN"/>
           </a:p>
@@ -8288,179 +8289,57 @@
           <a:chExt cx="0" cy="0"/>
         </a:xfrm>
       </p:grpSpPr>
-      <p:sp>
-        <p:nvSpPr>
-          <p:cNvPr id="2" name="Title 1">
-            <a:extLst>
-              <a:ext uri="{FF2B5EF4-FFF2-40B4-BE49-F238E27FC236}">
-                <a16:creationId xmlns:a16="http://schemas.microsoft.com/office/drawing/2014/main" id="{DE19185E-E521-2FF8-7E1B-D2B7489D1679}"/>
-              </a:ext>
-            </a:extLst>
-          </p:cNvPr>
-          <p:cNvSpPr>
-            <a:spLocks noGrp="1"/>
-          </p:cNvSpPr>
-          <p:nvPr>
-            <p:ph type="title"/>
-          </p:nvPr>
-        </p:nvSpPr>
-        <p:spPr/>
-        <p:txBody>
-          <a:bodyPr/>
-          <a:lstStyle/>
-          <a:p>
-            <a:r>
-              <a:rPr lang="en-US" dirty="0"/>
-              <a:t>Setting up RStudio for markdown</a:t>
-            </a:r>
-          </a:p>
-        </p:txBody>
-      </p:sp>
-      <p:sp>
-        <p:nvSpPr>
-          <p:cNvPr id="3" name="Content Placeholder 2">
-            <a:extLst>
-              <a:ext uri="{FF2B5EF4-FFF2-40B4-BE49-F238E27FC236}">
-                <a16:creationId xmlns:a16="http://schemas.microsoft.com/office/drawing/2014/main" id="{577FDE69-F4A2-4A27-4FA9-758214D7E225}"/>
-              </a:ext>
-            </a:extLst>
-          </p:cNvPr>
-          <p:cNvSpPr>
-            <a:spLocks noGrp="1"/>
-          </p:cNvSpPr>
-          <p:nvPr>
-            <p:ph idx="1"/>
-          </p:nvPr>
-        </p:nvSpPr>
-        <p:spPr/>
-        <p:txBody>
-          <a:bodyPr>
-            <a:normAutofit fontScale="92500" lnSpcReduction="10000"/>
-          </a:bodyPr>
-          <a:lstStyle/>
-          <a:p>
-            <a:r>
-              <a:rPr lang="en-US" dirty="0"/>
-              <a:t>Step1: Install R and </a:t>
-            </a:r>
-            <a:r>
-              <a:rPr lang="en-US" dirty="0" err="1"/>
-              <a:t>Rstudio</a:t>
-            </a:r>
-            <a:endParaRPr lang="en-US" dirty="0"/>
-          </a:p>
-          <a:p>
-            <a:r>
-              <a:rPr lang="en-US" dirty="0"/>
-              <a:t>Step2: Install packages</a:t>
-            </a:r>
-          </a:p>
-          <a:p>
-            <a:pPr lvl="1"/>
-            <a:r>
-              <a:rPr lang="en-US" dirty="0"/>
-              <a:t>“</a:t>
-            </a:r>
-            <a:r>
-              <a:rPr lang="en-US" dirty="0" err="1"/>
-              <a:t>rmarkdown</a:t>
-            </a:r>
-            <a:r>
-              <a:rPr lang="en-US" dirty="0"/>
-              <a:t>”</a:t>
-            </a:r>
-          </a:p>
-          <a:p>
-            <a:pPr lvl="1"/>
-            <a:r>
-              <a:rPr lang="en-US" dirty="0"/>
-              <a:t>“</a:t>
-            </a:r>
-            <a:r>
-              <a:rPr lang="en-US" dirty="0" err="1"/>
-              <a:t>knitr</a:t>
-            </a:r>
-            <a:r>
-              <a:rPr lang="en-US" dirty="0"/>
-              <a:t>”</a:t>
-            </a:r>
-          </a:p>
-          <a:p>
-            <a:pPr lvl="1"/>
-            <a:r>
-              <a:rPr lang="en-US" dirty="0"/>
-              <a:t>“</a:t>
-            </a:r>
-            <a:r>
-              <a:rPr lang="en-US" dirty="0" err="1"/>
-              <a:t>TinyTex</a:t>
-            </a:r>
-            <a:r>
-              <a:rPr lang="en-US" dirty="0"/>
-              <a:t> for pdf”</a:t>
-            </a:r>
-          </a:p>
-          <a:p>
-            <a:r>
-              <a:rPr lang="en-US" dirty="0"/>
-              <a:t>In your </a:t>
-            </a:r>
-            <a:r>
-              <a:rPr lang="en-US" dirty="0" err="1"/>
-              <a:t>Rstudio</a:t>
-            </a:r>
-            <a:r>
-              <a:rPr lang="en-US" dirty="0"/>
-              <a:t>, on the menu bar, </a:t>
-            </a:r>
-          </a:p>
-          <a:p>
-            <a:pPr lvl="1"/>
-            <a:r>
-              <a:rPr lang="en-US" dirty="0"/>
-              <a:t>click on the </a:t>
-            </a:r>
-            <a:r>
-              <a:rPr lang="en-US" dirty="0" err="1"/>
-              <a:t>file</a:t>
-            </a:r>
-            <a:r>
-              <a:rPr lang="en-US" dirty="0" err="1">
-                <a:sym typeface="Wingdings" panose="05000000000000000000" pitchFamily="2" charset="2"/>
-              </a:rPr>
-              <a:t>new</a:t>
-            </a:r>
-            <a:r>
-              <a:rPr lang="en-US" dirty="0">
-                <a:sym typeface="Wingdings" panose="05000000000000000000" pitchFamily="2" charset="2"/>
-              </a:rPr>
-              <a:t> file R markdown, to open a pop-up window</a:t>
-            </a:r>
-          </a:p>
-          <a:p>
-            <a:endParaRPr lang="en-US" dirty="0"/>
-          </a:p>
-          <a:p>
-            <a:r>
-              <a:rPr lang="en-US" dirty="0"/>
-              <a:t>Select the option for different document types ( multiple document types can be rendered)</a:t>
-            </a:r>
-          </a:p>
-          <a:p>
-            <a:r>
-              <a:rPr lang="en-US" dirty="0"/>
-              <a:t>Click OK to start the file with .RMD ext. </a:t>
-            </a:r>
-          </a:p>
-          <a:p>
-            <a:endParaRPr lang="en-US" dirty="0"/>
-          </a:p>
-        </p:txBody>
-      </p:sp>
+      <p:pic>
+        <p:nvPicPr>
+          <p:cNvPr id="1026" name="Picture 2" descr="A diagram illustrating how an R Markdown document is converted to the final output document.">
+            <a:extLst>
+              <a:ext uri="{FF2B5EF4-FFF2-40B4-BE49-F238E27FC236}">
+                <a16:creationId xmlns:a16="http://schemas.microsoft.com/office/drawing/2014/main" id="{8F040ADC-B9C7-77AA-2B80-2877C37A6BEA}"/>
+              </a:ext>
+            </a:extLst>
+          </p:cNvPr>
+          <p:cNvPicPr>
+            <a:picLocks noChangeAspect="1" noChangeArrowheads="1"/>
+          </p:cNvPicPr>
+          <p:nvPr/>
+        </p:nvPicPr>
+        <p:blipFill>
+          <a:blip r:embed="rId2">
+            <a:extLst>
+              <a:ext uri="{28A0092B-C50C-407E-A947-70E740481C1C}">
+                <a14:useLocalDpi xmlns:a14="http://schemas.microsoft.com/office/drawing/2010/main" val="0"/>
+              </a:ext>
+            </a:extLst>
+          </a:blip>
+          <a:srcRect/>
+          <a:stretch>
+            <a:fillRect/>
+          </a:stretch>
+        </p:blipFill>
+        <p:spPr bwMode="auto">
+          <a:xfrm>
+            <a:off x="0" y="494521"/>
+            <a:ext cx="10795441" cy="5133457"/>
+          </a:xfrm>
+          <a:prstGeom prst="rect">
+            <a:avLst/>
+          </a:prstGeom>
+          <a:noFill/>
+          <a:extLst>
+            <a:ext uri="{909E8E84-426E-40DD-AFC4-6F175D3DCCD1}">
+              <a14:hiddenFill xmlns:a14="http://schemas.microsoft.com/office/drawing/2010/main">
+                <a:solidFill>
+                  <a:srgbClr val="FFFFFF"/>
+                </a:solidFill>
+              </a14:hiddenFill>
+            </a:ext>
+          </a:extLst>
+        </p:spPr>
+      </p:pic>
     </p:spTree>
     <p:extLst>
       <p:ext uri="{BB962C8B-B14F-4D97-AF65-F5344CB8AC3E}">
-        <p14:creationId xmlns:p14="http://schemas.microsoft.com/office/powerpoint/2010/main" val="2288258770"/>
+        <p14:creationId xmlns:p14="http://schemas.microsoft.com/office/powerpoint/2010/main" val="3417155843"/>
       </p:ext>
     </p:extLst>
   </p:cSld>
@@ -8492,7 +8371,7 @@
           <p:cNvPr id="2" name="Title 1">
             <a:extLst>
               <a:ext uri="{FF2B5EF4-FFF2-40B4-BE49-F238E27FC236}">
-                <a16:creationId xmlns:a16="http://schemas.microsoft.com/office/drawing/2014/main" id="{D5E2A888-4371-2C77-8D70-67C5D2A3E50F}"/>
+                <a16:creationId xmlns:a16="http://schemas.microsoft.com/office/drawing/2014/main" id="{DE19185E-E521-2FF8-7E1B-D2B7489D1679}"/>
               </a:ext>
             </a:extLst>
           </p:cNvPr>
@@ -8510,7 +8389,7 @@
           <a:p>
             <a:r>
               <a:rPr lang="en-US" dirty="0"/>
-              <a:t>Additional documents for help</a:t>
+              <a:t>Setting up RStudio for markdown</a:t>
             </a:r>
           </a:p>
         </p:txBody>
@@ -8520,7 +8399,7 @@
           <p:cNvPr id="3" name="Content Placeholder 2">
             <a:extLst>
               <a:ext uri="{FF2B5EF4-FFF2-40B4-BE49-F238E27FC236}">
-                <a16:creationId xmlns:a16="http://schemas.microsoft.com/office/drawing/2014/main" id="{662CC8F7-1286-E21F-DD90-0B000D5F51C8}"/>
+                <a16:creationId xmlns:a16="http://schemas.microsoft.com/office/drawing/2014/main" id="{577FDE69-F4A2-4A27-4FA9-758214D7E225}"/>
               </a:ext>
             </a:extLst>
           </p:cNvPr>
@@ -8531,62 +8410,127 @@
             <p:ph idx="1"/>
           </p:nvPr>
         </p:nvSpPr>
-        <p:spPr>
-          <a:xfrm>
-            <a:off x="838200" y="1825625"/>
-            <a:ext cx="10064242" cy="2974975"/>
-          </a:xfrm>
-        </p:spPr>
+        <p:spPr/>
         <p:txBody>
-          <a:bodyPr/>
+          <a:bodyPr>
+            <a:normAutofit fontScale="92500" lnSpcReduction="10000"/>
+          </a:bodyPr>
           <a:lstStyle/>
           <a:p>
             <a:r>
               <a:rPr lang="en-US" dirty="0"/>
-              <a:t>R Markdown cheat sheet</a:t>
-            </a:r>
+              <a:t>Step1: Install R and </a:t>
+            </a:r>
+            <a:r>
+              <a:rPr lang="en-US" dirty="0" err="1"/>
+              <a:t>Rstudio</a:t>
+            </a:r>
+            <a:endParaRPr lang="en-US" dirty="0"/>
           </a:p>
           <a:p>
             <a:r>
               <a:rPr lang="en-US" dirty="0"/>
-              <a:t>R Markdown reference manual</a:t>
-            </a:r>
-          </a:p>
-          <a:p>
+              <a:t>Step2: Install packages</a:t>
+            </a:r>
+          </a:p>
+          <a:p>
+            <a:pPr lvl="1"/>
+            <a:r>
+              <a:rPr lang="en-US" dirty="0"/>
+              <a:t>“</a:t>
+            </a:r>
+            <a:r>
+              <a:rPr lang="en-US" dirty="0" err="1"/>
+              <a:t>rmarkdown</a:t>
+            </a:r>
+            <a:r>
+              <a:rPr lang="en-US" dirty="0"/>
+              <a:t>”</a:t>
+            </a:r>
+          </a:p>
+          <a:p>
+            <a:pPr lvl="1"/>
+            <a:r>
+              <a:rPr lang="en-US" dirty="0"/>
+              <a:t>“</a:t>
+            </a:r>
+            <a:r>
+              <a:rPr lang="en-US" dirty="0" err="1"/>
+              <a:t>knitr</a:t>
+            </a:r>
+            <a:r>
+              <a:rPr lang="en-US" dirty="0"/>
+              <a:t>”</a:t>
+            </a:r>
+          </a:p>
+          <a:p>
+            <a:pPr lvl="1"/>
+            <a:r>
+              <a:rPr lang="en-US" dirty="0"/>
+              <a:t>“</a:t>
+            </a:r>
+            <a:r>
+              <a:rPr lang="en-US" dirty="0" err="1"/>
+              <a:t>TinyTex</a:t>
+            </a:r>
+            <a:r>
+              <a:rPr lang="en-US" dirty="0"/>
+              <a:t> for pdf”</a:t>
+            </a:r>
+          </a:p>
+          <a:p>
+            <a:r>
+              <a:rPr lang="en-US" dirty="0"/>
+              <a:t>In your </a:t>
+            </a:r>
+            <a:r>
+              <a:rPr lang="en-US" dirty="0" err="1"/>
+              <a:t>Rstudio</a:t>
+            </a:r>
+            <a:r>
+              <a:rPr lang="en-US" dirty="0"/>
+              <a:t>, on the menu bar, </a:t>
+            </a:r>
+          </a:p>
+          <a:p>
+            <a:pPr lvl="1"/>
+            <a:r>
+              <a:rPr lang="en-US" dirty="0"/>
+              <a:t>click on the </a:t>
+            </a:r>
+            <a:r>
+              <a:rPr lang="en-US" dirty="0" err="1"/>
+              <a:t>file</a:t>
+            </a:r>
+            <a:r>
+              <a:rPr lang="en-US" dirty="0" err="1">
+                <a:sym typeface="Wingdings" panose="05000000000000000000" pitchFamily="2" charset="2"/>
+              </a:rPr>
+              <a:t>new</a:t>
+            </a:r>
             <a:r>
               <a:rPr lang="en-US" dirty="0">
-                <a:hlinkClick r:id="rId2"/>
+                <a:sym typeface="Wingdings" panose="05000000000000000000" pitchFamily="2" charset="2"/>
               </a:rPr>
-              <a:t>Composing reproducible manuscripts using R Markdown | Labs | </a:t>
-            </a:r>
-            <a:r>
-              <a:rPr lang="en-US" dirty="0" err="1">
-                <a:hlinkClick r:id="rId2"/>
-              </a:rPr>
-              <a:t>eLife</a:t>
-            </a:r>
-            <a:r>
-              <a:rPr lang="en-US" dirty="0">
-                <a:hlinkClick r:id="rId2"/>
-              </a:rPr>
-              <a:t> (elifesciences.org)</a:t>
-            </a:r>
+              <a:t> file R markdown, to open a pop-up window</a:t>
+            </a:r>
+          </a:p>
+          <a:p>
             <a:endParaRPr lang="en-US" dirty="0"/>
           </a:p>
           <a:p>
             <a:r>
-              <a:rPr lang="en-IN" dirty="0">
-                <a:hlinkClick r:id="rId3"/>
-              </a:rPr>
-              <a:t>R Markdown: The Definitive Guide (bookdown.org)</a:t>
-            </a:r>
-            <a:endParaRPr lang="en-IN" dirty="0"/>
-          </a:p>
-          <a:p>
-            <a:r>
-              <a:rPr lang="en-IN" dirty="0"/>
-              <a:t>Many more (keeping looking)</a:t>
-            </a:r>
+              <a:rPr lang="en-US" dirty="0"/>
+              <a:t>Select the option for different document types ( multiple document types can be rendered)</a:t>
+            </a:r>
+          </a:p>
+          <a:p>
+            <a:r>
+              <a:rPr lang="en-US" dirty="0"/>
+              <a:t>Click OK to start the file with .RMD ext. </a:t>
+            </a:r>
+          </a:p>
+          <a:p>
             <a:endParaRPr lang="en-US" dirty="0"/>
           </a:p>
         </p:txBody>
@@ -8594,7 +8538,7 @@
     </p:spTree>
     <p:extLst>
       <p:ext uri="{BB962C8B-B14F-4D97-AF65-F5344CB8AC3E}">
-        <p14:creationId xmlns:p14="http://schemas.microsoft.com/office/powerpoint/2010/main" val="3414157185"/>
+        <p14:creationId xmlns:p14="http://schemas.microsoft.com/office/powerpoint/2010/main" val="2288258770"/>
       </p:ext>
     </p:extLst>
   </p:cSld>
@@ -8626,7 +8570,7 @@
           <p:cNvPr id="2" name="Title 1">
             <a:extLst>
               <a:ext uri="{FF2B5EF4-FFF2-40B4-BE49-F238E27FC236}">
-                <a16:creationId xmlns:a16="http://schemas.microsoft.com/office/drawing/2014/main" id="{3DF97B78-35B8-58B0-863F-FF450A62486E}"/>
+                <a16:creationId xmlns:a16="http://schemas.microsoft.com/office/drawing/2014/main" id="{D5E2A888-4371-2C77-8D70-67C5D2A3E50F}"/>
               </a:ext>
             </a:extLst>
           </p:cNvPr>
@@ -8644,7 +8588,7 @@
           <a:p>
             <a:r>
               <a:rPr lang="en-US" dirty="0"/>
-              <a:t>Not in the scope of this workshop</a:t>
+              <a:t>Additional documents for help</a:t>
             </a:r>
           </a:p>
         </p:txBody>
@@ -8654,7 +8598,7 @@
           <p:cNvPr id="3" name="Content Placeholder 2">
             <a:extLst>
               <a:ext uri="{FF2B5EF4-FFF2-40B4-BE49-F238E27FC236}">
-                <a16:creationId xmlns:a16="http://schemas.microsoft.com/office/drawing/2014/main" id="{D6EBAA35-9ADB-AF90-7B25-EAB1DA3F624C}"/>
+                <a16:creationId xmlns:a16="http://schemas.microsoft.com/office/drawing/2014/main" id="{662CC8F7-1286-E21F-DD90-0B000D5F51C8}"/>
               </a:ext>
             </a:extLst>
           </p:cNvPr>
@@ -8665,58 +8609,62 @@
             <p:ph idx="1"/>
           </p:nvPr>
         </p:nvSpPr>
-        <p:spPr/>
+        <p:spPr>
+          <a:xfrm>
+            <a:off x="838200" y="1825625"/>
+            <a:ext cx="10064242" cy="2974975"/>
+          </a:xfrm>
+        </p:spPr>
         <p:txBody>
           <a:bodyPr/>
           <a:lstStyle/>
           <a:p>
-            <a:pPr>
-              <a:lnSpc>
-                <a:spcPct val="150000"/>
-              </a:lnSpc>
-            </a:pPr>
             <a:r>
               <a:rPr lang="en-US" dirty="0"/>
-              <a:t>Advance documents rendering</a:t>
-            </a:r>
-          </a:p>
-          <a:p>
-            <a:pPr>
-              <a:lnSpc>
-                <a:spcPct val="150000"/>
-              </a:lnSpc>
-            </a:pPr>
+              <a:t>R Markdown cheat sheet</a:t>
+            </a:r>
+          </a:p>
+          <a:p>
             <a:r>
               <a:rPr lang="en-US" dirty="0"/>
-              <a:t>Latex codes (some examples will be provided)</a:t>
-            </a:r>
-          </a:p>
-          <a:p>
-            <a:pPr>
-              <a:lnSpc>
-                <a:spcPct val="150000"/>
-              </a:lnSpc>
-            </a:pPr>
-            <a:r>
-              <a:rPr lang="en-US" dirty="0"/>
-              <a:t>Online publishing using markdown</a:t>
-            </a:r>
-          </a:p>
-          <a:p>
-            <a:pPr>
-              <a:lnSpc>
-                <a:spcPct val="150000"/>
-              </a:lnSpc>
-            </a:pPr>
-            <a:r>
-              <a:rPr lang="en-US" dirty="0"/>
-              <a:t>Creating interactive documents using R markdown and shiny</a:t>
-            </a:r>
-          </a:p>
-          <a:p>
-            <a:pPr marL="0" indent="0">
-              <a:buNone/>
-            </a:pPr>
+              <a:t>R Markdown reference manual</a:t>
+            </a:r>
+          </a:p>
+          <a:p>
+            <a:r>
+              <a:rPr lang="en-US" dirty="0">
+                <a:hlinkClick r:id="rId2"/>
+              </a:rPr>
+              <a:t>Composing reproducible manuscripts using R Markdown | Labs | </a:t>
+            </a:r>
+            <a:r>
+              <a:rPr lang="en-US" dirty="0" err="1">
+                <a:hlinkClick r:id="rId2"/>
+              </a:rPr>
+              <a:t>eLife</a:t>
+            </a:r>
+            <a:r>
+              <a:rPr lang="en-US" dirty="0">
+                <a:hlinkClick r:id="rId2"/>
+              </a:rPr>
+              <a:t> (elifesciences.org)</a:t>
+            </a:r>
+            <a:endParaRPr lang="en-US" dirty="0"/>
+          </a:p>
+          <a:p>
+            <a:r>
+              <a:rPr lang="en-IN" dirty="0">
+                <a:hlinkClick r:id="rId3"/>
+              </a:rPr>
+              <a:t>R Markdown: The Definitive Guide (bookdown.org)</a:t>
+            </a:r>
+            <a:endParaRPr lang="en-IN" dirty="0"/>
+          </a:p>
+          <a:p>
+            <a:r>
+              <a:rPr lang="en-IN" dirty="0"/>
+              <a:t>Many more (keeping looking)</a:t>
+            </a:r>
             <a:endParaRPr lang="en-US" dirty="0"/>
           </a:p>
         </p:txBody>
@@ -8724,7 +8672,7 @@
     </p:spTree>
     <p:extLst>
       <p:ext uri="{BB962C8B-B14F-4D97-AF65-F5344CB8AC3E}">
-        <p14:creationId xmlns:p14="http://schemas.microsoft.com/office/powerpoint/2010/main" val="3816386921"/>
+        <p14:creationId xmlns:p14="http://schemas.microsoft.com/office/powerpoint/2010/main" val="3414157185"/>
       </p:ext>
     </p:extLst>
   </p:cSld>
@@ -8756,7 +8704,7 @@
           <p:cNvPr id="2" name="Title 1">
             <a:extLst>
               <a:ext uri="{FF2B5EF4-FFF2-40B4-BE49-F238E27FC236}">
-                <a16:creationId xmlns:a16="http://schemas.microsoft.com/office/drawing/2014/main" id="{321A90D9-14CF-9E11-18CA-04B556619BA9}"/>
+                <a16:creationId xmlns:a16="http://schemas.microsoft.com/office/drawing/2014/main" id="{3DF97B78-35B8-58B0-863F-FF450A62486E}"/>
               </a:ext>
             </a:extLst>
           </p:cNvPr>
@@ -8767,27 +8715,94 @@
             <p:ph type="title"/>
           </p:nvPr>
         </p:nvSpPr>
-        <p:spPr>
-          <a:xfrm>
-            <a:off x="666750" y="2498725"/>
-            <a:ext cx="10064242" cy="1325563"/>
-          </a:xfrm>
-        </p:spPr>
+        <p:spPr/>
         <p:txBody>
           <a:bodyPr/>
           <a:lstStyle/>
           <a:p>
             <a:r>
               <a:rPr lang="en-US" dirty="0"/>
-              <a:t>Setup of the system for the first markdown </a:t>
-            </a:r>
+              <a:t>Not in the scope of this workshop</a:t>
+            </a:r>
+          </a:p>
+        </p:txBody>
+      </p:sp>
+      <p:sp>
+        <p:nvSpPr>
+          <p:cNvPr id="3" name="Content Placeholder 2">
+            <a:extLst>
+              <a:ext uri="{FF2B5EF4-FFF2-40B4-BE49-F238E27FC236}">
+                <a16:creationId xmlns:a16="http://schemas.microsoft.com/office/drawing/2014/main" id="{D6EBAA35-9ADB-AF90-7B25-EAB1DA3F624C}"/>
+              </a:ext>
+            </a:extLst>
+          </p:cNvPr>
+          <p:cNvSpPr>
+            <a:spLocks noGrp="1"/>
+          </p:cNvSpPr>
+          <p:nvPr>
+            <p:ph idx="1"/>
+          </p:nvPr>
+        </p:nvSpPr>
+        <p:spPr/>
+        <p:txBody>
+          <a:bodyPr/>
+          <a:lstStyle/>
+          <a:p>
+            <a:pPr>
+              <a:lnSpc>
+                <a:spcPct val="150000"/>
+              </a:lnSpc>
+            </a:pPr>
+            <a:r>
+              <a:rPr lang="en-US" dirty="0"/>
+              <a:t>Advance documents rendering</a:t>
+            </a:r>
+          </a:p>
+          <a:p>
+            <a:pPr>
+              <a:lnSpc>
+                <a:spcPct val="150000"/>
+              </a:lnSpc>
+            </a:pPr>
+            <a:r>
+              <a:rPr lang="en-US" dirty="0"/>
+              <a:t>Latex codes (some examples will be provided)</a:t>
+            </a:r>
+          </a:p>
+          <a:p>
+            <a:pPr>
+              <a:lnSpc>
+                <a:spcPct val="150000"/>
+              </a:lnSpc>
+            </a:pPr>
+            <a:r>
+              <a:rPr lang="en-US" dirty="0"/>
+              <a:t>Online publishing using markdown</a:t>
+            </a:r>
+          </a:p>
+          <a:p>
+            <a:pPr>
+              <a:lnSpc>
+                <a:spcPct val="150000"/>
+              </a:lnSpc>
+            </a:pPr>
+            <a:r>
+              <a:rPr lang="en-US" dirty="0"/>
+              <a:t>Creating interactive documents using R markdown and shiny</a:t>
+            </a:r>
+          </a:p>
+          <a:p>
+            <a:pPr marL="0" indent="0">
+              <a:buNone/>
+            </a:pPr>
+            <a:endParaRPr lang="en-US" dirty="0"/>
           </a:p>
         </p:txBody>
       </p:sp>
     </p:spTree>
     <p:extLst>
       <p:ext uri="{BB962C8B-B14F-4D97-AF65-F5344CB8AC3E}">
-        <p14:creationId xmlns:p14="http://schemas.microsoft.com/office/powerpoint/2010/main" val="1454302970"/>
+        <p14:creationId xmlns:p14="http://schemas.microsoft.com/office/powerpoint/2010/main" val="3816386921"/>
       </p:ext>
     </p:extLst>
   </p:cSld>
@@ -8819,6 +8834,69 @@
           <p:cNvPr id="2" name="Title 1">
             <a:extLst>
               <a:ext uri="{FF2B5EF4-FFF2-40B4-BE49-F238E27FC236}">
+                <a16:creationId xmlns:a16="http://schemas.microsoft.com/office/drawing/2014/main" id="{321A90D9-14CF-9E11-18CA-04B556619BA9}"/>
+              </a:ext>
+            </a:extLst>
+          </p:cNvPr>
+          <p:cNvSpPr>
+            <a:spLocks noGrp="1"/>
+          </p:cNvSpPr>
+          <p:nvPr>
+            <p:ph type="title"/>
+          </p:nvPr>
+        </p:nvSpPr>
+        <p:spPr>
+          <a:xfrm>
+            <a:off x="666750" y="2498725"/>
+            <a:ext cx="10064242" cy="1325563"/>
+          </a:xfrm>
+        </p:spPr>
+        <p:txBody>
+          <a:bodyPr/>
+          <a:lstStyle/>
+          <a:p>
+            <a:r>
+              <a:rPr lang="en-US" dirty="0"/>
+              <a:t>Setup of the system for the first markdown </a:t>
+            </a:r>
+          </a:p>
+        </p:txBody>
+      </p:sp>
+    </p:spTree>
+    <p:extLst>
+      <p:ext uri="{BB962C8B-B14F-4D97-AF65-F5344CB8AC3E}">
+        <p14:creationId xmlns:p14="http://schemas.microsoft.com/office/powerpoint/2010/main" val="1454302970"/>
+      </p:ext>
+    </p:extLst>
+  </p:cSld>
+  <p:clrMapOvr>
+    <a:masterClrMapping/>
+  </p:clrMapOvr>
+</p:sld>
+</file>
+
+<file path=ppt/slides/slide16.xml><?xml version="1.0" encoding="utf-8"?>
+<p:sld xmlns:a="http://schemas.openxmlformats.org/drawingml/2006/main" xmlns:r="http://schemas.openxmlformats.org/officeDocument/2006/relationships" xmlns:p="http://schemas.openxmlformats.org/presentationml/2006/main">
+  <p:cSld>
+    <p:spTree>
+      <p:nvGrpSpPr>
+        <p:cNvPr id="1" name=""/>
+        <p:cNvGrpSpPr/>
+        <p:nvPr/>
+      </p:nvGrpSpPr>
+      <p:grpSpPr>
+        <a:xfrm>
+          <a:off x="0" y="0"/>
+          <a:ext cx="0" cy="0"/>
+          <a:chOff x="0" y="0"/>
+          <a:chExt cx="0" cy="0"/>
+        </a:xfrm>
+      </p:grpSpPr>
+      <p:sp>
+        <p:nvSpPr>
+          <p:cNvPr id="2" name="Title 1">
+            <a:extLst>
+              <a:ext uri="{FF2B5EF4-FFF2-40B4-BE49-F238E27FC236}">
                 <a16:creationId xmlns:a16="http://schemas.microsoft.com/office/drawing/2014/main" id="{5E6E2D87-1C9B-32CA-0FBB-D60D376B3E46}"/>
               </a:ext>
             </a:extLst>
@@ -8931,7 +9009,7 @@
 </p:sld>
 </file>
 
-<file path=ppt/slides/slide16.xml><?xml version="1.0" encoding="utf-8"?>
+<file path=ppt/slides/slide17.xml><?xml version="1.0" encoding="utf-8"?>
 <p:sld xmlns:a="http://schemas.openxmlformats.org/drawingml/2006/main" xmlns:r="http://schemas.openxmlformats.org/officeDocument/2006/relationships" xmlns:p="http://schemas.openxmlformats.org/presentationml/2006/main">
   <p:cSld>
     <p:spTree>
@@ -9430,7 +9508,7 @@
             </a:r>
             <a:r>
               <a:rPr lang="en-IN" dirty="0"/>
-              <a:t> or VS editor (If can use VS editor, its is OK, but this workshop will use </a:t>
+              <a:t> or VS editor (You can use VS editor, its is OK, but this workshop will use </a:t>
             </a:r>
             <a:r>
               <a:rPr lang="en-IN" dirty="0" err="1"/>
@@ -9473,6 +9551,14 @@
               <a:rPr lang="en-IN" dirty="0"/>
               <a:t> (help to create tables)</a:t>
             </a:r>
+          </a:p>
+          <a:p>
+            <a:pPr lvl="1"/>
+            <a:r>
+              <a:rPr lang="en-IN" dirty="0" err="1"/>
+              <a:t>KabbleExtra</a:t>
+            </a:r>
+            <a:endParaRPr lang="en-IN" dirty="0"/>
           </a:p>
           <a:p>
             <a:pPr lvl="1"/>

--- a/SCCS-2023-Rmarkdown-workshop.pptx
+++ b/SCCS-2023-Rmarkdown-workshop.pptx
@@ -19,10 +19,10 @@
     <p:sldId id="264" r:id="rId10"/>
     <p:sldId id="265" r:id="rId11"/>
     <p:sldId id="272" r:id="rId12"/>
-    <p:sldId id="266" r:id="rId13"/>
-    <p:sldId id="267" r:id="rId14"/>
-    <p:sldId id="268" r:id="rId15"/>
-    <p:sldId id="269" r:id="rId16"/>
+    <p:sldId id="268" r:id="rId13"/>
+    <p:sldId id="269" r:id="rId14"/>
+    <p:sldId id="266" r:id="rId15"/>
+    <p:sldId id="267" r:id="rId16"/>
     <p:sldId id="270" r:id="rId17"/>
     <p:sldId id="271" r:id="rId18"/>
   </p:sldIdLst>
@@ -3718,7 +3718,7 @@
           <a:p>
             <a:fld id="{427F92CC-0316-4214-B943-0FF7779937B3}" type="datetimeFigureOut">
               <a:rPr lang="en-US" smtClean="0"/>
-              <a:t>10/11/2023</a:t>
+              <a:t>10/12/2023</a:t>
             </a:fld>
             <a:endParaRPr lang="en-US"/>
           </a:p>
@@ -4388,7 +4388,7 @@
           <a:p>
             <a:fld id="{28B03398-6DAF-499F-8BA9-F22F110BDA64}" type="datetimeFigureOut">
               <a:rPr lang="en-IN" smtClean="0"/>
-              <a:t>11-10-2023</a:t>
+              <a:t>12-10-2023</a:t>
             </a:fld>
             <a:endParaRPr lang="en-IN"/>
           </a:p>
@@ -4614,7 +4614,7 @@
           <a:p>
             <a:fld id="{28B03398-6DAF-499F-8BA9-F22F110BDA64}" type="datetimeFigureOut">
               <a:rPr lang="en-IN" smtClean="0"/>
-              <a:t>11-10-2023</a:t>
+              <a:t>12-10-2023</a:t>
             </a:fld>
             <a:endParaRPr lang="en-IN"/>
           </a:p>
@@ -4830,7 +4830,7 @@
           <a:p>
             <a:fld id="{28B03398-6DAF-499F-8BA9-F22F110BDA64}" type="datetimeFigureOut">
               <a:rPr lang="en-IN" smtClean="0"/>
-              <a:t>11-10-2023</a:t>
+              <a:t>12-10-2023</a:t>
             </a:fld>
             <a:endParaRPr lang="en-IN"/>
           </a:p>
@@ -5122,7 +5122,7 @@
           <a:p>
             <a:fld id="{28B03398-6DAF-499F-8BA9-F22F110BDA64}" type="datetimeFigureOut">
               <a:rPr lang="en-IN" smtClean="0"/>
-              <a:t>11-10-2023</a:t>
+              <a:t>12-10-2023</a:t>
             </a:fld>
             <a:endParaRPr lang="en-IN"/>
           </a:p>
@@ -5406,7 +5406,7 @@
           <a:p>
             <a:fld id="{28B03398-6DAF-499F-8BA9-F22F110BDA64}" type="datetimeFigureOut">
               <a:rPr lang="en-IN" smtClean="0"/>
-              <a:t>11-10-2023</a:t>
+              <a:t>12-10-2023</a:t>
             </a:fld>
             <a:endParaRPr lang="en-IN"/>
           </a:p>
@@ -5837,7 +5837,7 @@
           <a:p>
             <a:fld id="{28B03398-6DAF-499F-8BA9-F22F110BDA64}" type="datetimeFigureOut">
               <a:rPr lang="en-IN" smtClean="0"/>
-              <a:t>11-10-2023</a:t>
+              <a:t>12-10-2023</a:t>
             </a:fld>
             <a:endParaRPr lang="en-IN"/>
           </a:p>
@@ -5995,7 +5995,7 @@
           <a:p>
             <a:fld id="{28B03398-6DAF-499F-8BA9-F22F110BDA64}" type="datetimeFigureOut">
               <a:rPr lang="en-IN" smtClean="0"/>
-              <a:t>11-10-2023</a:t>
+              <a:t>12-10-2023</a:t>
             </a:fld>
             <a:endParaRPr lang="en-IN"/>
           </a:p>
@@ -6124,7 +6124,7 @@
           <a:p>
             <a:fld id="{28B03398-6DAF-499F-8BA9-F22F110BDA64}" type="datetimeFigureOut">
               <a:rPr lang="en-IN" smtClean="0"/>
-              <a:t>11-10-2023</a:t>
+              <a:t>12-10-2023</a:t>
             </a:fld>
             <a:endParaRPr lang="en-IN"/>
           </a:p>
@@ -6453,7 +6453,7 @@
           <a:p>
             <a:fld id="{28B03398-6DAF-499F-8BA9-F22F110BDA64}" type="datetimeFigureOut">
               <a:rPr lang="en-IN" smtClean="0"/>
-              <a:t>11-10-2023</a:t>
+              <a:t>12-10-2023</a:t>
             </a:fld>
             <a:endParaRPr lang="en-IN"/>
           </a:p>
@@ -6758,7 +6758,7 @@
           <a:p>
             <a:fld id="{28B03398-6DAF-499F-8BA9-F22F110BDA64}" type="datetimeFigureOut">
               <a:rPr lang="en-IN" smtClean="0"/>
-              <a:t>11-10-2023</a:t>
+              <a:t>12-10-2023</a:t>
             </a:fld>
             <a:endParaRPr lang="en-IN"/>
           </a:p>
@@ -8371,7 +8371,7 @@
           <p:cNvPr id="2" name="Title 1">
             <a:extLst>
               <a:ext uri="{FF2B5EF4-FFF2-40B4-BE49-F238E27FC236}">
-                <a16:creationId xmlns:a16="http://schemas.microsoft.com/office/drawing/2014/main" id="{DE19185E-E521-2FF8-7E1B-D2B7489D1679}"/>
+                <a16:creationId xmlns:a16="http://schemas.microsoft.com/office/drawing/2014/main" id="{3DF97B78-35B8-58B0-863F-FF450A62486E}"/>
               </a:ext>
             </a:extLst>
           </p:cNvPr>
@@ -8389,7 +8389,7 @@
           <a:p>
             <a:r>
               <a:rPr lang="en-US" dirty="0"/>
-              <a:t>Setting up RStudio for markdown</a:t>
+              <a:t>Not in the scope of this workshop</a:t>
             </a:r>
           </a:p>
         </p:txBody>
@@ -8399,7 +8399,7 @@
           <p:cNvPr id="3" name="Content Placeholder 2">
             <a:extLst>
               <a:ext uri="{FF2B5EF4-FFF2-40B4-BE49-F238E27FC236}">
-                <a16:creationId xmlns:a16="http://schemas.microsoft.com/office/drawing/2014/main" id="{577FDE69-F4A2-4A27-4FA9-758214D7E225}"/>
+                <a16:creationId xmlns:a16="http://schemas.microsoft.com/office/drawing/2014/main" id="{D6EBAA35-9ADB-AF90-7B25-EAB1DA3F624C}"/>
               </a:ext>
             </a:extLst>
           </p:cNvPr>
@@ -8412,125 +8412,56 @@
         </p:nvSpPr>
         <p:spPr/>
         <p:txBody>
-          <a:bodyPr>
-            <a:normAutofit fontScale="92500" lnSpcReduction="10000"/>
-          </a:bodyPr>
+          <a:bodyPr/>
           <a:lstStyle/>
           <a:p>
+            <a:pPr>
+              <a:lnSpc>
+                <a:spcPct val="150000"/>
+              </a:lnSpc>
+            </a:pPr>
             <a:r>
               <a:rPr lang="en-US" dirty="0"/>
-              <a:t>Step1: Install R and </a:t>
-            </a:r>
-            <a:r>
-              <a:rPr lang="en-US" dirty="0" err="1"/>
-              <a:t>Rstudio</a:t>
-            </a:r>
-            <a:endParaRPr lang="en-US" dirty="0"/>
-          </a:p>
-          <a:p>
+              <a:t>Advance documents rendering</a:t>
+            </a:r>
+          </a:p>
+          <a:p>
+            <a:pPr>
+              <a:lnSpc>
+                <a:spcPct val="150000"/>
+              </a:lnSpc>
+            </a:pPr>
             <a:r>
               <a:rPr lang="en-US" dirty="0"/>
-              <a:t>Step2: Install packages</a:t>
-            </a:r>
-          </a:p>
-          <a:p>
-            <a:pPr lvl="1"/>
+              <a:t>Latex codes (some examples will be provided)</a:t>
+            </a:r>
+          </a:p>
+          <a:p>
+            <a:pPr>
+              <a:lnSpc>
+                <a:spcPct val="150000"/>
+              </a:lnSpc>
+            </a:pPr>
             <a:r>
               <a:rPr lang="en-US" dirty="0"/>
-              <a:t>“</a:t>
-            </a:r>
-            <a:r>
-              <a:rPr lang="en-US" dirty="0" err="1"/>
-              <a:t>rmarkdown</a:t>
-            </a:r>
+              <a:t>Online publishing using markdown</a:t>
+            </a:r>
+          </a:p>
+          <a:p>
+            <a:pPr>
+              <a:lnSpc>
+                <a:spcPct val="150000"/>
+              </a:lnSpc>
+            </a:pPr>
             <a:r>
               <a:rPr lang="en-US" dirty="0"/>
-              <a:t>”</a:t>
-            </a:r>
-          </a:p>
-          <a:p>
-            <a:pPr lvl="1"/>
-            <a:r>
-              <a:rPr lang="en-US" dirty="0"/>
-              <a:t>“</a:t>
-            </a:r>
-            <a:r>
-              <a:rPr lang="en-US" dirty="0" err="1"/>
-              <a:t>knitr</a:t>
-            </a:r>
-            <a:r>
-              <a:rPr lang="en-US" dirty="0"/>
-              <a:t>”</a:t>
-            </a:r>
-          </a:p>
-          <a:p>
-            <a:pPr lvl="1"/>
-            <a:r>
-              <a:rPr lang="en-US" dirty="0"/>
-              <a:t>“</a:t>
-            </a:r>
-            <a:r>
-              <a:rPr lang="en-US" dirty="0" err="1"/>
-              <a:t>TinyTex</a:t>
-            </a:r>
-            <a:r>
-              <a:rPr lang="en-US" dirty="0"/>
-              <a:t> for pdf”</a:t>
-            </a:r>
-          </a:p>
-          <a:p>
-            <a:r>
-              <a:rPr lang="en-US" dirty="0"/>
-              <a:t>In your </a:t>
-            </a:r>
-            <a:r>
-              <a:rPr lang="en-US" dirty="0" err="1"/>
-              <a:t>Rstudio</a:t>
-            </a:r>
-            <a:r>
-              <a:rPr lang="en-US" dirty="0"/>
-              <a:t>, on the menu bar, </a:t>
-            </a:r>
-          </a:p>
-          <a:p>
-            <a:pPr lvl="1"/>
-            <a:r>
-              <a:rPr lang="en-US" dirty="0"/>
-              <a:t>click on the </a:t>
-            </a:r>
-            <a:r>
-              <a:rPr lang="en-US" dirty="0" err="1"/>
-              <a:t>file</a:t>
-            </a:r>
-            <a:r>
-              <a:rPr lang="en-US" dirty="0" err="1">
-                <a:sym typeface="Wingdings" panose="05000000000000000000" pitchFamily="2" charset="2"/>
-              </a:rPr>
-              <a:t>new</a:t>
-            </a:r>
-            <a:r>
-              <a:rPr lang="en-US" dirty="0">
-                <a:sym typeface="Wingdings" panose="05000000000000000000" pitchFamily="2" charset="2"/>
-              </a:rPr>
-              <a:t> file R markdown, to open a pop-up window</a:t>
-            </a:r>
-          </a:p>
-          <a:p>
-            <a:endParaRPr lang="en-US" dirty="0"/>
-          </a:p>
-          <a:p>
-            <a:r>
-              <a:rPr lang="en-US" dirty="0"/>
-              <a:t>Select the option for different document types ( multiple document types can be rendered)</a:t>
-            </a:r>
-          </a:p>
-          <a:p>
-            <a:r>
-              <a:rPr lang="en-US" dirty="0"/>
-              <a:t>Click OK to start the file with .RMD ext. </a:t>
-            </a:r>
-          </a:p>
-          <a:p>
+              <a:t>Creating interactive documents using R markdown and shiny</a:t>
+            </a:r>
+          </a:p>
+          <a:p>
+            <a:pPr marL="0" indent="0">
+              <a:buNone/>
+            </a:pPr>
             <a:endParaRPr lang="en-US" dirty="0"/>
           </a:p>
         </p:txBody>
@@ -8538,7 +8469,7 @@
     </p:spTree>
     <p:extLst>
       <p:ext uri="{BB962C8B-B14F-4D97-AF65-F5344CB8AC3E}">
-        <p14:creationId xmlns:p14="http://schemas.microsoft.com/office/powerpoint/2010/main" val="2288258770"/>
+        <p14:creationId xmlns:p14="http://schemas.microsoft.com/office/powerpoint/2010/main" val="3816386921"/>
       </p:ext>
     </p:extLst>
   </p:cSld>
@@ -8570,7 +8501,7 @@
           <p:cNvPr id="2" name="Title 1">
             <a:extLst>
               <a:ext uri="{FF2B5EF4-FFF2-40B4-BE49-F238E27FC236}">
-                <a16:creationId xmlns:a16="http://schemas.microsoft.com/office/drawing/2014/main" id="{D5E2A888-4371-2C77-8D70-67C5D2A3E50F}"/>
+                <a16:creationId xmlns:a16="http://schemas.microsoft.com/office/drawing/2014/main" id="{321A90D9-14CF-9E11-18CA-04B556619BA9}"/>
               </a:ext>
             </a:extLst>
           </p:cNvPr>
@@ -8581,38 +8512,10 @@
             <p:ph type="title"/>
           </p:nvPr>
         </p:nvSpPr>
-        <p:spPr/>
-        <p:txBody>
-          <a:bodyPr/>
-          <a:lstStyle/>
-          <a:p>
-            <a:r>
-              <a:rPr lang="en-US" dirty="0"/>
-              <a:t>Additional documents for help</a:t>
-            </a:r>
-          </a:p>
-        </p:txBody>
-      </p:sp>
-      <p:sp>
-        <p:nvSpPr>
-          <p:cNvPr id="3" name="Content Placeholder 2">
-            <a:extLst>
-              <a:ext uri="{FF2B5EF4-FFF2-40B4-BE49-F238E27FC236}">
-                <a16:creationId xmlns:a16="http://schemas.microsoft.com/office/drawing/2014/main" id="{662CC8F7-1286-E21F-DD90-0B000D5F51C8}"/>
-              </a:ext>
-            </a:extLst>
-          </p:cNvPr>
-          <p:cNvSpPr>
-            <a:spLocks noGrp="1"/>
-          </p:cNvSpPr>
-          <p:nvPr>
-            <p:ph idx="1"/>
-          </p:nvPr>
-        </p:nvSpPr>
         <p:spPr>
           <a:xfrm>
-            <a:off x="838200" y="1825625"/>
-            <a:ext cx="10064242" cy="2974975"/>
+            <a:off x="666750" y="2498725"/>
+            <a:ext cx="10064242" cy="1325563"/>
           </a:xfrm>
         </p:spPr>
         <p:txBody>
@@ -8621,58 +8524,15 @@
           <a:p>
             <a:r>
               <a:rPr lang="en-US" dirty="0"/>
-              <a:t>R Markdown cheat sheet</a:t>
-            </a:r>
-          </a:p>
-          <a:p>
-            <a:r>
-              <a:rPr lang="en-US" dirty="0"/>
-              <a:t>R Markdown reference manual</a:t>
-            </a:r>
-          </a:p>
-          <a:p>
-            <a:r>
-              <a:rPr lang="en-US" dirty="0">
-                <a:hlinkClick r:id="rId2"/>
-              </a:rPr>
-              <a:t>Composing reproducible manuscripts using R Markdown | Labs | </a:t>
-            </a:r>
-            <a:r>
-              <a:rPr lang="en-US" dirty="0" err="1">
-                <a:hlinkClick r:id="rId2"/>
-              </a:rPr>
-              <a:t>eLife</a:t>
-            </a:r>
-            <a:r>
-              <a:rPr lang="en-US" dirty="0">
-                <a:hlinkClick r:id="rId2"/>
-              </a:rPr>
-              <a:t> (elifesciences.org)</a:t>
-            </a:r>
-            <a:endParaRPr lang="en-US" dirty="0"/>
-          </a:p>
-          <a:p>
-            <a:r>
-              <a:rPr lang="en-IN" dirty="0">
-                <a:hlinkClick r:id="rId3"/>
-              </a:rPr>
-              <a:t>R Markdown: The Definitive Guide (bookdown.org)</a:t>
-            </a:r>
-            <a:endParaRPr lang="en-IN" dirty="0"/>
-          </a:p>
-          <a:p>
-            <a:r>
-              <a:rPr lang="en-IN" dirty="0"/>
-              <a:t>Many more (keeping looking)</a:t>
-            </a:r>
-            <a:endParaRPr lang="en-US" dirty="0"/>
+              <a:t>Setup of the system for the first markdown </a:t>
+            </a:r>
           </a:p>
         </p:txBody>
       </p:sp>
     </p:spTree>
     <p:extLst>
       <p:ext uri="{BB962C8B-B14F-4D97-AF65-F5344CB8AC3E}">
-        <p14:creationId xmlns:p14="http://schemas.microsoft.com/office/powerpoint/2010/main" val="3414157185"/>
+        <p14:creationId xmlns:p14="http://schemas.microsoft.com/office/powerpoint/2010/main" val="1454302970"/>
       </p:ext>
     </p:extLst>
   </p:cSld>
@@ -8704,7 +8564,7 @@
           <p:cNvPr id="2" name="Title 1">
             <a:extLst>
               <a:ext uri="{FF2B5EF4-FFF2-40B4-BE49-F238E27FC236}">
-                <a16:creationId xmlns:a16="http://schemas.microsoft.com/office/drawing/2014/main" id="{3DF97B78-35B8-58B0-863F-FF450A62486E}"/>
+                <a16:creationId xmlns:a16="http://schemas.microsoft.com/office/drawing/2014/main" id="{DE19185E-E521-2FF8-7E1B-D2B7489D1679}"/>
               </a:ext>
             </a:extLst>
           </p:cNvPr>
@@ -8722,7 +8582,7 @@
           <a:p>
             <a:r>
               <a:rPr lang="en-US" dirty="0"/>
-              <a:t>Not in the scope of this workshop</a:t>
+              <a:t>Setting up RStudio for markdown</a:t>
             </a:r>
           </a:p>
         </p:txBody>
@@ -8732,7 +8592,7 @@
           <p:cNvPr id="3" name="Content Placeholder 2">
             <a:extLst>
               <a:ext uri="{FF2B5EF4-FFF2-40B4-BE49-F238E27FC236}">
-                <a16:creationId xmlns:a16="http://schemas.microsoft.com/office/drawing/2014/main" id="{D6EBAA35-9ADB-AF90-7B25-EAB1DA3F624C}"/>
+                <a16:creationId xmlns:a16="http://schemas.microsoft.com/office/drawing/2014/main" id="{577FDE69-F4A2-4A27-4FA9-758214D7E225}"/>
               </a:ext>
             </a:extLst>
           </p:cNvPr>
@@ -8745,56 +8605,125 @@
         </p:nvSpPr>
         <p:spPr/>
         <p:txBody>
-          <a:bodyPr/>
+          <a:bodyPr>
+            <a:normAutofit fontScale="92500" lnSpcReduction="10000"/>
+          </a:bodyPr>
           <a:lstStyle/>
           <a:p>
-            <a:pPr>
-              <a:lnSpc>
-                <a:spcPct val="150000"/>
-              </a:lnSpc>
-            </a:pPr>
             <a:r>
               <a:rPr lang="en-US" dirty="0"/>
-              <a:t>Advance documents rendering</a:t>
-            </a:r>
-          </a:p>
-          <a:p>
-            <a:pPr>
-              <a:lnSpc>
-                <a:spcPct val="150000"/>
-              </a:lnSpc>
-            </a:pPr>
+              <a:t>Step1: Install R and </a:t>
+            </a:r>
+            <a:r>
+              <a:rPr lang="en-US" dirty="0" err="1"/>
+              <a:t>Rstudio</a:t>
+            </a:r>
+            <a:endParaRPr lang="en-US" dirty="0"/>
+          </a:p>
+          <a:p>
             <a:r>
               <a:rPr lang="en-US" dirty="0"/>
-              <a:t>Latex codes (some examples will be provided)</a:t>
-            </a:r>
-          </a:p>
-          <a:p>
-            <a:pPr>
-              <a:lnSpc>
-                <a:spcPct val="150000"/>
-              </a:lnSpc>
-            </a:pPr>
+              <a:t>Step2: Install packages</a:t>
+            </a:r>
+          </a:p>
+          <a:p>
+            <a:pPr lvl="1"/>
             <a:r>
               <a:rPr lang="en-US" dirty="0"/>
-              <a:t>Online publishing using markdown</a:t>
-            </a:r>
-          </a:p>
-          <a:p>
-            <a:pPr>
-              <a:lnSpc>
-                <a:spcPct val="150000"/>
-              </a:lnSpc>
-            </a:pPr>
+              <a:t>“</a:t>
+            </a:r>
+            <a:r>
+              <a:rPr lang="en-US" dirty="0" err="1"/>
+              <a:t>rmarkdown</a:t>
+            </a:r>
             <a:r>
               <a:rPr lang="en-US" dirty="0"/>
-              <a:t>Creating interactive documents using R markdown and shiny</a:t>
-            </a:r>
-          </a:p>
-          <a:p>
-            <a:pPr marL="0" indent="0">
-              <a:buNone/>
-            </a:pPr>
+              <a:t>”</a:t>
+            </a:r>
+          </a:p>
+          <a:p>
+            <a:pPr lvl="1"/>
+            <a:r>
+              <a:rPr lang="en-US" dirty="0"/>
+              <a:t>“</a:t>
+            </a:r>
+            <a:r>
+              <a:rPr lang="en-US" dirty="0" err="1"/>
+              <a:t>knitr</a:t>
+            </a:r>
+            <a:r>
+              <a:rPr lang="en-US" dirty="0"/>
+              <a:t>”</a:t>
+            </a:r>
+          </a:p>
+          <a:p>
+            <a:pPr lvl="1"/>
+            <a:r>
+              <a:rPr lang="en-US" dirty="0"/>
+              <a:t>“</a:t>
+            </a:r>
+            <a:r>
+              <a:rPr lang="en-US" dirty="0" err="1"/>
+              <a:t>TinyTex</a:t>
+            </a:r>
+            <a:r>
+              <a:rPr lang="en-US" dirty="0"/>
+              <a:t> for pdf”</a:t>
+            </a:r>
+          </a:p>
+          <a:p>
+            <a:r>
+              <a:rPr lang="en-US" dirty="0"/>
+              <a:t>In your </a:t>
+            </a:r>
+            <a:r>
+              <a:rPr lang="en-US" dirty="0" err="1"/>
+              <a:t>Rstudio</a:t>
+            </a:r>
+            <a:r>
+              <a:rPr lang="en-US" dirty="0"/>
+              <a:t>, on the menu bar, </a:t>
+            </a:r>
+          </a:p>
+          <a:p>
+            <a:pPr lvl="1"/>
+            <a:r>
+              <a:rPr lang="en-US" dirty="0"/>
+              <a:t>click on the </a:t>
+            </a:r>
+            <a:r>
+              <a:rPr lang="en-US" dirty="0" err="1"/>
+              <a:t>file</a:t>
+            </a:r>
+            <a:r>
+              <a:rPr lang="en-US" dirty="0" err="1">
+                <a:sym typeface="Wingdings" panose="05000000000000000000" pitchFamily="2" charset="2"/>
+              </a:rPr>
+              <a:t>new</a:t>
+            </a:r>
+            <a:r>
+              <a:rPr lang="en-US" dirty="0">
+                <a:sym typeface="Wingdings" panose="05000000000000000000" pitchFamily="2" charset="2"/>
+              </a:rPr>
+              <a:t> file R markdown, to open a pop-up window</a:t>
+            </a:r>
+          </a:p>
+          <a:p>
+            <a:endParaRPr lang="en-US" dirty="0"/>
+          </a:p>
+          <a:p>
+            <a:r>
+              <a:rPr lang="en-US" dirty="0"/>
+              <a:t>Select the option for different document types ( multiple document types can be rendered)</a:t>
+            </a:r>
+          </a:p>
+          <a:p>
+            <a:r>
+              <a:rPr lang="en-US" dirty="0"/>
+              <a:t>Click OK to start the file with .RMD ext. </a:t>
+            </a:r>
+          </a:p>
+          <a:p>
             <a:endParaRPr lang="en-US" dirty="0"/>
           </a:p>
         </p:txBody>
@@ -8802,7 +8731,7 @@
     </p:spTree>
     <p:extLst>
       <p:ext uri="{BB962C8B-B14F-4D97-AF65-F5344CB8AC3E}">
-        <p14:creationId xmlns:p14="http://schemas.microsoft.com/office/powerpoint/2010/main" val="3816386921"/>
+        <p14:creationId xmlns:p14="http://schemas.microsoft.com/office/powerpoint/2010/main" val="2288258770"/>
       </p:ext>
     </p:extLst>
   </p:cSld>
@@ -8834,7 +8763,7 @@
           <p:cNvPr id="2" name="Title 1">
             <a:extLst>
               <a:ext uri="{FF2B5EF4-FFF2-40B4-BE49-F238E27FC236}">
-                <a16:creationId xmlns:a16="http://schemas.microsoft.com/office/drawing/2014/main" id="{321A90D9-14CF-9E11-18CA-04B556619BA9}"/>
+                <a16:creationId xmlns:a16="http://schemas.microsoft.com/office/drawing/2014/main" id="{D5E2A888-4371-2C77-8D70-67C5D2A3E50F}"/>
               </a:ext>
             </a:extLst>
           </p:cNvPr>
@@ -8845,10 +8774,38 @@
             <p:ph type="title"/>
           </p:nvPr>
         </p:nvSpPr>
+        <p:spPr/>
+        <p:txBody>
+          <a:bodyPr/>
+          <a:lstStyle/>
+          <a:p>
+            <a:r>
+              <a:rPr lang="en-US" dirty="0"/>
+              <a:t>Additional documents for help</a:t>
+            </a:r>
+          </a:p>
+        </p:txBody>
+      </p:sp>
+      <p:sp>
+        <p:nvSpPr>
+          <p:cNvPr id="3" name="Content Placeholder 2">
+            <a:extLst>
+              <a:ext uri="{FF2B5EF4-FFF2-40B4-BE49-F238E27FC236}">
+                <a16:creationId xmlns:a16="http://schemas.microsoft.com/office/drawing/2014/main" id="{662CC8F7-1286-E21F-DD90-0B000D5F51C8}"/>
+              </a:ext>
+            </a:extLst>
+          </p:cNvPr>
+          <p:cNvSpPr>
+            <a:spLocks noGrp="1"/>
+          </p:cNvSpPr>
+          <p:nvPr>
+            <p:ph idx="1"/>
+          </p:nvPr>
+        </p:nvSpPr>
         <p:spPr>
           <a:xfrm>
-            <a:off x="666750" y="2498725"/>
-            <a:ext cx="10064242" cy="1325563"/>
+            <a:off x="838200" y="1825625"/>
+            <a:ext cx="10064242" cy="2974975"/>
           </a:xfrm>
         </p:spPr>
         <p:txBody>
@@ -8857,15 +8814,58 @@
           <a:p>
             <a:r>
               <a:rPr lang="en-US" dirty="0"/>
-              <a:t>Setup of the system for the first markdown </a:t>
-            </a:r>
+              <a:t>R Markdown cheat sheet</a:t>
+            </a:r>
+          </a:p>
+          <a:p>
+            <a:r>
+              <a:rPr lang="en-US" dirty="0"/>
+              <a:t>R Markdown reference manual</a:t>
+            </a:r>
+          </a:p>
+          <a:p>
+            <a:r>
+              <a:rPr lang="en-US" dirty="0">
+                <a:hlinkClick r:id="rId2"/>
+              </a:rPr>
+              <a:t>Composing reproducible manuscripts using R Markdown | Labs | </a:t>
+            </a:r>
+            <a:r>
+              <a:rPr lang="en-US" dirty="0" err="1">
+                <a:hlinkClick r:id="rId2"/>
+              </a:rPr>
+              <a:t>eLife</a:t>
+            </a:r>
+            <a:r>
+              <a:rPr lang="en-US" dirty="0">
+                <a:hlinkClick r:id="rId2"/>
+              </a:rPr>
+              <a:t> (elifesciences.org)</a:t>
+            </a:r>
+            <a:endParaRPr lang="en-US" dirty="0"/>
+          </a:p>
+          <a:p>
+            <a:r>
+              <a:rPr lang="en-IN" dirty="0">
+                <a:hlinkClick r:id="rId3"/>
+              </a:rPr>
+              <a:t>R Markdown: The Definitive Guide (bookdown.org)</a:t>
+            </a:r>
+            <a:endParaRPr lang="en-IN" dirty="0"/>
+          </a:p>
+          <a:p>
+            <a:r>
+              <a:rPr lang="en-IN" dirty="0"/>
+              <a:t>Many more (keeping looking)</a:t>
+            </a:r>
+            <a:endParaRPr lang="en-US" dirty="0"/>
           </a:p>
         </p:txBody>
       </p:sp>
     </p:spTree>
     <p:extLst>
       <p:ext uri="{BB962C8B-B14F-4D97-AF65-F5344CB8AC3E}">
-        <p14:creationId xmlns:p14="http://schemas.microsoft.com/office/powerpoint/2010/main" val="1454302970"/>
+        <p14:creationId xmlns:p14="http://schemas.microsoft.com/office/powerpoint/2010/main" val="3414157185"/>
       </p:ext>
     </p:extLst>
   </p:cSld>
@@ -9073,7 +9073,7 @@
         <p:spPr/>
         <p:txBody>
           <a:bodyPr>
-            <a:normAutofit lnSpcReduction="10000"/>
+            <a:normAutofit/>
           </a:bodyPr>
           <a:lstStyle/>
           <a:p>
@@ -9107,17 +9107,6 @@
             <a:r>
               <a:rPr lang="en-IN" dirty="0"/>
               <a:t>Equations</a:t>
-            </a:r>
-          </a:p>
-          <a:p>
-            <a:pPr>
-              <a:lnSpc>
-                <a:spcPct val="150000"/>
-              </a:lnSpc>
-            </a:pPr>
-            <a:r>
-              <a:rPr lang="en-IN" dirty="0"/>
-              <a:t>Citation and citation style in R markdown</a:t>
             </a:r>
           </a:p>
           <a:p>
